--- a/R/examples/MLdemo/MLPre-demo.pptx
+++ b/R/examples/MLdemo/MLPre-demo.pptx
@@ -2,28 +2,31 @@
 <file path=ppt/presentation.xml><?xml version="1.0" encoding="utf-8"?>
 <p:presentation xmlns:a="http://schemas.openxmlformats.org/drawingml/2006/main" xmlns:r="http://schemas.openxmlformats.org/officeDocument/2006/relationships" xmlns:p="http://schemas.openxmlformats.org/presentationml/2006/main">
   <p:sldMasterIdLst>
-    <p:sldMasterId id="2147483648" r:id="rId5"/>
+    <p:sldMasterId id="2147483648" r:id="rId1"/>
   </p:sldMasterIdLst>
   <p:notesMasterIdLst>
-    <p:notesMasterId r:id="rId7"/>
+    <p:notesMasterId r:id="rId19"/>
   </p:notesMasterIdLst>
   <p:sldIdLst>
-    <p:sldId id="256" r:id="rId8"/>
-    <p:sldId id="257" r:id="rId9"/>
-    <p:sldId id="258" r:id="rId10"/>
-    <p:sldId id="259" r:id="rId11"/>
-    <p:sldId id="260" r:id="rId12"/>
-    <p:sldId id="261" r:id="rId13"/>
-    <p:sldId id="262" r:id="rId14"/>
-    <p:sldId id="263" r:id="rId15"/>
-    <p:sldId id="264" r:id="rId16"/>
-    <p:sldId id="265" r:id="rId17"/>
-    <p:sldId id="266" r:id="rId18"/>
-    <p:sldId id="267" r:id="rId19"/>
-    <p:sldId id="268" r:id="rId20"/>
-    <p:sldId id="269" r:id="rId21"/>
+    <p:sldId id="256" r:id="rId2"/>
+    <p:sldId id="257" r:id="rId3"/>
+    <p:sldId id="258" r:id="rId4"/>
+    <p:sldId id="259" r:id="rId5"/>
+    <p:sldId id="260" r:id="rId6"/>
+    <p:sldId id="261" r:id="rId7"/>
+    <p:sldId id="262" r:id="rId8"/>
+    <p:sldId id="263" r:id="rId9"/>
+    <p:sldId id="264" r:id="rId10"/>
+    <p:sldId id="265" r:id="rId11"/>
+    <p:sldId id="266" r:id="rId12"/>
+    <p:sldId id="267" r:id="rId13"/>
+    <p:sldId id="268" r:id="rId14"/>
+    <p:sldId id="271" r:id="rId15"/>
+    <p:sldId id="272" r:id="rId16"/>
+    <p:sldId id="273" r:id="rId17"/>
+    <p:sldId id="269" r:id="rId18"/>
   </p:sldIdLst>
-  <p:sldSz cx="9144000" cy="6858000"/>
+  <p:sldSz cx="9144000" cy="6858000" type="screen4x3"/>
   <p:notesSz cx="6858000" cy="9144000"/>
   <p:defaultTextStyle>
     <a:lvl1pPr defTabSz="457200">
@@ -174,13 +177,14 @@
 </p:presentation>
 </file>
 
-<file path=ppt/commentAuthors.xml><?xml version="1.0" encoding="utf-8"?>
-<p:cmAuthorLst xmlns:a="http://schemas.openxmlformats.org/drawingml/2006/main" xmlns:r="http://schemas.openxmlformats.org/officeDocument/2006/relationships" xmlns:p="http://schemas.openxmlformats.org/presentationml/2006/main"/>
-</file>
-
 <file path=ppt/notesMasters/notesMaster1.xml><?xml version="1.0" encoding="utf-8"?>
 <p:notesMaster xmlns:a="http://schemas.openxmlformats.org/drawingml/2006/main" xmlns:r="http://schemas.openxmlformats.org/officeDocument/2006/relationships" xmlns:p="http://schemas.openxmlformats.org/presentationml/2006/main">
   <p:cSld>
+    <p:bg>
+      <p:bgRef idx="1001">
+        <a:schemeClr val="bg1"/>
+      </p:bgRef>
+    </p:bg>
     <p:spTree>
       <p:nvGrpSpPr>
         <p:cNvPr id="1" name=""/>
@@ -198,7 +202,9 @@
       <p:sp>
         <p:nvSpPr>
           <p:cNvPr id="56" name="Shape 56"/>
-          <p:cNvSpPr/>
+          <p:cNvSpPr>
+            <a:spLocks noGrp="1" noRot="1" noChangeAspect="1"/>
+          </p:cNvSpPr>
           <p:nvPr>
             <p:ph type="sldImg"/>
           </p:nvPr>
@@ -217,13 +223,16 @@
           <a:lstStyle/>
           <a:p>
             <a:pPr lvl="0"/>
+            <a:endParaRPr/>
           </a:p>
         </p:txBody>
       </p:sp>
       <p:sp>
         <p:nvSpPr>
           <p:cNvPr id="57" name="Shape 57"/>
-          <p:cNvSpPr/>
+          <p:cNvSpPr>
+            <a:spLocks noGrp="1"/>
+          </p:cNvSpPr>
           <p:nvPr>
             <p:ph type="body" sz="quarter" idx="1"/>
           </p:nvPr>
@@ -242,10 +251,16 @@
           <a:lstStyle/>
           <a:p>
             <a:pPr lvl="0"/>
+            <a:endParaRPr/>
           </a:p>
         </p:txBody>
       </p:sp>
     </p:spTree>
+    <p:extLst>
+      <p:ext uri="{BB962C8B-B14F-4D97-AF65-F5344CB8AC3E}">
+        <p14:creationId xmlns:p14="http://schemas.microsoft.com/office/powerpoint/2010/main" val="2857184155"/>
+      </p:ext>
+    </p:extLst>
   </p:cSld>
   <p:clrMap bg1="lt1" tx1="dk1" bg2="lt2" tx2="dk2" accent1="accent1" accent2="accent2" accent3="accent3" accent4="accent4" accent5="accent5" accent6="accent6" hlink="hlink" folHlink="folHlink"/>
   <p:notesStyle>
@@ -353,13 +368,14 @@
 </file>
 
 <file path=ppt/slideLayouts/slideLayout1.xml><?xml version="1.0" encoding="utf-8"?>
-<p:sldLayout xmlns:a="http://schemas.openxmlformats.org/drawingml/2006/main" xmlns:r="http://schemas.openxmlformats.org/officeDocument/2006/relationships" xmlns:p="http://schemas.openxmlformats.org/presentationml/2006/main" type="tx" showMasterSp="0" showMasterPhAnim="1">
+<p:sldLayout xmlns:a="http://schemas.openxmlformats.org/drawingml/2006/main" xmlns:r="http://schemas.openxmlformats.org/officeDocument/2006/relationships" xmlns:p="http://schemas.openxmlformats.org/presentationml/2006/main" showMasterSp="0" type="tx">
   <p:cSld name="Default - 1_Title Slide">
     <p:bg>
       <p:bgPr>
         <a:solidFill>
           <a:srgbClr val="FBEA00"/>
         </a:solidFill>
+        <a:effectLst/>
       </p:bgPr>
     </p:bg>
     <p:spTree>
@@ -379,7 +395,9 @@
       <p:sp>
         <p:nvSpPr>
           <p:cNvPr id="6" name="Shape 6"/>
-          <p:cNvSpPr/>
+          <p:cNvSpPr>
+            <a:spLocks noGrp="1"/>
+          </p:cNvSpPr>
           <p:nvPr>
             <p:ph type="title"/>
           </p:nvPr>
@@ -402,7 +420,7 @@
               <a:lnSpc>
                 <a:spcPct val="90000"/>
               </a:lnSpc>
-              <a:defRPr spc="-150" sz="6600">
+              <a:defRPr sz="6600" spc="-150">
                 <a:solidFill>
                   <a:srgbClr val="1F2426"/>
                 </a:solidFill>
@@ -416,15 +434,15 @@
           </a:lstStyle>
           <a:p>
             <a:pPr lvl="0">
-              <a:defRPr spc="0" sz="1800">
-                <a:solidFill>
-                  <a:srgbClr val="000000"/>
-                </a:solidFill>
-                <a:uFillTx/>
-              </a:defRPr>
-            </a:pPr>
-            <a:r>
-              <a:rPr spc="-150" sz="6600">
+              <a:defRPr sz="1800" spc="0">
+                <a:solidFill>
+                  <a:srgbClr val="000000"/>
+                </a:solidFill>
+                <a:uFillTx/>
+              </a:defRPr>
+            </a:pPr>
+            <a:r>
+              <a:rPr sz="6600" spc="-150">
                 <a:solidFill>
                   <a:srgbClr val="1F2426"/>
                 </a:solidFill>
@@ -442,7 +460,9 @@
       <p:sp>
         <p:nvSpPr>
           <p:cNvPr id="7" name="Shape 7"/>
-          <p:cNvSpPr/>
+          <p:cNvSpPr>
+            <a:spLocks noGrp="1"/>
+          </p:cNvSpPr>
           <p:nvPr>
             <p:ph type="body" idx="1"/>
           </p:nvPr>
@@ -460,7 +480,7 @@
           <a:bodyPr/>
           <a:lstStyle>
             <a:lvl1pPr>
-              <a:defRPr b="1" sz="1100">
+              <a:defRPr sz="1100" b="1">
                 <a:solidFill>
                   <a:srgbClr val="A09700"/>
                 </a:solidFill>
@@ -478,7 +498,7 @@
             <a:lvl2pPr marL="0" indent="457200">
               <a:buSzTx/>
               <a:buNone/>
-              <a:defRPr b="1" sz="1100">
+              <a:defRPr sz="1100" b="1">
                 <a:solidFill>
                   <a:srgbClr val="A09700"/>
                 </a:solidFill>
@@ -496,7 +516,7 @@
             <a:lvl3pPr marL="0" indent="914400">
               <a:buSzTx/>
               <a:buNone/>
-              <a:defRPr b="1" sz="1100">
+              <a:defRPr sz="1100" b="1">
                 <a:solidFill>
                   <a:srgbClr val="A09700"/>
                 </a:solidFill>
@@ -514,7 +534,7 @@
             <a:lvl4pPr marL="0" indent="1371600">
               <a:buSzTx/>
               <a:buNone/>
-              <a:defRPr b="1" sz="1100">
+              <a:defRPr sz="1100" b="1">
                 <a:solidFill>
                   <a:srgbClr val="A09700"/>
                 </a:solidFill>
@@ -532,7 +552,7 @@
             <a:lvl5pPr marL="0" indent="1828800">
               <a:buSzTx/>
               <a:buNone/>
-              <a:defRPr b="1" sz="1100">
+              <a:defRPr sz="1100" b="1">
                 <a:solidFill>
                   <a:srgbClr val="A09700"/>
                 </a:solidFill>
@@ -550,15 +570,15 @@
           </a:lstStyle>
           <a:p>
             <a:pPr lvl="0">
-              <a:defRPr b="0" sz="1800">
-                <a:solidFill>
-                  <a:srgbClr val="000000"/>
-                </a:solidFill>
-                <a:uFillTx/>
-              </a:defRPr>
-            </a:pPr>
-            <a:r>
-              <a:rPr b="1" sz="1100">
+              <a:defRPr sz="1800" b="0">
+                <a:solidFill>
+                  <a:srgbClr val="000000"/>
+                </a:solidFill>
+                <a:uFillTx/>
+              </a:defRPr>
+            </a:pPr>
+            <a:r>
+              <a:rPr sz="1100" b="1">
                 <a:solidFill>
                   <a:srgbClr val="A09700"/>
                 </a:solidFill>
@@ -570,28 +590,41 @@
               </a:rPr>
               <a:t>Body Level One</a:t>
             </a:r>
-            <a:endParaRPr b="1" sz="1100">
-              <a:solidFill>
-                <a:srgbClr val="A09700"/>
-              </a:solidFill>
-              <a:uFill>
+          </a:p>
+          <a:p>
+            <a:pPr lvl="1">
+              <a:defRPr sz="1800" b="0">
+                <a:solidFill>
+                  <a:srgbClr val="000000"/>
+                </a:solidFill>
+                <a:uFillTx/>
+              </a:defRPr>
+            </a:pPr>
+            <a:r>
+              <a:rPr sz="1100" b="1">
                 <a:solidFill>
                   <a:srgbClr val="A09700"/>
                 </a:solidFill>
-              </a:uFill>
-            </a:endParaRPr>
-          </a:p>
-          <a:p>
-            <a:pPr lvl="1">
-              <a:defRPr b="0" sz="1800">
-                <a:solidFill>
-                  <a:srgbClr val="000000"/>
-                </a:solidFill>
-                <a:uFillTx/>
-              </a:defRPr>
-            </a:pPr>
-            <a:r>
-              <a:rPr b="1" sz="1100">
+                <a:uFill>
+                  <a:solidFill>
+                    <a:srgbClr val="A09700"/>
+                  </a:solidFill>
+                </a:uFill>
+              </a:rPr>
+              <a:t>Body Level Two</a:t>
+            </a:r>
+          </a:p>
+          <a:p>
+            <a:pPr lvl="2">
+              <a:defRPr sz="1800" b="0">
+                <a:solidFill>
+                  <a:srgbClr val="000000"/>
+                </a:solidFill>
+                <a:uFillTx/>
+              </a:defRPr>
+            </a:pPr>
+            <a:r>
+              <a:rPr sz="1100" b="1">
                 <a:solidFill>
                   <a:srgbClr val="A09700"/>
                 </a:solidFill>
@@ -601,96 +634,43 @@
                   </a:solidFill>
                 </a:uFill>
               </a:rPr>
-              <a:t>Body Level Two</a:t>
-            </a:r>
-            <a:endParaRPr b="1" sz="1100">
-              <a:solidFill>
-                <a:srgbClr val="A09700"/>
-              </a:solidFill>
-              <a:uFill>
+              <a:t>Body Level Three</a:t>
+            </a:r>
+          </a:p>
+          <a:p>
+            <a:pPr lvl="3">
+              <a:defRPr sz="1800" b="0">
+                <a:solidFill>
+                  <a:srgbClr val="000000"/>
+                </a:solidFill>
+                <a:uFillTx/>
+              </a:defRPr>
+            </a:pPr>
+            <a:r>
+              <a:rPr sz="1100" b="1">
                 <a:solidFill>
                   <a:srgbClr val="A09700"/>
                 </a:solidFill>
-              </a:uFill>
-            </a:endParaRPr>
-          </a:p>
-          <a:p>
-            <a:pPr lvl="2">
-              <a:defRPr b="0" sz="1800">
-                <a:solidFill>
-                  <a:srgbClr val="000000"/>
-                </a:solidFill>
-                <a:uFillTx/>
-              </a:defRPr>
-            </a:pPr>
-            <a:r>
-              <a:rPr b="1" sz="1100">
-                <a:solidFill>
-                  <a:srgbClr val="A09700"/>
-                </a:solidFill>
                 <a:uFill>
                   <a:solidFill>
                     <a:srgbClr val="A09700"/>
                   </a:solidFill>
                 </a:uFill>
               </a:rPr>
-              <a:t>Body Level Three</a:t>
-            </a:r>
-            <a:endParaRPr b="1" sz="1100">
-              <a:solidFill>
-                <a:srgbClr val="A09700"/>
-              </a:solidFill>
-              <a:uFill>
-                <a:solidFill>
-                  <a:srgbClr val="A09700"/>
-                </a:solidFill>
-              </a:uFill>
-            </a:endParaRPr>
-          </a:p>
-          <a:p>
-            <a:pPr lvl="3">
-              <a:defRPr b="0" sz="1800">
-                <a:solidFill>
-                  <a:srgbClr val="000000"/>
-                </a:solidFill>
-                <a:uFillTx/>
-              </a:defRPr>
-            </a:pPr>
-            <a:r>
-              <a:rPr b="1" sz="1100">
-                <a:solidFill>
-                  <a:srgbClr val="A09700"/>
-                </a:solidFill>
-                <a:uFill>
-                  <a:solidFill>
-                    <a:srgbClr val="A09700"/>
-                  </a:solidFill>
-                </a:uFill>
-              </a:rPr>
               <a:t>Body Level Four</a:t>
             </a:r>
-            <a:endParaRPr b="1" sz="1100">
-              <a:solidFill>
-                <a:srgbClr val="A09700"/>
-              </a:solidFill>
-              <a:uFill>
-                <a:solidFill>
-                  <a:srgbClr val="A09700"/>
-                </a:solidFill>
-              </a:uFill>
-            </a:endParaRPr>
           </a:p>
           <a:p>
             <a:pPr lvl="4">
-              <a:defRPr b="0" sz="1800">
-                <a:solidFill>
-                  <a:srgbClr val="000000"/>
-                </a:solidFill>
-                <a:uFillTx/>
-              </a:defRPr>
-            </a:pPr>
-            <a:r>
-              <a:rPr b="1" sz="1100">
+              <a:defRPr sz="1800" b="0">
+                <a:solidFill>
+                  <a:srgbClr val="000000"/>
+                </a:solidFill>
+                <a:uFillTx/>
+              </a:defRPr>
+            </a:pPr>
+            <a:r>
+              <a:rPr sz="1100" b="1">
                 <a:solidFill>
                   <a:srgbClr val="A09700"/>
                 </a:solidFill>
@@ -730,14 +710,14 @@
         </p:spPr>
         <p:txBody>
           <a:bodyPr lIns="0" tIns="0" rIns="0" bIns="0">
-            <a:normAutofit fontScale="100000" lnSpcReduction="0"/>
+            <a:normAutofit/>
           </a:bodyPr>
           <a:lstStyle>
             <a:lvl1pPr>
               <a:spcBef>
                 <a:spcPts val="100"/>
               </a:spcBef>
-              <a:defRPr b="1" sz="800">
+              <a:defRPr sz="800" b="1">
                 <a:solidFill>
                   <a:srgbClr val="A09700"/>
                 </a:solidFill>
@@ -755,15 +735,15 @@
           </a:lstStyle>
           <a:p>
             <a:pPr lvl="0">
-              <a:defRPr b="0" sz="1800">
-                <a:solidFill>
-                  <a:srgbClr val="000000"/>
-                </a:solidFill>
-                <a:uFillTx/>
-              </a:defRPr>
-            </a:pPr>
-            <a:r>
-              <a:rPr b="1" sz="800">
+              <a:defRPr sz="1800" b="0">
+                <a:solidFill>
+                  <a:srgbClr val="000000"/>
+                </a:solidFill>
+                <a:uFillTx/>
+              </a:defRPr>
+            </a:pPr>
+            <a:r>
+              <a:rPr sz="800" b="1">
                 <a:solidFill>
                   <a:srgbClr val="A09700"/>
                 </a:solidFill>
@@ -841,6 +821,7 @@
                 <a:sym typeface="Helvetica"/>
               </a:defRPr>
             </a:pPr>
+            <a:endParaRPr/>
           </a:p>
         </p:txBody>
       </p:sp>
@@ -849,12 +830,12 @@
   <p:clrMapOvr>
     <a:masterClrMapping/>
   </p:clrMapOvr>
-  <p:transition spd="med" advClick="1"/>
+  <p:transition xmlns:p14="http://schemas.microsoft.com/office/powerpoint/2010/main" spd="med"/>
 </p:sldLayout>
 </file>
 
 <file path=ppt/slideLayouts/slideLayout10.xml><?xml version="1.0" encoding="utf-8"?>
-<p:sldLayout xmlns:a="http://schemas.openxmlformats.org/drawingml/2006/main" xmlns:r="http://schemas.openxmlformats.org/officeDocument/2006/relationships" xmlns:p="http://schemas.openxmlformats.org/presentationml/2006/main" type="tx" showMasterSp="0" showMasterPhAnim="1">
+<p:sldLayout xmlns:a="http://schemas.openxmlformats.org/drawingml/2006/main" xmlns:r="http://schemas.openxmlformats.org/officeDocument/2006/relationships" xmlns:p="http://schemas.openxmlformats.org/presentationml/2006/main" showMasterSp="0" type="tx">
   <p:cSld name="Default - 1_Two Content">
     <p:spTree>
       <p:nvGrpSpPr>
@@ -873,7 +854,9 @@
       <p:sp>
         <p:nvSpPr>
           <p:cNvPr id="41" name="Shape 41"/>
-          <p:cNvSpPr/>
+          <p:cNvSpPr>
+            <a:spLocks noGrp="1"/>
+          </p:cNvSpPr>
           <p:nvPr>
             <p:ph type="title"/>
           </p:nvPr>
@@ -947,12 +930,12 @@
   <p:clrMapOvr>
     <a:masterClrMapping/>
   </p:clrMapOvr>
-  <p:transition spd="med" advClick="1"/>
+  <p:transition xmlns:p14="http://schemas.microsoft.com/office/powerpoint/2010/main" spd="med"/>
 </p:sldLayout>
 </file>
 
 <file path=ppt/slideLayouts/slideLayout11.xml><?xml version="1.0" encoding="utf-8"?>
-<p:sldLayout xmlns:a="http://schemas.openxmlformats.org/drawingml/2006/main" xmlns:r="http://schemas.openxmlformats.org/officeDocument/2006/relationships" xmlns:p="http://schemas.openxmlformats.org/presentationml/2006/main" type="tx" showMasterSp="0" showMasterPhAnim="1">
+<p:sldLayout xmlns:a="http://schemas.openxmlformats.org/drawingml/2006/main" xmlns:r="http://schemas.openxmlformats.org/officeDocument/2006/relationships" xmlns:p="http://schemas.openxmlformats.org/presentationml/2006/main" showMasterSp="0" type="tx">
   <p:cSld name="Default - Title Only">
     <p:spTree>
       <p:nvGrpSpPr>
@@ -971,7 +954,9 @@
       <p:sp>
         <p:nvSpPr>
           <p:cNvPr id="44" name="Shape 44"/>
-          <p:cNvSpPr/>
+          <p:cNvSpPr>
+            <a:spLocks noGrp="1"/>
+          </p:cNvSpPr>
           <p:nvPr>
             <p:ph type="title"/>
           </p:nvPr>
@@ -1043,12 +1028,12 @@
   <p:clrMapOvr>
     <a:masterClrMapping/>
   </p:clrMapOvr>
-  <p:transition spd="med" advClick="1"/>
+  <p:transition xmlns:p14="http://schemas.microsoft.com/office/powerpoint/2010/main" spd="med"/>
 </p:sldLayout>
 </file>
 
 <file path=ppt/slideLayouts/slideLayout12.xml><?xml version="1.0" encoding="utf-8"?>
-<p:sldLayout xmlns:a="http://schemas.openxmlformats.org/drawingml/2006/main" xmlns:r="http://schemas.openxmlformats.org/officeDocument/2006/relationships" xmlns:p="http://schemas.openxmlformats.org/presentationml/2006/main" type="tx" showMasterSp="0" showMasterPhAnim="1">
+<p:sldLayout xmlns:a="http://schemas.openxmlformats.org/drawingml/2006/main" xmlns:r="http://schemas.openxmlformats.org/officeDocument/2006/relationships" xmlns:p="http://schemas.openxmlformats.org/presentationml/2006/main" showMasterSp="0" type="tx">
   <p:cSld name="Default - Blank">
     <p:spTree>
       <p:nvGrpSpPr>
@@ -1094,18 +1079,19 @@
   <p:clrMapOvr>
     <a:masterClrMapping/>
   </p:clrMapOvr>
-  <p:transition spd="med" advClick="1"/>
+  <p:transition xmlns:p14="http://schemas.microsoft.com/office/powerpoint/2010/main" spd="med"/>
 </p:sldLayout>
 </file>
 
 <file path=ppt/slideLayouts/slideLayout13.xml><?xml version="1.0" encoding="utf-8"?>
-<p:sldLayout xmlns:a="http://schemas.openxmlformats.org/drawingml/2006/main" xmlns:r="http://schemas.openxmlformats.org/officeDocument/2006/relationships" xmlns:p="http://schemas.openxmlformats.org/presentationml/2006/main" type="tx" showMasterSp="0" showMasterPhAnim="1">
+<p:sldLayout xmlns:a="http://schemas.openxmlformats.org/drawingml/2006/main" xmlns:r="http://schemas.openxmlformats.org/officeDocument/2006/relationships" xmlns:p="http://schemas.openxmlformats.org/presentationml/2006/main" showMasterSp="0" type="tx">
   <p:cSld name="Default - End">
     <p:bg>
       <p:bgPr>
         <a:solidFill>
           <a:srgbClr val="FBEA00"/>
         </a:solidFill>
+        <a:effectLst/>
       </p:bgPr>
     </p:bg>
     <p:spTree>
@@ -1125,7 +1111,9 @@
       <p:sp>
         <p:nvSpPr>
           <p:cNvPr id="49" name="Shape 49"/>
-          <p:cNvSpPr/>
+          <p:cNvSpPr>
+            <a:spLocks noGrp="1"/>
+          </p:cNvSpPr>
           <p:nvPr>
             <p:ph type="title"/>
           </p:nvPr>
@@ -1148,7 +1136,7 @@
               <a:lnSpc>
                 <a:spcPct val="70000"/>
               </a:lnSpc>
-              <a:defRPr b="1" sz="1600">
+              <a:defRPr sz="1600" b="1">
                 <a:solidFill>
                   <a:srgbClr val="1F2426"/>
                 </a:solidFill>
@@ -1162,15 +1150,15 @@
           </a:lstStyle>
           <a:p>
             <a:pPr lvl="0">
-              <a:defRPr b="0" sz="1800">
-                <a:solidFill>
-                  <a:srgbClr val="000000"/>
-                </a:solidFill>
-                <a:uFillTx/>
-              </a:defRPr>
-            </a:pPr>
-            <a:r>
-              <a:rPr b="1" sz="1600">
+              <a:defRPr sz="1800" b="0">
+                <a:solidFill>
+                  <a:srgbClr val="000000"/>
+                </a:solidFill>
+                <a:uFillTx/>
+              </a:defRPr>
+            </a:pPr>
+            <a:r>
+              <a:rPr sz="1600" b="1">
                 <a:solidFill>
                   <a:srgbClr val="1F2426"/>
                 </a:solidFill>
@@ -1215,18 +1203,19 @@
   <p:clrMapOvr>
     <a:masterClrMapping/>
   </p:clrMapOvr>
-  <p:transition spd="med" advClick="1"/>
+  <p:transition xmlns:p14="http://schemas.microsoft.com/office/powerpoint/2010/main" spd="med"/>
 </p:sldLayout>
 </file>
 
 <file path=ppt/slideLayouts/slideLayout14.xml><?xml version="1.0" encoding="utf-8"?>
-<p:sldLayout xmlns:a="http://schemas.openxmlformats.org/drawingml/2006/main" xmlns:r="http://schemas.openxmlformats.org/officeDocument/2006/relationships" xmlns:p="http://schemas.openxmlformats.org/presentationml/2006/main" type="tx" showMasterSp="0" showMasterPhAnim="1">
+<p:sldLayout xmlns:a="http://schemas.openxmlformats.org/drawingml/2006/main" xmlns:r="http://schemas.openxmlformats.org/officeDocument/2006/relationships" xmlns:p="http://schemas.openxmlformats.org/presentationml/2006/main" showMasterSp="0" type="tx">
   <p:cSld name="Default - Title Slide">
     <p:bg>
       <p:bgPr>
         <a:solidFill>
           <a:srgbClr val="1F2426"/>
         </a:solidFill>
+        <a:effectLst/>
       </p:bgPr>
     </p:bg>
     <p:spTree>
@@ -1246,7 +1235,9 @@
       <p:sp>
         <p:nvSpPr>
           <p:cNvPr id="52" name="Shape 52"/>
-          <p:cNvSpPr/>
+          <p:cNvSpPr>
+            <a:spLocks noGrp="1"/>
+          </p:cNvSpPr>
           <p:nvPr>
             <p:ph type="title"/>
           </p:nvPr>
@@ -1306,7 +1297,9 @@
       <p:sp>
         <p:nvSpPr>
           <p:cNvPr id="53" name="Shape 53"/>
-          <p:cNvSpPr/>
+          <p:cNvSpPr>
+            <a:spLocks noGrp="1"/>
+          </p:cNvSpPr>
           <p:nvPr>
             <p:ph type="body" idx="1"/>
           </p:nvPr>
@@ -1434,19 +1427,32 @@
               </a:rPr>
               <a:t>Body Level One</a:t>
             </a:r>
-            <a:endParaRPr sz="1600">
-              <a:solidFill>
-                <a:srgbClr val="A6A8AC"/>
-              </a:solidFill>
-              <a:uFill>
+          </a:p>
+          <a:p>
+            <a:pPr lvl="1">
+              <a:defRPr sz="1800">
+                <a:solidFill>
+                  <a:srgbClr val="000000"/>
+                </a:solidFill>
+                <a:uFillTx/>
+              </a:defRPr>
+            </a:pPr>
+            <a:r>
+              <a:rPr sz="1600">
                 <a:solidFill>
                   <a:srgbClr val="A6A8AC"/>
                 </a:solidFill>
-              </a:uFill>
-            </a:endParaRPr>
-          </a:p>
-          <a:p>
-            <a:pPr lvl="1">
+                <a:uFill>
+                  <a:solidFill>
+                    <a:srgbClr val="A6A8AC"/>
+                  </a:solidFill>
+                </a:uFill>
+              </a:rPr>
+              <a:t>Body Level Two</a:t>
+            </a:r>
+          </a:p>
+          <a:p>
+            <a:pPr lvl="2">
               <a:defRPr sz="1800">
                 <a:solidFill>
                   <a:srgbClr val="000000"/>
@@ -1465,84 +1471,31 @@
                   </a:solidFill>
                 </a:uFill>
               </a:rPr>
-              <a:t>Body Level Two</a:t>
-            </a:r>
-            <a:endParaRPr sz="1600">
-              <a:solidFill>
-                <a:srgbClr val="A6A8AC"/>
-              </a:solidFill>
-              <a:uFill>
+              <a:t>Body Level Three</a:t>
+            </a:r>
+          </a:p>
+          <a:p>
+            <a:pPr lvl="3">
+              <a:defRPr sz="1800">
+                <a:solidFill>
+                  <a:srgbClr val="000000"/>
+                </a:solidFill>
+                <a:uFillTx/>
+              </a:defRPr>
+            </a:pPr>
+            <a:r>
+              <a:rPr sz="1600">
                 <a:solidFill>
                   <a:srgbClr val="A6A8AC"/>
                 </a:solidFill>
-              </a:uFill>
-            </a:endParaRPr>
-          </a:p>
-          <a:p>
-            <a:pPr lvl="2">
-              <a:defRPr sz="1800">
-                <a:solidFill>
-                  <a:srgbClr val="000000"/>
-                </a:solidFill>
-                <a:uFillTx/>
-              </a:defRPr>
-            </a:pPr>
-            <a:r>
-              <a:rPr sz="1600">
-                <a:solidFill>
-                  <a:srgbClr val="A6A8AC"/>
-                </a:solidFill>
                 <a:uFill>
                   <a:solidFill>
                     <a:srgbClr val="A6A8AC"/>
                   </a:solidFill>
                 </a:uFill>
               </a:rPr>
-              <a:t>Body Level Three</a:t>
-            </a:r>
-            <a:endParaRPr sz="1600">
-              <a:solidFill>
-                <a:srgbClr val="A6A8AC"/>
-              </a:solidFill>
-              <a:uFill>
-                <a:solidFill>
-                  <a:srgbClr val="A6A8AC"/>
-                </a:solidFill>
-              </a:uFill>
-            </a:endParaRPr>
-          </a:p>
-          <a:p>
-            <a:pPr lvl="3">
-              <a:defRPr sz="1800">
-                <a:solidFill>
-                  <a:srgbClr val="000000"/>
-                </a:solidFill>
-                <a:uFillTx/>
-              </a:defRPr>
-            </a:pPr>
-            <a:r>
-              <a:rPr sz="1600">
-                <a:solidFill>
-                  <a:srgbClr val="A6A8AC"/>
-                </a:solidFill>
-                <a:uFill>
-                  <a:solidFill>
-                    <a:srgbClr val="A6A8AC"/>
-                  </a:solidFill>
-                </a:uFill>
-              </a:rPr>
               <a:t>Body Level Four</a:t>
             </a:r>
-            <a:endParaRPr sz="1600">
-              <a:solidFill>
-                <a:srgbClr val="A6A8AC"/>
-              </a:solidFill>
-              <a:uFill>
-                <a:solidFill>
-                  <a:srgbClr val="A6A8AC"/>
-                </a:solidFill>
-              </a:uFill>
-            </a:endParaRPr>
           </a:p>
           <a:p>
             <a:pPr lvl="4">
@@ -1594,14 +1547,14 @@
         </p:spPr>
         <p:txBody>
           <a:bodyPr lIns="0" tIns="0" rIns="0" bIns="0">
-            <a:normAutofit fontScale="100000" lnSpcReduction="0"/>
+            <a:normAutofit/>
           </a:bodyPr>
           <a:lstStyle>
             <a:lvl1pPr algn="ctr">
               <a:spcBef>
                 <a:spcPts val="100"/>
               </a:spcBef>
-              <a:defRPr b="1" spc="600" sz="800">
+              <a:defRPr sz="800" b="1" spc="600">
                 <a:solidFill>
                   <a:srgbClr val="565D61"/>
                 </a:solidFill>
@@ -1619,15 +1572,15 @@
           </a:lstStyle>
           <a:p>
             <a:pPr lvl="0">
-              <a:defRPr b="0" spc="0" sz="1800">
-                <a:solidFill>
-                  <a:srgbClr val="000000"/>
-                </a:solidFill>
-                <a:uFillTx/>
-              </a:defRPr>
-            </a:pPr>
-            <a:r>
-              <a:rPr b="1" spc="600" sz="800">
+              <a:defRPr sz="1800" b="0" spc="0">
+                <a:solidFill>
+                  <a:srgbClr val="000000"/>
+                </a:solidFill>
+                <a:uFillTx/>
+              </a:defRPr>
+            </a:pPr>
+            <a:r>
+              <a:rPr sz="800" b="1" spc="600">
                 <a:solidFill>
                   <a:srgbClr val="565D61"/>
                 </a:solidFill>
@@ -1672,12 +1625,12 @@
   <p:clrMapOvr>
     <a:masterClrMapping/>
   </p:clrMapOvr>
-  <p:transition spd="med" advClick="1"/>
+  <p:transition xmlns:p14="http://schemas.microsoft.com/office/powerpoint/2010/main" spd="med"/>
 </p:sldLayout>
 </file>
 
 <file path=ppt/slideLayouts/slideLayout2.xml><?xml version="1.0" encoding="utf-8"?>
-<p:sldLayout xmlns:a="http://schemas.openxmlformats.org/drawingml/2006/main" xmlns:r="http://schemas.openxmlformats.org/officeDocument/2006/relationships" xmlns:p="http://schemas.openxmlformats.org/presentationml/2006/main" type="tx" showMasterSp="1" showMasterPhAnim="1">
+<p:sldLayout xmlns:a="http://schemas.openxmlformats.org/drawingml/2006/main" xmlns:r="http://schemas.openxmlformats.org/officeDocument/2006/relationships" xmlns:p="http://schemas.openxmlformats.org/presentationml/2006/main" type="tx">
   <p:cSld name="Default - Title and Content">
     <p:spTree>
       <p:nvGrpSpPr>
@@ -1696,7 +1649,9 @@
       <p:sp>
         <p:nvSpPr>
           <p:cNvPr id="12" name="Shape 12"/>
-          <p:cNvSpPr/>
+          <p:cNvSpPr>
+            <a:spLocks noGrp="1"/>
+          </p:cNvSpPr>
           <p:nvPr>
             <p:ph type="title"/>
           </p:nvPr>
@@ -1737,7 +1692,9 @@
       <p:sp>
         <p:nvSpPr>
           <p:cNvPr id="13" name="Shape 13"/>
-          <p:cNvSpPr/>
+          <p:cNvSpPr>
+            <a:spLocks noGrp="1"/>
+          </p:cNvSpPr>
           <p:nvPr>
             <p:ph type="body" idx="1"/>
           </p:nvPr>
@@ -1772,19 +1729,32 @@
               </a:rPr>
               <a:t>Body Level One</a:t>
             </a:r>
-            <a:endParaRPr sz="2400">
-              <a:solidFill>
-                <a:srgbClr val="535C62"/>
-              </a:solidFill>
-              <a:uFill>
+          </a:p>
+          <a:p>
+            <a:pPr lvl="1">
+              <a:defRPr sz="1800">
+                <a:solidFill>
+                  <a:srgbClr val="000000"/>
+                </a:solidFill>
+                <a:uFillTx/>
+              </a:defRPr>
+            </a:pPr>
+            <a:r>
+              <a:rPr sz="2400">
                 <a:solidFill>
                   <a:srgbClr val="535C62"/>
                 </a:solidFill>
-              </a:uFill>
-            </a:endParaRPr>
-          </a:p>
-          <a:p>
-            <a:pPr lvl="1">
+                <a:uFill>
+                  <a:solidFill>
+                    <a:srgbClr val="535C62"/>
+                  </a:solidFill>
+                </a:uFill>
+              </a:rPr>
+              <a:t>Body Level Two</a:t>
+            </a:r>
+          </a:p>
+          <a:p>
+            <a:pPr lvl="2">
               <a:defRPr sz="1800">
                 <a:solidFill>
                   <a:srgbClr val="000000"/>
@@ -1803,84 +1773,31 @@
                   </a:solidFill>
                 </a:uFill>
               </a:rPr>
-              <a:t>Body Level Two</a:t>
-            </a:r>
-            <a:endParaRPr sz="2400">
-              <a:solidFill>
-                <a:srgbClr val="535C62"/>
-              </a:solidFill>
-              <a:uFill>
+              <a:t>Body Level Three</a:t>
+            </a:r>
+          </a:p>
+          <a:p>
+            <a:pPr lvl="3">
+              <a:defRPr sz="1800">
+                <a:solidFill>
+                  <a:srgbClr val="000000"/>
+                </a:solidFill>
+                <a:uFillTx/>
+              </a:defRPr>
+            </a:pPr>
+            <a:r>
+              <a:rPr sz="2400">
                 <a:solidFill>
                   <a:srgbClr val="535C62"/>
                 </a:solidFill>
-              </a:uFill>
-            </a:endParaRPr>
-          </a:p>
-          <a:p>
-            <a:pPr lvl="2">
-              <a:defRPr sz="1800">
-                <a:solidFill>
-                  <a:srgbClr val="000000"/>
-                </a:solidFill>
-                <a:uFillTx/>
-              </a:defRPr>
-            </a:pPr>
-            <a:r>
-              <a:rPr sz="2400">
-                <a:solidFill>
-                  <a:srgbClr val="535C62"/>
-                </a:solidFill>
                 <a:uFill>
                   <a:solidFill>
                     <a:srgbClr val="535C62"/>
                   </a:solidFill>
                 </a:uFill>
               </a:rPr>
-              <a:t>Body Level Three</a:t>
-            </a:r>
-            <a:endParaRPr sz="2400">
-              <a:solidFill>
-                <a:srgbClr val="535C62"/>
-              </a:solidFill>
-              <a:uFill>
-                <a:solidFill>
-                  <a:srgbClr val="535C62"/>
-                </a:solidFill>
-              </a:uFill>
-            </a:endParaRPr>
-          </a:p>
-          <a:p>
-            <a:pPr lvl="3">
-              <a:defRPr sz="1800">
-                <a:solidFill>
-                  <a:srgbClr val="000000"/>
-                </a:solidFill>
-                <a:uFillTx/>
-              </a:defRPr>
-            </a:pPr>
-            <a:r>
-              <a:rPr sz="2400">
-                <a:solidFill>
-                  <a:srgbClr val="535C62"/>
-                </a:solidFill>
-                <a:uFill>
-                  <a:solidFill>
-                    <a:srgbClr val="535C62"/>
-                  </a:solidFill>
-                </a:uFill>
-              </a:rPr>
               <a:t>Body Level Four</a:t>
             </a:r>
-            <a:endParaRPr sz="2400">
-              <a:solidFill>
-                <a:srgbClr val="535C62"/>
-              </a:solidFill>
-              <a:uFill>
-                <a:solidFill>
-                  <a:srgbClr val="535C62"/>
-                </a:solidFill>
-              </a:uFill>
-            </a:endParaRPr>
           </a:p>
           <a:p>
             <a:pPr lvl="4">
@@ -1912,18 +1829,19 @@
   <p:clrMapOvr>
     <a:masterClrMapping/>
   </p:clrMapOvr>
-  <p:transition spd="med" advClick="1"/>
+  <p:transition xmlns:p14="http://schemas.microsoft.com/office/powerpoint/2010/main" spd="med"/>
 </p:sldLayout>
 </file>
 
 <file path=ppt/slideLayouts/slideLayout3.xml><?xml version="1.0" encoding="utf-8"?>
-<p:sldLayout xmlns:a="http://schemas.openxmlformats.org/drawingml/2006/main" xmlns:r="http://schemas.openxmlformats.org/officeDocument/2006/relationships" xmlns:p="http://schemas.openxmlformats.org/presentationml/2006/main" type="tx" showMasterSp="0" showMasterPhAnim="1">
+<p:sldLayout xmlns:a="http://schemas.openxmlformats.org/drawingml/2006/main" xmlns:r="http://schemas.openxmlformats.org/officeDocument/2006/relationships" xmlns:p="http://schemas.openxmlformats.org/presentationml/2006/main" showMasterSp="0" type="tx">
   <p:cSld name="Default - Transition">
     <p:bg>
       <p:bgPr>
         <a:solidFill>
           <a:srgbClr val="1F2426"/>
         </a:solidFill>
+        <a:effectLst/>
       </p:bgPr>
     </p:bg>
     <p:spTree>
@@ -1943,7 +1861,9 @@
       <p:sp>
         <p:nvSpPr>
           <p:cNvPr id="15" name="Shape 15"/>
-          <p:cNvSpPr/>
+          <p:cNvSpPr>
+            <a:spLocks noGrp="1"/>
+          </p:cNvSpPr>
           <p:nvPr>
             <p:ph type="title"/>
           </p:nvPr>
@@ -1963,7 +1883,7 @@
           </a:bodyPr>
           <a:lstStyle>
             <a:lvl1pPr>
-              <a:defRPr b="1" sz="2400">
+              <a:defRPr sz="2400" b="1">
                 <a:solidFill>
                   <a:srgbClr val="FFFFFF"/>
                 </a:solidFill>
@@ -1977,15 +1897,15 @@
           </a:lstStyle>
           <a:p>
             <a:pPr lvl="0">
-              <a:defRPr b="0" sz="1800">
-                <a:solidFill>
-                  <a:srgbClr val="000000"/>
-                </a:solidFill>
-                <a:uFillTx/>
-              </a:defRPr>
-            </a:pPr>
-            <a:r>
-              <a:rPr b="1" sz="2400">
+              <a:defRPr sz="1800" b="0">
+                <a:solidFill>
+                  <a:srgbClr val="000000"/>
+                </a:solidFill>
+                <a:uFillTx/>
+              </a:defRPr>
+            </a:pPr>
+            <a:r>
+              <a:rPr sz="2400" b="1">
                 <a:solidFill>
                   <a:srgbClr val="FFFFFF"/>
                 </a:solidFill>
@@ -2003,7 +1923,9 @@
       <p:sp>
         <p:nvSpPr>
           <p:cNvPr id="16" name="Shape 16"/>
-          <p:cNvSpPr/>
+          <p:cNvSpPr>
+            <a:spLocks noGrp="1"/>
+          </p:cNvSpPr>
           <p:nvPr>
             <p:ph type="body" idx="1"/>
           </p:nvPr>
@@ -2131,19 +2053,32 @@
               </a:rPr>
               <a:t>Body Level One</a:t>
             </a:r>
-            <a:endParaRPr sz="1400">
-              <a:solidFill>
-                <a:srgbClr val="808080"/>
-              </a:solidFill>
-              <a:uFill>
+          </a:p>
+          <a:p>
+            <a:pPr lvl="1">
+              <a:defRPr sz="1800">
+                <a:solidFill>
+                  <a:srgbClr val="000000"/>
+                </a:solidFill>
+                <a:uFillTx/>
+              </a:defRPr>
+            </a:pPr>
+            <a:r>
+              <a:rPr sz="1400">
                 <a:solidFill>
                   <a:srgbClr val="808080"/>
                 </a:solidFill>
-              </a:uFill>
-            </a:endParaRPr>
-          </a:p>
-          <a:p>
-            <a:pPr lvl="1">
+                <a:uFill>
+                  <a:solidFill>
+                    <a:srgbClr val="808080"/>
+                  </a:solidFill>
+                </a:uFill>
+              </a:rPr>
+              <a:t>Body Level Two</a:t>
+            </a:r>
+          </a:p>
+          <a:p>
+            <a:pPr lvl="2">
               <a:defRPr sz="1800">
                 <a:solidFill>
                   <a:srgbClr val="000000"/>
@@ -2162,84 +2097,31 @@
                   </a:solidFill>
                 </a:uFill>
               </a:rPr>
-              <a:t>Body Level Two</a:t>
-            </a:r>
-            <a:endParaRPr sz="1400">
-              <a:solidFill>
-                <a:srgbClr val="808080"/>
-              </a:solidFill>
-              <a:uFill>
+              <a:t>Body Level Three</a:t>
+            </a:r>
+          </a:p>
+          <a:p>
+            <a:pPr lvl="3">
+              <a:defRPr sz="1800">
+                <a:solidFill>
+                  <a:srgbClr val="000000"/>
+                </a:solidFill>
+                <a:uFillTx/>
+              </a:defRPr>
+            </a:pPr>
+            <a:r>
+              <a:rPr sz="1400">
                 <a:solidFill>
                   <a:srgbClr val="808080"/>
                 </a:solidFill>
-              </a:uFill>
-            </a:endParaRPr>
-          </a:p>
-          <a:p>
-            <a:pPr lvl="2">
-              <a:defRPr sz="1800">
-                <a:solidFill>
-                  <a:srgbClr val="000000"/>
-                </a:solidFill>
-                <a:uFillTx/>
-              </a:defRPr>
-            </a:pPr>
-            <a:r>
-              <a:rPr sz="1400">
-                <a:solidFill>
-                  <a:srgbClr val="808080"/>
-                </a:solidFill>
                 <a:uFill>
                   <a:solidFill>
                     <a:srgbClr val="808080"/>
                   </a:solidFill>
                 </a:uFill>
               </a:rPr>
-              <a:t>Body Level Three</a:t>
-            </a:r>
-            <a:endParaRPr sz="1400">
-              <a:solidFill>
-                <a:srgbClr val="808080"/>
-              </a:solidFill>
-              <a:uFill>
-                <a:solidFill>
-                  <a:srgbClr val="808080"/>
-                </a:solidFill>
-              </a:uFill>
-            </a:endParaRPr>
-          </a:p>
-          <a:p>
-            <a:pPr lvl="3">
-              <a:defRPr sz="1800">
-                <a:solidFill>
-                  <a:srgbClr val="000000"/>
-                </a:solidFill>
-                <a:uFillTx/>
-              </a:defRPr>
-            </a:pPr>
-            <a:r>
-              <a:rPr sz="1400">
-                <a:solidFill>
-                  <a:srgbClr val="808080"/>
-                </a:solidFill>
-                <a:uFill>
-                  <a:solidFill>
-                    <a:srgbClr val="808080"/>
-                  </a:solidFill>
-                </a:uFill>
-              </a:rPr>
               <a:t>Body Level Four</a:t>
             </a:r>
-            <a:endParaRPr sz="1400">
-              <a:solidFill>
-                <a:srgbClr val="808080"/>
-              </a:solidFill>
-              <a:uFill>
-                <a:solidFill>
-                  <a:srgbClr val="808080"/>
-                </a:solidFill>
-              </a:uFill>
-            </a:endParaRPr>
           </a:p>
           <a:p>
             <a:pPr lvl="4">
@@ -2296,12 +2178,12 @@
   <p:clrMapOvr>
     <a:masterClrMapping/>
   </p:clrMapOvr>
-  <p:transition spd="med" advClick="1"/>
+  <p:transition xmlns:p14="http://schemas.microsoft.com/office/powerpoint/2010/main" spd="med"/>
 </p:sldLayout>
 </file>
 
 <file path=ppt/slideLayouts/slideLayout4.xml><?xml version="1.0" encoding="utf-8"?>
-<p:sldLayout xmlns:a="http://schemas.openxmlformats.org/drawingml/2006/main" xmlns:r="http://schemas.openxmlformats.org/officeDocument/2006/relationships" xmlns:p="http://schemas.openxmlformats.org/presentationml/2006/main" type="tx" showMasterSp="0" showMasterPhAnim="1">
+<p:sldLayout xmlns:a="http://schemas.openxmlformats.org/drawingml/2006/main" xmlns:r="http://schemas.openxmlformats.org/officeDocument/2006/relationships" xmlns:p="http://schemas.openxmlformats.org/presentationml/2006/main" showMasterSp="0" type="tx">
   <p:cSld name="Default - Two Content">
     <p:spTree>
       <p:nvGrpSpPr>
@@ -2320,7 +2202,9 @@
       <p:sp>
         <p:nvSpPr>
           <p:cNvPr id="19" name="Shape 19"/>
-          <p:cNvSpPr/>
+          <p:cNvSpPr>
+            <a:spLocks noGrp="1"/>
+          </p:cNvSpPr>
           <p:nvPr>
             <p:ph type="title"/>
           </p:nvPr>
@@ -2367,7 +2251,9 @@
       <p:sp>
         <p:nvSpPr>
           <p:cNvPr id="20" name="Shape 20"/>
-          <p:cNvSpPr/>
+          <p:cNvSpPr>
+            <a:spLocks noGrp="1"/>
+          </p:cNvSpPr>
           <p:nvPr>
             <p:ph type="body" idx="1"/>
           </p:nvPr>
@@ -2406,19 +2292,32 @@
               </a:rPr>
               <a:t>Body Level One</a:t>
             </a:r>
-            <a:endParaRPr sz="2400">
-              <a:solidFill>
-                <a:srgbClr val="535C62"/>
-              </a:solidFill>
-              <a:uFill>
+          </a:p>
+          <a:p>
+            <a:pPr lvl="1">
+              <a:defRPr sz="1800">
+                <a:solidFill>
+                  <a:srgbClr val="000000"/>
+                </a:solidFill>
+                <a:uFillTx/>
+              </a:defRPr>
+            </a:pPr>
+            <a:r>
+              <a:rPr sz="2400">
                 <a:solidFill>
                   <a:srgbClr val="535C62"/>
                 </a:solidFill>
-              </a:uFill>
-            </a:endParaRPr>
-          </a:p>
-          <a:p>
-            <a:pPr lvl="1">
+                <a:uFill>
+                  <a:solidFill>
+                    <a:srgbClr val="535C62"/>
+                  </a:solidFill>
+                </a:uFill>
+              </a:rPr>
+              <a:t>Body Level Two</a:t>
+            </a:r>
+          </a:p>
+          <a:p>
+            <a:pPr lvl="2">
               <a:defRPr sz="1800">
                 <a:solidFill>
                   <a:srgbClr val="000000"/>
@@ -2437,84 +2336,31 @@
                   </a:solidFill>
                 </a:uFill>
               </a:rPr>
-              <a:t>Body Level Two</a:t>
-            </a:r>
-            <a:endParaRPr sz="2400">
-              <a:solidFill>
-                <a:srgbClr val="535C62"/>
-              </a:solidFill>
-              <a:uFill>
+              <a:t>Body Level Three</a:t>
+            </a:r>
+          </a:p>
+          <a:p>
+            <a:pPr lvl="3">
+              <a:defRPr sz="1800">
+                <a:solidFill>
+                  <a:srgbClr val="000000"/>
+                </a:solidFill>
+                <a:uFillTx/>
+              </a:defRPr>
+            </a:pPr>
+            <a:r>
+              <a:rPr sz="2400">
                 <a:solidFill>
                   <a:srgbClr val="535C62"/>
                 </a:solidFill>
-              </a:uFill>
-            </a:endParaRPr>
-          </a:p>
-          <a:p>
-            <a:pPr lvl="2">
-              <a:defRPr sz="1800">
-                <a:solidFill>
-                  <a:srgbClr val="000000"/>
-                </a:solidFill>
-                <a:uFillTx/>
-              </a:defRPr>
-            </a:pPr>
-            <a:r>
-              <a:rPr sz="2400">
-                <a:solidFill>
-                  <a:srgbClr val="535C62"/>
-                </a:solidFill>
                 <a:uFill>
                   <a:solidFill>
                     <a:srgbClr val="535C62"/>
                   </a:solidFill>
                 </a:uFill>
               </a:rPr>
-              <a:t>Body Level Three</a:t>
-            </a:r>
-            <a:endParaRPr sz="2400">
-              <a:solidFill>
-                <a:srgbClr val="535C62"/>
-              </a:solidFill>
-              <a:uFill>
-                <a:solidFill>
-                  <a:srgbClr val="535C62"/>
-                </a:solidFill>
-              </a:uFill>
-            </a:endParaRPr>
-          </a:p>
-          <a:p>
-            <a:pPr lvl="3">
-              <a:defRPr sz="1800">
-                <a:solidFill>
-                  <a:srgbClr val="000000"/>
-                </a:solidFill>
-                <a:uFillTx/>
-              </a:defRPr>
-            </a:pPr>
-            <a:r>
-              <a:rPr sz="2400">
-                <a:solidFill>
-                  <a:srgbClr val="535C62"/>
-                </a:solidFill>
-                <a:uFill>
-                  <a:solidFill>
-                    <a:srgbClr val="535C62"/>
-                  </a:solidFill>
-                </a:uFill>
-              </a:rPr>
               <a:t>Body Level Four</a:t>
             </a:r>
-            <a:endParaRPr sz="2400">
-              <a:solidFill>
-                <a:srgbClr val="535C62"/>
-              </a:solidFill>
-              <a:uFill>
-                <a:solidFill>
-                  <a:srgbClr val="535C62"/>
-                </a:solidFill>
-              </a:uFill>
-            </a:endParaRPr>
           </a:p>
           <a:p>
             <a:pPr lvl="4">
@@ -2571,12 +2417,12 @@
   <p:clrMapOvr>
     <a:masterClrMapping/>
   </p:clrMapOvr>
-  <p:transition spd="med" advClick="1"/>
+  <p:transition xmlns:p14="http://schemas.microsoft.com/office/powerpoint/2010/main" spd="med"/>
 </p:sldLayout>
 </file>
 
 <file path=ppt/slideLayouts/slideLayout5.xml><?xml version="1.0" encoding="utf-8"?>
-<p:sldLayout xmlns:a="http://schemas.openxmlformats.org/drawingml/2006/main" xmlns:r="http://schemas.openxmlformats.org/officeDocument/2006/relationships" xmlns:p="http://schemas.openxmlformats.org/presentationml/2006/main" type="tx" showMasterSp="0" showMasterPhAnim="1">
+<p:sldLayout xmlns:a="http://schemas.openxmlformats.org/drawingml/2006/main" xmlns:r="http://schemas.openxmlformats.org/officeDocument/2006/relationships" xmlns:p="http://schemas.openxmlformats.org/presentationml/2006/main" showMasterSp="0" type="tx">
   <p:cSld name="Default - Custom Layout">
     <p:spTree>
       <p:nvGrpSpPr>
@@ -2595,7 +2441,9 @@
       <p:sp>
         <p:nvSpPr>
           <p:cNvPr id="23" name="Shape 23"/>
-          <p:cNvSpPr/>
+          <p:cNvSpPr>
+            <a:spLocks noGrp="1"/>
+          </p:cNvSpPr>
           <p:nvPr>
             <p:ph type="title"/>
           </p:nvPr>
@@ -2649,10 +2497,10 @@
           <a:off x="457200" y="1726229"/>
           <a:ext cx="8229600" cy="3165201"/>
         </p:xfrm>
-        <a:graphic xmlns:a="http://schemas.openxmlformats.org/drawingml/2006/main">
+        <a:graphic>
           <a:graphicData uri="http://schemas.openxmlformats.org/drawingml/2006/table">
             <a:tbl>
-              <a:tblPr firstCol="0" firstRow="0" lastCol="0" lastRow="0" bandCol="0" bandRow="0" rtl="0">
+              <a:tblPr>
                 <a:tableStyleId>{4C3C2611-4C71-4FC5-86AE-919BDF0F9419}</a:tableStyleId>
               </a:tblPr>
               <a:tblGrid>
@@ -2666,7 +2514,7 @@
                     <a:lstStyle/>
                     <a:p>
                       <a:pPr lvl="0" algn="ctr">
-                        <a:defRPr b="0" i="0" sz="1800">
+                        <a:defRPr sz="1800" b="0" i="0">
                           <a:solidFill>
                             <a:srgbClr val="000000"/>
                           </a:solidFill>
@@ -2692,7 +2540,7 @@
                       </a:r>
                     </a:p>
                   </a:txBody>
-                  <a:tcPr marL="45720" marR="45720" marT="45720" marB="45720" anchor="ctr" anchorCtr="0" horzOverflow="overflow">
+                  <a:tcPr marL="45720" marR="45720" anchor="ctr" horzOverflow="overflow">
                     <a:lnL w="12700">
                       <a:solidFill>
                         <a:srgbClr val="1F2426"/>
@@ -2728,7 +2576,7 @@
                     <a:lstStyle/>
                     <a:p>
                       <a:pPr lvl="0" algn="ctr">
-                        <a:defRPr b="0" i="0" sz="1800">
+                        <a:defRPr sz="1800" b="0" i="0">
                           <a:solidFill>
                             <a:srgbClr val="000000"/>
                           </a:solidFill>
@@ -2754,7 +2602,7 @@
                       </a:r>
                     </a:p>
                   </a:txBody>
-                  <a:tcPr marL="45720" marR="45720" marT="45720" marB="45720" anchor="ctr" anchorCtr="0" horzOverflow="overflow">
+                  <a:tcPr marL="45720" marR="45720" anchor="ctr" horzOverflow="overflow">
                     <a:lnL w="12700">
                       <a:solidFill>
                         <a:srgbClr val="1F2426"/>
@@ -2792,7 +2640,7 @@
                     <a:lstStyle/>
                     <a:p>
                       <a:pPr lvl="0" algn="ctr">
-                        <a:defRPr b="0" i="0" sz="1800">
+                        <a:defRPr sz="1800" b="0" i="0">
                           <a:solidFill>
                             <a:srgbClr val="000000"/>
                           </a:solidFill>
@@ -2818,7 +2666,7 @@
                       </a:r>
                     </a:p>
                   </a:txBody>
-                  <a:tcPr marL="45720" marR="45720" marT="45720" marB="45720" anchor="ctr" anchorCtr="0" horzOverflow="overflow">
+                  <a:tcPr marL="45720" marR="45720" anchor="ctr" horzOverflow="overflow">
                     <a:lnL w="12700">
                       <a:solidFill>
                         <a:srgbClr val="1F2426"/>
@@ -2852,7 +2700,7 @@
                     <a:lstStyle/>
                     <a:p>
                       <a:pPr lvl="0" algn="ctr">
-                        <a:defRPr b="0" i="0" sz="1800">
+                        <a:defRPr sz="1800" b="0" i="0">
                           <a:solidFill>
                             <a:srgbClr val="000000"/>
                           </a:solidFill>
@@ -2878,7 +2726,7 @@
                       </a:r>
                     </a:p>
                   </a:txBody>
-                  <a:tcPr marL="45720" marR="45720" marT="45720" marB="45720" anchor="ctr" anchorCtr="0" horzOverflow="overflow">
+                  <a:tcPr marL="45720" marR="45720" anchor="ctr" horzOverflow="overflow">
                     <a:lnL w="12700">
                       <a:solidFill>
                         <a:srgbClr val="1F2426"/>
@@ -2914,7 +2762,7 @@
                     <a:lstStyle/>
                     <a:p>
                       <a:pPr lvl="0" algn="ctr">
-                        <a:defRPr b="0" i="0" sz="1800">
+                        <a:defRPr sz="1800" b="0" i="0">
                           <a:solidFill>
                             <a:srgbClr val="000000"/>
                           </a:solidFill>
@@ -2940,7 +2788,7 @@
                       </a:r>
                     </a:p>
                   </a:txBody>
-                  <a:tcPr marL="45720" marR="45720" marT="45720" marB="45720" anchor="ctr" anchorCtr="0" horzOverflow="overflow">
+                  <a:tcPr marL="45720" marR="45720" anchor="ctr" horzOverflow="overflow">
                     <a:lnL w="12700">
                       <a:solidFill>
                         <a:srgbClr val="1F2426"/>
@@ -2974,7 +2822,7 @@
                     <a:lstStyle/>
                     <a:p>
                       <a:pPr lvl="0" algn="ctr">
-                        <a:defRPr b="0" i="0" sz="1800">
+                        <a:defRPr sz="1800" b="0" i="0">
                           <a:solidFill>
                             <a:srgbClr val="000000"/>
                           </a:solidFill>
@@ -3000,7 +2848,7 @@
                       </a:r>
                     </a:p>
                   </a:txBody>
-                  <a:tcPr marL="45720" marR="45720" marT="45720" marB="45720" anchor="ctr" anchorCtr="0" horzOverflow="overflow">
+                  <a:tcPr marL="45720" marR="45720" anchor="ctr" horzOverflow="overflow">
                     <a:lnL w="12700">
                       <a:solidFill>
                         <a:srgbClr val="1F2426"/>
@@ -3036,7 +2884,7 @@
                     <a:lstStyle/>
                     <a:p>
                       <a:pPr lvl="0" algn="ctr">
-                        <a:defRPr b="0" i="0" sz="1800">
+                        <a:defRPr sz="1800" b="0" i="0">
                           <a:solidFill>
                             <a:srgbClr val="000000"/>
                           </a:solidFill>
@@ -3062,7 +2910,7 @@
                       </a:r>
                     </a:p>
                   </a:txBody>
-                  <a:tcPr marL="45720" marR="45720" marT="45720" marB="45720" anchor="ctr" anchorCtr="0" horzOverflow="overflow">
+                  <a:tcPr marL="45720" marR="45720" anchor="ctr" horzOverflow="overflow">
                     <a:lnL w="12700">
                       <a:solidFill>
                         <a:srgbClr val="1F2426"/>
@@ -3096,7 +2944,7 @@
                     <a:lstStyle/>
                     <a:p>
                       <a:pPr lvl="0" algn="ctr">
-                        <a:defRPr b="0" i="0" sz="1800">
+                        <a:defRPr sz="1800" b="0" i="0">
                           <a:solidFill>
                             <a:srgbClr val="000000"/>
                           </a:solidFill>
@@ -3122,7 +2970,7 @@
                       </a:r>
                     </a:p>
                   </a:txBody>
-                  <a:tcPr marL="45720" marR="45720" marT="45720" marB="45720" anchor="ctr" anchorCtr="0" horzOverflow="overflow">
+                  <a:tcPr marL="45720" marR="45720" anchor="ctr" horzOverflow="overflow">
                     <a:lnL w="12700">
                       <a:solidFill>
                         <a:srgbClr val="1F2426"/>
@@ -3158,7 +3006,7 @@
                     <a:lstStyle/>
                     <a:p>
                       <a:pPr lvl="0" algn="ctr">
-                        <a:defRPr b="0" i="0" sz="1800">
+                        <a:defRPr sz="1800" b="0" i="0">
                           <a:solidFill>
                             <a:srgbClr val="000000"/>
                           </a:solidFill>
@@ -3184,7 +3032,7 @@
                       </a:r>
                     </a:p>
                   </a:txBody>
-                  <a:tcPr marL="45720" marR="45720" marT="45720" marB="45720" anchor="ctr" anchorCtr="0" horzOverflow="overflow">
+                  <a:tcPr marL="45720" marR="45720" anchor="ctr" horzOverflow="overflow">
                     <a:lnL w="12700">
                       <a:solidFill>
                         <a:srgbClr val="1F2426"/>
@@ -3218,7 +3066,7 @@
                     <a:lstStyle/>
                     <a:p>
                       <a:pPr lvl="0" algn="ctr">
-                        <a:defRPr b="0" i="0" sz="1800">
+                        <a:defRPr sz="1800" b="0" i="0">
                           <a:solidFill>
                             <a:srgbClr val="000000"/>
                           </a:solidFill>
@@ -3244,7 +3092,7 @@
                       </a:r>
                     </a:p>
                   </a:txBody>
-                  <a:tcPr marL="45720" marR="45720" marT="45720" marB="45720" anchor="ctr" anchorCtr="0" horzOverflow="overflow">
+                  <a:tcPr marL="45720" marR="45720" anchor="ctr" horzOverflow="overflow">
                     <a:lnL w="12700">
                       <a:solidFill>
                         <a:srgbClr val="1F2426"/>
@@ -3307,12 +3155,12 @@
   <p:clrMapOvr>
     <a:masterClrMapping/>
   </p:clrMapOvr>
-  <p:transition spd="med" advClick="1"/>
+  <p:transition xmlns:p14="http://schemas.microsoft.com/office/powerpoint/2010/main" spd="med"/>
 </p:sldLayout>
 </file>
 
 <file path=ppt/slideLayouts/slideLayout6.xml><?xml version="1.0" encoding="utf-8"?>
-<p:sldLayout xmlns:a="http://schemas.openxmlformats.org/drawingml/2006/main" xmlns:r="http://schemas.openxmlformats.org/officeDocument/2006/relationships" xmlns:p="http://schemas.openxmlformats.org/presentationml/2006/main" type="tx" showMasterSp="0" showMasterPhAnim="1">
+<p:sldLayout xmlns:a="http://schemas.openxmlformats.org/drawingml/2006/main" xmlns:r="http://schemas.openxmlformats.org/officeDocument/2006/relationships" xmlns:p="http://schemas.openxmlformats.org/presentationml/2006/main" showMasterSp="0" type="tx">
   <p:cSld name="Default - SIde by Side">
     <p:spTree>
       <p:nvGrpSpPr>
@@ -3331,7 +3179,9 @@
       <p:sp>
         <p:nvSpPr>
           <p:cNvPr id="27" name="Shape 27"/>
-          <p:cNvSpPr/>
+          <p:cNvSpPr>
+            <a:spLocks noGrp="1"/>
+          </p:cNvSpPr>
           <p:nvPr>
             <p:ph type="title"/>
           </p:nvPr>
@@ -3376,7 +3226,9 @@
       <p:sp>
         <p:nvSpPr>
           <p:cNvPr id="28" name="Shape 28"/>
-          <p:cNvSpPr/>
+          <p:cNvSpPr>
+            <a:spLocks noGrp="1"/>
+          </p:cNvSpPr>
           <p:nvPr>
             <p:ph type="body" idx="1"/>
           </p:nvPr>
@@ -3415,19 +3267,32 @@
               </a:rPr>
               <a:t>Body Level One</a:t>
             </a:r>
-            <a:endParaRPr sz="2400">
-              <a:solidFill>
-                <a:srgbClr val="535C62"/>
-              </a:solidFill>
-              <a:uFill>
+          </a:p>
+          <a:p>
+            <a:pPr lvl="1">
+              <a:defRPr sz="1800">
+                <a:solidFill>
+                  <a:srgbClr val="000000"/>
+                </a:solidFill>
+                <a:uFillTx/>
+              </a:defRPr>
+            </a:pPr>
+            <a:r>
+              <a:rPr sz="2400">
                 <a:solidFill>
                   <a:srgbClr val="535C62"/>
                 </a:solidFill>
-              </a:uFill>
-            </a:endParaRPr>
-          </a:p>
-          <a:p>
-            <a:pPr lvl="1">
+                <a:uFill>
+                  <a:solidFill>
+                    <a:srgbClr val="535C62"/>
+                  </a:solidFill>
+                </a:uFill>
+              </a:rPr>
+              <a:t>Body Level Two</a:t>
+            </a:r>
+          </a:p>
+          <a:p>
+            <a:pPr lvl="2">
               <a:defRPr sz="1800">
                 <a:solidFill>
                   <a:srgbClr val="000000"/>
@@ -3446,84 +3311,31 @@
                   </a:solidFill>
                 </a:uFill>
               </a:rPr>
-              <a:t>Body Level Two</a:t>
-            </a:r>
-            <a:endParaRPr sz="2400">
-              <a:solidFill>
-                <a:srgbClr val="535C62"/>
-              </a:solidFill>
-              <a:uFill>
+              <a:t>Body Level Three</a:t>
+            </a:r>
+          </a:p>
+          <a:p>
+            <a:pPr lvl="3">
+              <a:defRPr sz="1800">
+                <a:solidFill>
+                  <a:srgbClr val="000000"/>
+                </a:solidFill>
+                <a:uFillTx/>
+              </a:defRPr>
+            </a:pPr>
+            <a:r>
+              <a:rPr sz="2400">
                 <a:solidFill>
                   <a:srgbClr val="535C62"/>
                 </a:solidFill>
-              </a:uFill>
-            </a:endParaRPr>
-          </a:p>
-          <a:p>
-            <a:pPr lvl="2">
-              <a:defRPr sz="1800">
-                <a:solidFill>
-                  <a:srgbClr val="000000"/>
-                </a:solidFill>
-                <a:uFillTx/>
-              </a:defRPr>
-            </a:pPr>
-            <a:r>
-              <a:rPr sz="2400">
-                <a:solidFill>
-                  <a:srgbClr val="535C62"/>
-                </a:solidFill>
                 <a:uFill>
                   <a:solidFill>
                     <a:srgbClr val="535C62"/>
                   </a:solidFill>
                 </a:uFill>
               </a:rPr>
-              <a:t>Body Level Three</a:t>
-            </a:r>
-            <a:endParaRPr sz="2400">
-              <a:solidFill>
-                <a:srgbClr val="535C62"/>
-              </a:solidFill>
-              <a:uFill>
-                <a:solidFill>
-                  <a:srgbClr val="535C62"/>
-                </a:solidFill>
-              </a:uFill>
-            </a:endParaRPr>
-          </a:p>
-          <a:p>
-            <a:pPr lvl="3">
-              <a:defRPr sz="1800">
-                <a:solidFill>
-                  <a:srgbClr val="000000"/>
-                </a:solidFill>
-                <a:uFillTx/>
-              </a:defRPr>
-            </a:pPr>
-            <a:r>
-              <a:rPr sz="2400">
-                <a:solidFill>
-                  <a:srgbClr val="535C62"/>
-                </a:solidFill>
-                <a:uFill>
-                  <a:solidFill>
-                    <a:srgbClr val="535C62"/>
-                  </a:solidFill>
-                </a:uFill>
-              </a:rPr>
               <a:t>Body Level Four</a:t>
             </a:r>
-            <a:endParaRPr sz="2400">
-              <a:solidFill>
-                <a:srgbClr val="535C62"/>
-              </a:solidFill>
-              <a:uFill>
-                <a:solidFill>
-                  <a:srgbClr val="535C62"/>
-                </a:solidFill>
-              </a:uFill>
-            </a:endParaRPr>
           </a:p>
           <a:p>
             <a:pPr lvl="4">
@@ -3580,18 +3392,19 @@
   <p:clrMapOvr>
     <a:masterClrMapping/>
   </p:clrMapOvr>
-  <p:transition spd="med" advClick="1"/>
+  <p:transition xmlns:p14="http://schemas.microsoft.com/office/powerpoint/2010/main" spd="med"/>
 </p:sldLayout>
 </file>
 
 <file path=ppt/slideLayouts/slideLayout7.xml><?xml version="1.0" encoding="utf-8"?>
-<p:sldLayout xmlns:a="http://schemas.openxmlformats.org/drawingml/2006/main" xmlns:r="http://schemas.openxmlformats.org/officeDocument/2006/relationships" xmlns:p="http://schemas.openxmlformats.org/presentationml/2006/main" type="tx" showMasterSp="0" showMasterPhAnim="1">
+<p:sldLayout xmlns:a="http://schemas.openxmlformats.org/drawingml/2006/main" xmlns:r="http://schemas.openxmlformats.org/officeDocument/2006/relationships" xmlns:p="http://schemas.openxmlformats.org/presentationml/2006/main" showMasterSp="0" type="tx">
   <p:cSld name="Default - Quote">
     <p:bg>
       <p:bgPr>
         <a:solidFill>
           <a:srgbClr val="1F2426"/>
         </a:solidFill>
+        <a:effectLst/>
       </p:bgPr>
     </p:bg>
     <p:spTree>
@@ -3611,7 +3424,9 @@
       <p:sp>
         <p:nvSpPr>
           <p:cNvPr id="31" name="Shape 31"/>
-          <p:cNvSpPr/>
+          <p:cNvSpPr>
+            <a:spLocks noGrp="1"/>
+          </p:cNvSpPr>
           <p:nvPr>
             <p:ph type="title"/>
           </p:nvPr>
@@ -3634,7 +3449,7 @@
               <a:lnSpc>
                 <a:spcPct val="70000"/>
               </a:lnSpc>
-              <a:defRPr b="1" sz="2400">
+              <a:defRPr sz="2400" b="1">
                 <a:solidFill>
                   <a:srgbClr val="FFFFFF"/>
                 </a:solidFill>
@@ -3648,15 +3463,15 @@
           </a:lstStyle>
           <a:p>
             <a:pPr lvl="0">
-              <a:defRPr b="0" sz="1800">
-                <a:solidFill>
-                  <a:srgbClr val="000000"/>
-                </a:solidFill>
-                <a:uFillTx/>
-              </a:defRPr>
-            </a:pPr>
-            <a:r>
-              <a:rPr b="1" sz="2400">
+              <a:defRPr sz="1800" b="0">
+                <a:solidFill>
+                  <a:srgbClr val="000000"/>
+                </a:solidFill>
+                <a:uFillTx/>
+              </a:defRPr>
+            </a:pPr>
+            <a:r>
+              <a:rPr sz="2400" b="1">
                 <a:solidFill>
                   <a:srgbClr val="FFFFFF"/>
                 </a:solidFill>
@@ -3674,7 +3489,9 @@
       <p:sp>
         <p:nvSpPr>
           <p:cNvPr id="32" name="Shape 32"/>
-          <p:cNvSpPr/>
+          <p:cNvSpPr>
+            <a:spLocks noGrp="1"/>
+          </p:cNvSpPr>
           <p:nvPr>
             <p:ph type="body" idx="1"/>
           </p:nvPr>
@@ -3802,19 +3619,32 @@
               </a:rPr>
               <a:t>Body Level One</a:t>
             </a:r>
-            <a:endParaRPr sz="1400">
-              <a:solidFill>
-                <a:srgbClr val="808080"/>
-              </a:solidFill>
-              <a:uFill>
+          </a:p>
+          <a:p>
+            <a:pPr lvl="1">
+              <a:defRPr sz="1800">
+                <a:solidFill>
+                  <a:srgbClr val="000000"/>
+                </a:solidFill>
+                <a:uFillTx/>
+              </a:defRPr>
+            </a:pPr>
+            <a:r>
+              <a:rPr sz="1400">
                 <a:solidFill>
                   <a:srgbClr val="808080"/>
                 </a:solidFill>
-              </a:uFill>
-            </a:endParaRPr>
-          </a:p>
-          <a:p>
-            <a:pPr lvl="1">
+                <a:uFill>
+                  <a:solidFill>
+                    <a:srgbClr val="808080"/>
+                  </a:solidFill>
+                </a:uFill>
+              </a:rPr>
+              <a:t>Body Level Two</a:t>
+            </a:r>
+          </a:p>
+          <a:p>
+            <a:pPr lvl="2">
               <a:defRPr sz="1800">
                 <a:solidFill>
                   <a:srgbClr val="000000"/>
@@ -3833,84 +3663,31 @@
                   </a:solidFill>
                 </a:uFill>
               </a:rPr>
-              <a:t>Body Level Two</a:t>
-            </a:r>
-            <a:endParaRPr sz="1400">
-              <a:solidFill>
-                <a:srgbClr val="808080"/>
-              </a:solidFill>
-              <a:uFill>
+              <a:t>Body Level Three</a:t>
+            </a:r>
+          </a:p>
+          <a:p>
+            <a:pPr lvl="3">
+              <a:defRPr sz="1800">
+                <a:solidFill>
+                  <a:srgbClr val="000000"/>
+                </a:solidFill>
+                <a:uFillTx/>
+              </a:defRPr>
+            </a:pPr>
+            <a:r>
+              <a:rPr sz="1400">
                 <a:solidFill>
                   <a:srgbClr val="808080"/>
                 </a:solidFill>
-              </a:uFill>
-            </a:endParaRPr>
-          </a:p>
-          <a:p>
-            <a:pPr lvl="2">
-              <a:defRPr sz="1800">
-                <a:solidFill>
-                  <a:srgbClr val="000000"/>
-                </a:solidFill>
-                <a:uFillTx/>
-              </a:defRPr>
-            </a:pPr>
-            <a:r>
-              <a:rPr sz="1400">
-                <a:solidFill>
-                  <a:srgbClr val="808080"/>
-                </a:solidFill>
                 <a:uFill>
                   <a:solidFill>
                     <a:srgbClr val="808080"/>
                   </a:solidFill>
                 </a:uFill>
               </a:rPr>
-              <a:t>Body Level Three</a:t>
-            </a:r>
-            <a:endParaRPr sz="1400">
-              <a:solidFill>
-                <a:srgbClr val="808080"/>
-              </a:solidFill>
-              <a:uFill>
-                <a:solidFill>
-                  <a:srgbClr val="808080"/>
-                </a:solidFill>
-              </a:uFill>
-            </a:endParaRPr>
-          </a:p>
-          <a:p>
-            <a:pPr lvl="3">
-              <a:defRPr sz="1800">
-                <a:solidFill>
-                  <a:srgbClr val="000000"/>
-                </a:solidFill>
-                <a:uFillTx/>
-              </a:defRPr>
-            </a:pPr>
-            <a:r>
-              <a:rPr sz="1400">
-                <a:solidFill>
-                  <a:srgbClr val="808080"/>
-                </a:solidFill>
-                <a:uFill>
-                  <a:solidFill>
-                    <a:srgbClr val="808080"/>
-                  </a:solidFill>
-                </a:uFill>
-              </a:rPr>
               <a:t>Body Level Four</a:t>
             </a:r>
-            <a:endParaRPr sz="1400">
-              <a:solidFill>
-                <a:srgbClr val="808080"/>
-              </a:solidFill>
-              <a:uFill>
-                <a:solidFill>
-                  <a:srgbClr val="808080"/>
-                </a:solidFill>
-              </a:uFill>
-            </a:endParaRPr>
           </a:p>
           <a:p>
             <a:pPr lvl="4">
@@ -3967,12 +3744,12 @@
   <p:clrMapOvr>
     <a:masterClrMapping/>
   </p:clrMapOvr>
-  <p:transition spd="med" advClick="1"/>
+  <p:transition xmlns:p14="http://schemas.microsoft.com/office/powerpoint/2010/main" spd="med"/>
 </p:sldLayout>
 </file>
 
 <file path=ppt/slideLayouts/slideLayout8.xml><?xml version="1.0" encoding="utf-8"?>
-<p:sldLayout xmlns:a="http://schemas.openxmlformats.org/drawingml/2006/main" xmlns:r="http://schemas.openxmlformats.org/officeDocument/2006/relationships" xmlns:p="http://schemas.openxmlformats.org/presentationml/2006/main" type="tx" showMasterSp="0" showMasterPhAnim="1">
+<p:sldLayout xmlns:a="http://schemas.openxmlformats.org/drawingml/2006/main" xmlns:r="http://schemas.openxmlformats.org/officeDocument/2006/relationships" xmlns:p="http://schemas.openxmlformats.org/presentationml/2006/main" showMasterSp="0" type="tx">
   <p:cSld name="Default - Picture with Caption">
     <p:spTree>
       <p:nvGrpSpPr>
@@ -3991,7 +3768,9 @@
       <p:sp>
         <p:nvSpPr>
           <p:cNvPr id="35" name="Shape 35"/>
-          <p:cNvSpPr/>
+          <p:cNvSpPr>
+            <a:spLocks noGrp="1"/>
+          </p:cNvSpPr>
           <p:nvPr>
             <p:ph type="body" idx="1"/>
           </p:nvPr>
@@ -4091,11 +3870,6 @@
               </a:rPr>
               <a:t>Body Level One</a:t>
             </a:r>
-            <a:endParaRPr sz="1100">
-              <a:uFill>
-                <a:solidFill/>
-              </a:uFill>
-            </a:endParaRPr>
           </a:p>
           <a:p>
             <a:pPr lvl="1">
@@ -4111,11 +3885,6 @@
               </a:rPr>
               <a:t>Body Level Two</a:t>
             </a:r>
-            <a:endParaRPr sz="1100">
-              <a:uFill>
-                <a:solidFill/>
-              </a:uFill>
-            </a:endParaRPr>
           </a:p>
           <a:p>
             <a:pPr lvl="2">
@@ -4131,11 +3900,6 @@
               </a:rPr>
               <a:t>Body Level Three</a:t>
             </a:r>
-            <a:endParaRPr sz="1100">
-              <a:uFill>
-                <a:solidFill/>
-              </a:uFill>
-            </a:endParaRPr>
           </a:p>
           <a:p>
             <a:pPr lvl="3">
@@ -4151,11 +3915,6 @@
               </a:rPr>
               <a:t>Body Level Four</a:t>
             </a:r>
-            <a:endParaRPr sz="1100">
-              <a:uFill>
-                <a:solidFill/>
-              </a:uFill>
-            </a:endParaRPr>
           </a:p>
           <a:p>
             <a:pPr lvl="4">
@@ -4204,12 +3963,12 @@
   <p:clrMapOvr>
     <a:masterClrMapping/>
   </p:clrMapOvr>
-  <p:transition spd="med" advClick="1"/>
+  <p:transition xmlns:p14="http://schemas.microsoft.com/office/powerpoint/2010/main" spd="med"/>
 </p:sldLayout>
 </file>
 
 <file path=ppt/slideLayouts/slideLayout9.xml><?xml version="1.0" encoding="utf-8"?>
-<p:sldLayout xmlns:a="http://schemas.openxmlformats.org/drawingml/2006/main" xmlns:r="http://schemas.openxmlformats.org/officeDocument/2006/relationships" xmlns:p="http://schemas.openxmlformats.org/presentationml/2006/main" type="tx" showMasterSp="0" showMasterPhAnim="1">
+<p:sldLayout xmlns:a="http://schemas.openxmlformats.org/drawingml/2006/main" xmlns:r="http://schemas.openxmlformats.org/officeDocument/2006/relationships" xmlns:p="http://schemas.openxmlformats.org/presentationml/2006/main" showMasterSp="0" type="tx">
   <p:cSld name="Default - 1_Picture with Caption">
     <p:spTree>
       <p:nvGrpSpPr>
@@ -4228,7 +3987,9 @@
       <p:sp>
         <p:nvSpPr>
           <p:cNvPr id="38" name="Shape 38"/>
-          <p:cNvSpPr/>
+          <p:cNvSpPr>
+            <a:spLocks noGrp="1"/>
+          </p:cNvSpPr>
           <p:nvPr>
             <p:ph type="body" idx="1"/>
           </p:nvPr>
@@ -4330,19 +4091,32 @@
               </a:rPr>
               <a:t>Body Level One</a:t>
             </a:r>
-            <a:endParaRPr sz="1200">
-              <a:solidFill>
-                <a:srgbClr val="A6A8AC"/>
-              </a:solidFill>
-              <a:uFill>
+          </a:p>
+          <a:p>
+            <a:pPr lvl="1">
+              <a:defRPr sz="1800">
+                <a:solidFill>
+                  <a:srgbClr val="000000"/>
+                </a:solidFill>
+                <a:uFillTx/>
+              </a:defRPr>
+            </a:pPr>
+            <a:r>
+              <a:rPr sz="1200">
                 <a:solidFill>
                   <a:srgbClr val="A6A8AC"/>
                 </a:solidFill>
-              </a:uFill>
-            </a:endParaRPr>
-          </a:p>
-          <a:p>
-            <a:pPr lvl="1">
+                <a:uFill>
+                  <a:solidFill>
+                    <a:srgbClr val="A6A8AC"/>
+                  </a:solidFill>
+                </a:uFill>
+              </a:rPr>
+              <a:t>Body Level Two</a:t>
+            </a:r>
+          </a:p>
+          <a:p>
+            <a:pPr lvl="2">
               <a:defRPr sz="1800">
                 <a:solidFill>
                   <a:srgbClr val="000000"/>
@@ -4361,84 +4135,31 @@
                   </a:solidFill>
                 </a:uFill>
               </a:rPr>
-              <a:t>Body Level Two</a:t>
-            </a:r>
-            <a:endParaRPr sz="1200">
-              <a:solidFill>
-                <a:srgbClr val="A6A8AC"/>
-              </a:solidFill>
-              <a:uFill>
+              <a:t>Body Level Three</a:t>
+            </a:r>
+          </a:p>
+          <a:p>
+            <a:pPr lvl="3">
+              <a:defRPr sz="1800">
+                <a:solidFill>
+                  <a:srgbClr val="000000"/>
+                </a:solidFill>
+                <a:uFillTx/>
+              </a:defRPr>
+            </a:pPr>
+            <a:r>
+              <a:rPr sz="1200">
                 <a:solidFill>
                   <a:srgbClr val="A6A8AC"/>
                 </a:solidFill>
-              </a:uFill>
-            </a:endParaRPr>
-          </a:p>
-          <a:p>
-            <a:pPr lvl="2">
-              <a:defRPr sz="1800">
-                <a:solidFill>
-                  <a:srgbClr val="000000"/>
-                </a:solidFill>
-                <a:uFillTx/>
-              </a:defRPr>
-            </a:pPr>
-            <a:r>
-              <a:rPr sz="1200">
-                <a:solidFill>
-                  <a:srgbClr val="A6A8AC"/>
-                </a:solidFill>
                 <a:uFill>
                   <a:solidFill>
                     <a:srgbClr val="A6A8AC"/>
                   </a:solidFill>
                 </a:uFill>
               </a:rPr>
-              <a:t>Body Level Three</a:t>
-            </a:r>
-            <a:endParaRPr sz="1200">
-              <a:solidFill>
-                <a:srgbClr val="A6A8AC"/>
-              </a:solidFill>
-              <a:uFill>
-                <a:solidFill>
-                  <a:srgbClr val="A6A8AC"/>
-                </a:solidFill>
-              </a:uFill>
-            </a:endParaRPr>
-          </a:p>
-          <a:p>
-            <a:pPr lvl="3">
-              <a:defRPr sz="1800">
-                <a:solidFill>
-                  <a:srgbClr val="000000"/>
-                </a:solidFill>
-                <a:uFillTx/>
-              </a:defRPr>
-            </a:pPr>
-            <a:r>
-              <a:rPr sz="1200">
-                <a:solidFill>
-                  <a:srgbClr val="A6A8AC"/>
-                </a:solidFill>
-                <a:uFill>
-                  <a:solidFill>
-                    <a:srgbClr val="A6A8AC"/>
-                  </a:solidFill>
-                </a:uFill>
-              </a:rPr>
               <a:t>Body Level Four</a:t>
             </a:r>
-            <a:endParaRPr sz="1200">
-              <a:solidFill>
-                <a:srgbClr val="A6A8AC"/>
-              </a:solidFill>
-              <a:uFill>
-                <a:solidFill>
-                  <a:srgbClr val="A6A8AC"/>
-                </a:solidFill>
-              </a:uFill>
-            </a:endParaRPr>
           </a:p>
           <a:p>
             <a:pPr lvl="4">
@@ -4495,7 +4216,7 @@
   <p:clrMapOvr>
     <a:masterClrMapping/>
   </p:clrMapOvr>
-  <p:transition spd="med" advClick="1"/>
+  <p:transition xmlns:p14="http://schemas.microsoft.com/office/powerpoint/2010/main" spd="med"/>
 </p:sldLayout>
 </file>
 
@@ -4507,6 +4228,7 @@
         <a:solidFill>
           <a:srgbClr val="FFFFFF"/>
         </a:solidFill>
+        <a:effectLst/>
       </p:bgPr>
     </p:bg>
     <p:spTree>
@@ -4526,7 +4248,9 @@
       <p:sp>
         <p:nvSpPr>
           <p:cNvPr id="2" name="Shape 2"/>
-          <p:cNvSpPr/>
+          <p:cNvSpPr>
+            <a:spLocks noGrp="1"/>
+          </p:cNvSpPr>
           <p:nvPr>
             <p:ph type="title"/>
           </p:nvPr>
@@ -4550,7 +4274,7 @@
         </p:spPr>
         <p:txBody>
           <a:bodyPr lIns="45719" rIns="45719">
-            <a:normAutofit fontScale="100000" lnSpcReduction="0"/>
+            <a:normAutofit/>
           </a:bodyPr>
           <a:lstStyle/>
           <a:p>
@@ -4581,7 +4305,9 @@
       <p:sp>
         <p:nvSpPr>
           <p:cNvPr id="3" name="Shape 3"/>
-          <p:cNvSpPr/>
+          <p:cNvSpPr>
+            <a:spLocks noGrp="1"/>
+          </p:cNvSpPr>
           <p:nvPr>
             <p:ph type="body" idx="1"/>
           </p:nvPr>
@@ -4605,7 +4331,7 @@
         </p:spPr>
         <p:txBody>
           <a:bodyPr lIns="45719" rIns="45719">
-            <a:normAutofit fontScale="100000" lnSpcReduction="0"/>
+            <a:normAutofit/>
           </a:bodyPr>
           <a:lstStyle/>
           <a:p>
@@ -4630,19 +4356,32 @@
               </a:rPr>
               <a:t>Body Level One</a:t>
             </a:r>
-            <a:endParaRPr sz="2400">
-              <a:solidFill>
-                <a:srgbClr val="535C62"/>
-              </a:solidFill>
-              <a:uFill>
+          </a:p>
+          <a:p>
+            <a:pPr lvl="1">
+              <a:defRPr sz="1800">
+                <a:solidFill>
+                  <a:srgbClr val="000000"/>
+                </a:solidFill>
+                <a:uFillTx/>
+              </a:defRPr>
+            </a:pPr>
+            <a:r>
+              <a:rPr sz="2400">
                 <a:solidFill>
                   <a:srgbClr val="535C62"/>
                 </a:solidFill>
-              </a:uFill>
-            </a:endParaRPr>
-          </a:p>
-          <a:p>
-            <a:pPr lvl="1">
+                <a:uFill>
+                  <a:solidFill>
+                    <a:srgbClr val="535C62"/>
+                  </a:solidFill>
+                </a:uFill>
+              </a:rPr>
+              <a:t>Body Level Two</a:t>
+            </a:r>
+          </a:p>
+          <a:p>
+            <a:pPr lvl="2">
               <a:defRPr sz="1800">
                 <a:solidFill>
                   <a:srgbClr val="000000"/>
@@ -4661,84 +4400,31 @@
                   </a:solidFill>
                 </a:uFill>
               </a:rPr>
-              <a:t>Body Level Two</a:t>
-            </a:r>
-            <a:endParaRPr sz="2400">
-              <a:solidFill>
-                <a:srgbClr val="535C62"/>
-              </a:solidFill>
-              <a:uFill>
+              <a:t>Body Level Three</a:t>
+            </a:r>
+          </a:p>
+          <a:p>
+            <a:pPr lvl="3">
+              <a:defRPr sz="1800">
+                <a:solidFill>
+                  <a:srgbClr val="000000"/>
+                </a:solidFill>
+                <a:uFillTx/>
+              </a:defRPr>
+            </a:pPr>
+            <a:r>
+              <a:rPr sz="2400">
                 <a:solidFill>
                   <a:srgbClr val="535C62"/>
                 </a:solidFill>
-              </a:uFill>
-            </a:endParaRPr>
-          </a:p>
-          <a:p>
-            <a:pPr lvl="2">
-              <a:defRPr sz="1800">
-                <a:solidFill>
-                  <a:srgbClr val="000000"/>
-                </a:solidFill>
-                <a:uFillTx/>
-              </a:defRPr>
-            </a:pPr>
-            <a:r>
-              <a:rPr sz="2400">
-                <a:solidFill>
-                  <a:srgbClr val="535C62"/>
-                </a:solidFill>
                 <a:uFill>
                   <a:solidFill>
                     <a:srgbClr val="535C62"/>
                   </a:solidFill>
                 </a:uFill>
               </a:rPr>
-              <a:t>Body Level Three</a:t>
-            </a:r>
-            <a:endParaRPr sz="2400">
-              <a:solidFill>
-                <a:srgbClr val="535C62"/>
-              </a:solidFill>
-              <a:uFill>
-                <a:solidFill>
-                  <a:srgbClr val="535C62"/>
-                </a:solidFill>
-              </a:uFill>
-            </a:endParaRPr>
-          </a:p>
-          <a:p>
-            <a:pPr lvl="3">
-              <a:defRPr sz="1800">
-                <a:solidFill>
-                  <a:srgbClr val="000000"/>
-                </a:solidFill>
-                <a:uFillTx/>
-              </a:defRPr>
-            </a:pPr>
-            <a:r>
-              <a:rPr sz="2400">
-                <a:solidFill>
-                  <a:srgbClr val="535C62"/>
-                </a:solidFill>
-                <a:uFill>
-                  <a:solidFill>
-                    <a:srgbClr val="535C62"/>
-                  </a:solidFill>
-                </a:uFill>
-              </a:rPr>
               <a:t>Body Level Four</a:t>
             </a:r>
-            <a:endParaRPr sz="2400">
-              <a:solidFill>
-                <a:srgbClr val="535C62"/>
-              </a:solidFill>
-              <a:uFill>
-                <a:solidFill>
-                  <a:srgbClr val="535C62"/>
-                </a:solidFill>
-              </a:uFill>
-            </a:endParaRPr>
           </a:p>
           <a:p>
             <a:pPr lvl="4">
@@ -4794,22 +4480,22 @@
   </p:cSld>
   <p:clrMap bg1="lt1" tx1="dk1" bg2="lt2" tx2="dk2" accent1="accent1" accent2="accent2" accent3="accent3" accent4="accent4" accent5="accent5" accent6="accent6" hlink="hlink" folHlink="folHlink"/>
   <p:sldLayoutIdLst>
-    <p:sldLayoutId id="2147483649" r:id="rId2"/>
-    <p:sldLayoutId id="2147483650" r:id="rId3"/>
-    <p:sldLayoutId id="2147483651" r:id="rId4"/>
-    <p:sldLayoutId id="2147483652" r:id="rId5"/>
-    <p:sldLayoutId id="2147483653" r:id="rId6"/>
-    <p:sldLayoutId id="2147483654" r:id="rId7"/>
-    <p:sldLayoutId id="2147483655" r:id="rId8"/>
-    <p:sldLayoutId id="2147483656" r:id="rId9"/>
-    <p:sldLayoutId id="2147483657" r:id="rId10"/>
-    <p:sldLayoutId id="2147483658" r:id="rId11"/>
-    <p:sldLayoutId id="2147483659" r:id="rId12"/>
-    <p:sldLayoutId id="2147483660" r:id="rId13"/>
-    <p:sldLayoutId id="2147483661" r:id="rId14"/>
-    <p:sldLayoutId id="2147483662" r:id="rId15"/>
+    <p:sldLayoutId id="2147483649" r:id="rId1"/>
+    <p:sldLayoutId id="2147483650" r:id="rId2"/>
+    <p:sldLayoutId id="2147483651" r:id="rId3"/>
+    <p:sldLayoutId id="2147483652" r:id="rId4"/>
+    <p:sldLayoutId id="2147483653" r:id="rId5"/>
+    <p:sldLayoutId id="2147483654" r:id="rId6"/>
+    <p:sldLayoutId id="2147483655" r:id="rId7"/>
+    <p:sldLayoutId id="2147483656" r:id="rId8"/>
+    <p:sldLayoutId id="2147483657" r:id="rId9"/>
+    <p:sldLayoutId id="2147483658" r:id="rId10"/>
+    <p:sldLayoutId id="2147483659" r:id="rId11"/>
+    <p:sldLayoutId id="2147483660" r:id="rId12"/>
+    <p:sldLayoutId id="2147483661" r:id="rId13"/>
+    <p:sldLayoutId id="2147483662" r:id="rId14"/>
   </p:sldLayoutIdLst>
-  <p:transition spd="med" advClick="1"/>
+  <p:transition xmlns:p14="http://schemas.microsoft.com/office/powerpoint/2010/main" spd="med"/>
   <p:txStyles>
     <p:titleStyle>
       <a:lvl1pPr defTabSz="457200">
@@ -5297,7 +4983,7 @@
 </file>
 
 <file path=ppt/slides/slide1.xml><?xml version="1.0" encoding="utf-8"?>
-<p:sld xmlns:a="http://schemas.openxmlformats.org/drawingml/2006/main" xmlns:r="http://schemas.openxmlformats.org/officeDocument/2006/relationships" xmlns:p="http://schemas.openxmlformats.org/presentationml/2006/main" showMasterSp="1" showMasterPhAnim="1">
+<p:sld xmlns:a="http://schemas.openxmlformats.org/drawingml/2006/main" xmlns:r="http://schemas.openxmlformats.org/officeDocument/2006/relationships" xmlns:p="http://schemas.openxmlformats.org/presentationml/2006/main">
   <p:cSld>
     <p:spTree>
       <p:nvGrpSpPr>
@@ -5316,7 +5002,9 @@
       <p:sp>
         <p:nvSpPr>
           <p:cNvPr id="59" name="Shape 59"/>
-          <p:cNvSpPr/>
+          <p:cNvSpPr>
+            <a:spLocks noGrp="1"/>
+          </p:cNvSpPr>
           <p:nvPr>
             <p:ph type="title"/>
           </p:nvPr>
@@ -5334,20 +5022,20 @@
           <a:bodyPr/>
           <a:lstStyle>
             <a:lvl1pPr>
-              <a:defRPr spc="-115" sz="5100"/>
+              <a:defRPr sz="5100" spc="-115"/>
             </a:lvl1pPr>
           </a:lstStyle>
           <a:p>
             <a:pPr lvl="0">
-              <a:defRPr spc="0" sz="1800">
-                <a:solidFill>
-                  <a:srgbClr val="000000"/>
-                </a:solidFill>
-                <a:uFillTx/>
-              </a:defRPr>
-            </a:pPr>
-            <a:r>
-              <a:rPr spc="-115" sz="5100">
+              <a:defRPr sz="1800" spc="0">
+                <a:solidFill>
+                  <a:srgbClr val="000000"/>
+                </a:solidFill>
+                <a:uFillTx/>
+              </a:defRPr>
+            </a:pPr>
+            <a:r>
+              <a:rPr sz="5100" spc="-115">
                 <a:solidFill>
                   <a:srgbClr val="1F2426"/>
                 </a:solidFill>
@@ -5365,7 +5053,9 @@
       <p:sp>
         <p:nvSpPr>
           <p:cNvPr id="60" name="Shape 60"/>
-          <p:cNvSpPr/>
+          <p:cNvSpPr>
+            <a:spLocks noGrp="1"/>
+          </p:cNvSpPr>
           <p:nvPr>
             <p:ph type="body" idx="1"/>
           </p:nvPr>
@@ -5380,15 +5070,15 @@
           <a:lstStyle/>
           <a:p>
             <a:pPr lvl="0">
-              <a:defRPr b="0" sz="1800">
-                <a:solidFill>
-                  <a:srgbClr val="000000"/>
-                </a:solidFill>
-                <a:uFillTx/>
-              </a:defRPr>
-            </a:pPr>
-            <a:r>
-              <a:rPr b="1" sz="1100">
+              <a:defRPr sz="1800" b="0">
+                <a:solidFill>
+                  <a:srgbClr val="000000"/>
+                </a:solidFill>
+                <a:uFillTx/>
+              </a:defRPr>
+            </a:pPr>
+            <a:r>
+              <a:rPr sz="1100" b="1">
                 <a:solidFill>
                   <a:srgbClr val="A09700"/>
                 </a:solidFill>
@@ -5408,12 +5098,12 @@
   <p:clrMapOvr>
     <a:masterClrMapping/>
   </p:clrMapOvr>
-  <p:transition spd="med" advClick="1"/>
+  <p:transition xmlns:p14="http://schemas.microsoft.com/office/powerpoint/2010/main" spd="med"/>
 </p:sld>
 </file>
 
 <file path=ppt/slides/slide10.xml><?xml version="1.0" encoding="utf-8"?>
-<p:sld xmlns:a="http://schemas.openxmlformats.org/drawingml/2006/main" xmlns:r="http://schemas.openxmlformats.org/officeDocument/2006/relationships" xmlns:p="http://schemas.openxmlformats.org/presentationml/2006/main" showMasterSp="1" showMasterPhAnim="1">
+<p:sld xmlns:a="http://schemas.openxmlformats.org/drawingml/2006/main" xmlns:r="http://schemas.openxmlformats.org/officeDocument/2006/relationships" xmlns:p="http://schemas.openxmlformats.org/presentationml/2006/main">
   <p:cSld>
     <p:spTree>
       <p:nvGrpSpPr>
@@ -5432,7 +5122,9 @@
       <p:sp>
         <p:nvSpPr>
           <p:cNvPr id="88" name="Shape 88"/>
-          <p:cNvSpPr/>
+          <p:cNvSpPr>
+            <a:spLocks noGrp="1"/>
+          </p:cNvSpPr>
           <p:nvPr>
             <p:ph type="title"/>
           </p:nvPr>
@@ -5467,7 +5159,7 @@
               </a:defRPr>
             </a:pPr>
             <a:r>
-              <a:rPr sz="4275">
+              <a:rPr sz="4275" dirty="0">
                 <a:solidFill>
                   <a:srgbClr val="272B2E"/>
                 </a:solidFill>
@@ -5477,7 +5169,46 @@
                   </a:solidFill>
                 </a:uFill>
               </a:rPr>
-              <a:t>WWIM: What would Irene Model? </a:t>
+              <a:t>WWIM: What would </a:t>
+            </a:r>
+            <a:r>
+              <a:rPr lang="en-US" sz="4275" dirty="0" smtClean="0">
+                <a:solidFill>
+                  <a:srgbClr val="272B2E"/>
+                </a:solidFill>
+                <a:uFill>
+                  <a:solidFill>
+                    <a:srgbClr val="A6A8AC"/>
+                  </a:solidFill>
+                </a:uFill>
+              </a:rPr>
+              <a:t>Anqi </a:t>
+            </a:r>
+            <a:r>
+              <a:rPr sz="4275" dirty="0" smtClean="0">
+                <a:solidFill>
+                  <a:srgbClr val="272B2E"/>
+                </a:solidFill>
+                <a:uFill>
+                  <a:solidFill>
+                    <a:srgbClr val="A6A8AC"/>
+                  </a:solidFill>
+                </a:uFill>
+              </a:rPr>
+              <a:t>Model</a:t>
+            </a:r>
+            <a:r>
+              <a:rPr sz="4275" dirty="0">
+                <a:solidFill>
+                  <a:srgbClr val="272B2E"/>
+                </a:solidFill>
+                <a:uFill>
+                  <a:solidFill>
+                    <a:srgbClr val="A6A8AC"/>
+                  </a:solidFill>
+                </a:uFill>
+              </a:rPr>
+              <a:t>? </a:t>
             </a:r>
           </a:p>
         </p:txBody>
@@ -5485,7 +5216,9 @@
       <p:sp>
         <p:nvSpPr>
           <p:cNvPr id="89" name="Shape 89"/>
-          <p:cNvSpPr/>
+          <p:cNvSpPr>
+            <a:spLocks noGrp="1"/>
+          </p:cNvSpPr>
           <p:nvPr>
             <p:ph type="body" idx="1"/>
           </p:nvPr>
@@ -5521,6 +5254,16 @@
               </a:rPr>
               <a:t>Logistic binomial regression </a:t>
             </a:r>
+          </a:p>
+          <a:p>
+            <a:pPr lvl="0">
+              <a:defRPr sz="1800">
+                <a:solidFill>
+                  <a:srgbClr val="000000"/>
+                </a:solidFill>
+                <a:uFillTx/>
+              </a:defRPr>
+            </a:pPr>
             <a:endParaRPr sz="2400">
               <a:uFill>
                 <a:solidFill>
@@ -5538,23 +5281,6 @@
                 <a:uFillTx/>
               </a:defRPr>
             </a:pPr>
-            <a:endParaRPr sz="2400">
-              <a:uFill>
-                <a:solidFill>
-                  <a:srgbClr val="535C62"/>
-                </a:solidFill>
-              </a:uFill>
-            </a:endParaRPr>
-          </a:p>
-          <a:p>
-            <a:pPr lvl="0">
-              <a:defRPr sz="1800">
-                <a:solidFill>
-                  <a:srgbClr val="000000"/>
-                </a:solidFill>
-                <a:uFillTx/>
-              </a:defRPr>
-            </a:pPr>
             <a:r>
               <a:rPr sz="2400">
                 <a:uFill>
@@ -5565,13 +5291,6 @@
               </a:rPr>
               <a:t>End model has interpretability </a:t>
             </a:r>
-            <a:endParaRPr sz="2400">
-              <a:uFill>
-                <a:solidFill>
-                  <a:srgbClr val="535C62"/>
-                </a:solidFill>
-              </a:uFill>
-            </a:endParaRPr>
           </a:p>
           <a:p>
             <a:pPr lvl="0">
@@ -5617,12 +5336,12 @@
   <p:clrMapOvr>
     <a:masterClrMapping/>
   </p:clrMapOvr>
-  <p:transition spd="med" advClick="1"/>
+  <p:transition xmlns:p14="http://schemas.microsoft.com/office/powerpoint/2010/main" spd="med"/>
 </p:sld>
 </file>
 
 <file path=ppt/slides/slide11.xml><?xml version="1.0" encoding="utf-8"?>
-<p:sld xmlns:a="http://schemas.openxmlformats.org/drawingml/2006/main" xmlns:r="http://schemas.openxmlformats.org/officeDocument/2006/relationships" xmlns:p="http://schemas.openxmlformats.org/presentationml/2006/main" showMasterSp="1" showMasterPhAnim="1">
+<p:sld xmlns:a="http://schemas.openxmlformats.org/drawingml/2006/main" xmlns:r="http://schemas.openxmlformats.org/officeDocument/2006/relationships" xmlns:p="http://schemas.openxmlformats.org/presentationml/2006/main">
   <p:cSld>
     <p:spTree>
       <p:nvGrpSpPr>
@@ -5641,7 +5360,9 @@
       <p:sp>
         <p:nvSpPr>
           <p:cNvPr id="91" name="Shape 91"/>
-          <p:cNvSpPr/>
+          <p:cNvSpPr>
+            <a:spLocks noGrp="1"/>
+          </p:cNvSpPr>
           <p:nvPr>
             <p:ph type="title"/>
           </p:nvPr>
@@ -5676,7 +5397,7 @@
               </a:defRPr>
             </a:pPr>
             <a:r>
-              <a:rPr sz="4500">
+              <a:rPr sz="4500" dirty="0">
                 <a:solidFill>
                   <a:srgbClr val="272B2E"/>
                 </a:solidFill>
@@ -5694,7 +5415,9 @@
       <p:sp>
         <p:nvSpPr>
           <p:cNvPr id="92" name="Shape 92"/>
-          <p:cNvSpPr/>
+          <p:cNvSpPr>
+            <a:spLocks noGrp="1"/>
+          </p:cNvSpPr>
           <p:nvPr>
             <p:ph type="body" idx="1"/>
           </p:nvPr>
@@ -5733,16 +5456,6 @@
               </a:rPr>
               <a:t>Comparison of error rates on holdout set </a:t>
             </a:r>
-            <a:endParaRPr sz="2400">
-              <a:solidFill>
-                <a:srgbClr val="535C62"/>
-              </a:solidFill>
-              <a:uFill>
-                <a:solidFill>
-                  <a:srgbClr val="535C62"/>
-                </a:solidFill>
-              </a:uFill>
-            </a:endParaRPr>
           </a:p>
           <a:p>
             <a:pPr lvl="0">
@@ -5794,12 +5507,12 @@
         </p:nvGraphicFramePr>
         <p:xfrm>
           <a:off x="940380" y="2768600"/>
-          <a:ext cx="7275939" cy="2553246"/>
+          <a:ext cx="7259013" cy="2621552"/>
         </p:xfrm>
-        <a:graphic xmlns:a="http://schemas.openxmlformats.org/drawingml/2006/main">
+        <a:graphic>
           <a:graphicData uri="http://schemas.openxmlformats.org/drawingml/2006/table">
             <a:tbl>
-              <a:tblPr firstCol="0" firstRow="1" lastCol="0" lastRow="0" bandCol="0" bandRow="1" rtl="0">
+              <a:tblPr firstRow="1" bandRow="1">
                 <a:tableStyleId>{4C3C2611-4C71-4FC5-86AE-919BDF0F9419}</a:tableStyleId>
               </a:tblPr>
               <a:tblGrid>
@@ -5822,9 +5535,10 @@
                           </a:uFill>
                         </a:defRPr>
                       </a:pPr>
+                      <a:endParaRPr/>
                     </a:p>
                   </a:txBody>
-                  <a:tcPr marL="63500" marR="63500" marT="63500" marB="63500" anchor="t" anchorCtr="0" horzOverflow="overflow"/>
+                  <a:tcPr marL="63500" marR="63500" marT="63500" marB="63500" horzOverflow="overflow"/>
                 </a:tc>
                 <a:tc>
                   <a:txBody>
@@ -5832,7 +5546,7 @@
                     <a:lstStyle/>
                     <a:p>
                       <a:pPr lvl="0" algn="l">
-                        <a:defRPr b="0" i="0" sz="1800">
+                        <a:defRPr sz="1800" b="0" i="0">
                           <a:solidFill>
                             <a:srgbClr val="000000"/>
                           </a:solidFill>
@@ -5854,7 +5568,7 @@
                       </a:r>
                     </a:p>
                   </a:txBody>
-                  <a:tcPr marL="63500" marR="63500" marT="63500" marB="63500" anchor="t" anchorCtr="0" horzOverflow="overflow"/>
+                  <a:tcPr marL="63500" marR="63500" marT="63500" marB="63500" horzOverflow="overflow"/>
                 </a:tc>
                 <a:tc>
                   <a:txBody>
@@ -5862,7 +5576,7 @@
                     <a:lstStyle/>
                     <a:p>
                       <a:pPr lvl="0" algn="l">
-                        <a:defRPr b="0" i="0" sz="1800">
+                        <a:defRPr sz="1800" b="0" i="0">
                           <a:solidFill>
                             <a:srgbClr val="000000"/>
                           </a:solidFill>
@@ -5884,7 +5598,7 @@
                       </a:r>
                     </a:p>
                   </a:txBody>
-                  <a:tcPr marL="63500" marR="63500" marT="63500" marB="63500" anchor="t" anchorCtr="0" horzOverflow="overflow"/>
+                  <a:tcPr marL="63500" marR="63500" marT="63500" marB="63500" horzOverflow="overflow"/>
                 </a:tc>
               </a:tr>
               <a:tr h="635136">
@@ -5894,7 +5608,7 @@
                     <a:lstStyle/>
                     <a:p>
                       <a:pPr lvl="0" algn="l">
-                        <a:defRPr b="0" i="0" sz="1800">
+                        <a:defRPr sz="1800" b="0" i="0">
                           <a:solidFill>
                             <a:srgbClr val="000000"/>
                           </a:solidFill>
@@ -5917,7 +5631,7 @@
                       </a:r>
                     </a:p>
                   </a:txBody>
-                  <a:tcPr marL="63500" marR="63500" marT="63500" marB="63500" anchor="t" anchorCtr="0" horzOverflow="overflow"/>
+                  <a:tcPr marL="63500" marR="63500" marT="63500" marB="63500" horzOverflow="overflow"/>
                 </a:tc>
                 <a:tc>
                   <a:txBody>
@@ -5925,7 +5639,7 @@
                     <a:lstStyle/>
                     <a:p>
                       <a:pPr lvl="0" algn="l">
-                        <a:defRPr b="0" i="0" sz="1800">
+                        <a:defRPr sz="1800" b="0" i="0">
                           <a:solidFill>
                             <a:srgbClr val="000000"/>
                           </a:solidFill>
@@ -5947,7 +5661,7 @@
                       </a:r>
                     </a:p>
                   </a:txBody>
-                  <a:tcPr marL="63500" marR="63500" marT="63500" marB="63500" anchor="t" anchorCtr="0" horzOverflow="overflow"/>
+                  <a:tcPr marL="63500" marR="63500" marT="63500" marB="63500" horzOverflow="overflow"/>
                 </a:tc>
                 <a:tc>
                   <a:txBody>
@@ -5955,7 +5669,7 @@
                     <a:lstStyle/>
                     <a:p>
                       <a:pPr lvl="0" algn="l">
-                        <a:defRPr b="0" i="0" sz="1800">
+                        <a:defRPr sz="1800" b="0" i="0">
                           <a:solidFill>
                             <a:srgbClr val="000000"/>
                           </a:solidFill>
@@ -5977,7 +5691,7 @@
                       </a:r>
                     </a:p>
                   </a:txBody>
-                  <a:tcPr marL="63500" marR="63500" marT="63500" marB="63500" anchor="t" anchorCtr="0" horzOverflow="overflow"/>
+                  <a:tcPr marL="63500" marR="63500" marT="63500" marB="63500" horzOverflow="overflow"/>
                 </a:tc>
               </a:tr>
               <a:tr h="635136">
@@ -5987,7 +5701,7 @@
                     <a:lstStyle/>
                     <a:p>
                       <a:pPr lvl="0" algn="l">
-                        <a:defRPr b="0" i="0" sz="1800">
+                        <a:defRPr sz="1800" b="0" i="0">
                           <a:solidFill>
                             <a:srgbClr val="000000"/>
                           </a:solidFill>
@@ -6010,7 +5724,7 @@
                       </a:r>
                     </a:p>
                   </a:txBody>
-                  <a:tcPr marL="63500" marR="63500" marT="63500" marB="63500" anchor="t" anchorCtr="0" horzOverflow="overflow"/>
+                  <a:tcPr marL="63500" marR="63500" marT="63500" marB="63500" horzOverflow="overflow"/>
                 </a:tc>
                 <a:tc>
                   <a:txBody>
@@ -6018,7 +5732,7 @@
                     <a:lstStyle/>
                     <a:p>
                       <a:pPr lvl="0" algn="l">
-                        <a:defRPr b="0" i="0" sz="1800">
+                        <a:defRPr sz="1800" b="0" i="0">
                           <a:solidFill>
                             <a:srgbClr val="000000"/>
                           </a:solidFill>
@@ -6040,7 +5754,7 @@
                       </a:r>
                     </a:p>
                   </a:txBody>
-                  <a:tcPr marL="63500" marR="63500" marT="63500" marB="63500" anchor="t" anchorCtr="0" horzOverflow="overflow"/>
+                  <a:tcPr marL="63500" marR="63500" marT="63500" marB="63500" horzOverflow="overflow"/>
                 </a:tc>
                 <a:tc>
                   <a:txBody>
@@ -6048,7 +5762,7 @@
                     <a:lstStyle/>
                     <a:p>
                       <a:pPr lvl="0" algn="l">
-                        <a:defRPr b="0" i="0" sz="1800">
+                        <a:defRPr sz="1800" b="0" i="0">
                           <a:solidFill>
                             <a:srgbClr val="000000"/>
                           </a:solidFill>
@@ -6070,7 +5784,7 @@
                       </a:r>
                     </a:p>
                   </a:txBody>
-                  <a:tcPr marL="63500" marR="63500" marT="63500" marB="63500" anchor="t" anchorCtr="0" horzOverflow="overflow"/>
+                  <a:tcPr marL="63500" marR="63500" marT="63500" marB="63500" horzOverflow="overflow"/>
                 </a:tc>
               </a:tr>
               <a:tr h="635136">
@@ -6080,7 +5794,7 @@
                     <a:lstStyle/>
                     <a:p>
                       <a:pPr lvl="0" algn="l">
-                        <a:defRPr b="0" i="0" sz="1800">
+                        <a:defRPr sz="1800" b="0" i="0">
                           <a:solidFill>
                             <a:srgbClr val="000000"/>
                           </a:solidFill>
@@ -6102,7 +5816,7 @@
                       </a:r>
                     </a:p>
                   </a:txBody>
-                  <a:tcPr marL="63500" marR="63500" marT="63500" marB="63500" anchor="t" anchorCtr="0" horzOverflow="overflow"/>
+                  <a:tcPr marL="63500" marR="63500" marT="63500" marB="63500" horzOverflow="overflow"/>
                 </a:tc>
                 <a:tc>
                   <a:txBody>
@@ -6110,7 +5824,7 @@
                     <a:lstStyle/>
                     <a:p>
                       <a:pPr lvl="0" algn="l">
-                        <a:defRPr b="0" i="0" sz="1800">
+                        <a:defRPr sz="1800" b="0" i="0">
                           <a:solidFill>
                             <a:srgbClr val="000000"/>
                           </a:solidFill>
@@ -6132,7 +5846,7 @@
                       </a:r>
                     </a:p>
                   </a:txBody>
-                  <a:tcPr marL="63500" marR="63500" marT="63500" marB="63500" anchor="t" anchorCtr="0" horzOverflow="overflow"/>
+                  <a:tcPr marL="63500" marR="63500" marT="63500" marB="63500" horzOverflow="overflow"/>
                 </a:tc>
                 <a:tc>
                   <a:txBody>
@@ -6140,7 +5854,7 @@
                     <a:lstStyle/>
                     <a:p>
                       <a:pPr lvl="0" algn="l">
-                        <a:defRPr b="0" i="0" sz="1800">
+                        <a:defRPr sz="1800" b="0" i="0">
                           <a:solidFill>
                             <a:srgbClr val="000000"/>
                           </a:solidFill>
@@ -6162,7 +5876,7 @@
                       </a:r>
                     </a:p>
                   </a:txBody>
-                  <a:tcPr marL="63500" marR="63500" marT="63500" marB="63500" anchor="t" anchorCtr="0" horzOverflow="overflow"/>
+                  <a:tcPr marL="63500" marR="63500" marT="63500" marB="63500" horzOverflow="overflow"/>
                 </a:tc>
               </a:tr>
             </a:tbl>
@@ -6174,12 +5888,12 @@
   <p:clrMapOvr>
     <a:masterClrMapping/>
   </p:clrMapOvr>
-  <p:transition spd="med" advClick="1"/>
+  <p:transition xmlns:p14="http://schemas.microsoft.com/office/powerpoint/2010/main" spd="med"/>
 </p:sld>
 </file>
 
 <file path=ppt/slides/slide12.xml><?xml version="1.0" encoding="utf-8"?>
-<p:sld xmlns:a="http://schemas.openxmlformats.org/drawingml/2006/main" xmlns:r="http://schemas.openxmlformats.org/officeDocument/2006/relationships" xmlns:p="http://schemas.openxmlformats.org/presentationml/2006/main" showMasterSp="1" showMasterPhAnim="1">
+<p:sld xmlns:a="http://schemas.openxmlformats.org/drawingml/2006/main" xmlns:r="http://schemas.openxmlformats.org/officeDocument/2006/relationships" xmlns:p="http://schemas.openxmlformats.org/presentationml/2006/main">
   <p:cSld>
     <p:spTree>
       <p:nvGrpSpPr>
@@ -6198,7 +5912,9 @@
       <p:sp>
         <p:nvSpPr>
           <p:cNvPr id="95" name="Shape 95"/>
-          <p:cNvSpPr/>
+          <p:cNvSpPr>
+            <a:spLocks noGrp="1"/>
+          </p:cNvSpPr>
           <p:nvPr>
             <p:ph type="body" idx="1"/>
           </p:nvPr>
@@ -6213,6 +5929,7 @@
           <a:lstStyle/>
           <a:p>
             <a:pPr lvl="0"/>
+            <a:endParaRPr/>
           </a:p>
         </p:txBody>
       </p:sp>
@@ -6220,16 +5937,22 @@
         <p:nvGraphicFramePr>
           <p:cNvPr id="96" name="Table 96"/>
           <p:cNvGraphicFramePr/>
-          <p:nvPr/>
+          <p:nvPr>
+            <p:extLst>
+              <p:ext uri="{D42A27DB-BD31-4B8C-83A1-F6EECF244321}">
+                <p14:modId xmlns:p14="http://schemas.microsoft.com/office/powerpoint/2010/main" val="816002270"/>
+              </p:ext>
+            </p:extLst>
+          </p:nvPr>
         </p:nvGraphicFramePr>
         <p:xfrm>
           <a:off x="889000" y="889000"/>
-          <a:ext cx="7366000" cy="3325466"/>
+          <a:ext cx="7366000" cy="3325465"/>
         </p:xfrm>
-        <a:graphic xmlns:a="http://schemas.openxmlformats.org/drawingml/2006/main">
+        <a:graphic>
           <a:graphicData uri="http://schemas.openxmlformats.org/drawingml/2006/table">
             <a:tbl>
-              <a:tblPr firstCol="0" firstRow="1" lastCol="0" lastRow="0" bandCol="0" bandRow="1" rtl="0">
+              <a:tblPr firstRow="1" bandRow="1">
                 <a:tableStyleId>{4C3C2611-4C71-4FC5-86AE-919BDF0F9419}</a:tableStyleId>
               </a:tblPr>
               <a:tblGrid>
@@ -6243,7 +5966,7 @@
                     <a:lstStyle/>
                     <a:p>
                       <a:pPr lvl="0" algn="l">
-                        <a:defRPr b="0" i="0" sz="1800">
+                        <a:defRPr sz="1800" b="0" i="0">
                           <a:solidFill>
                             <a:srgbClr val="000000"/>
                           </a:solidFill>
@@ -6251,7 +5974,7 @@
                         </a:defRPr>
                       </a:pPr>
                       <a:r>
-                        <a:rPr b="1" i="1">
+                        <a:rPr lang="en-US" b="1" i="1" dirty="0" smtClean="0">
                           <a:solidFill>
                             <a:srgbClr val="FFFFFF"/>
                           </a:solidFill>
@@ -6261,27 +5984,10 @@
                             </a:solidFill>
                           </a:uFill>
                         </a:rPr>
-                        <a:t>Anqi’s Predictions	</a:t>
+                        <a:t>GBM</a:t>
                       </a:r>
-                    </a:p>
-                  </a:txBody>
-                  <a:tcPr marL="63500" marR="63500" marT="63500" marB="63500" anchor="t" anchorCtr="0" horzOverflow="overflow"/>
-                </a:tc>
-                <a:tc>
-                  <a:txBody>
-                    <a:bodyPr/>
-                    <a:lstStyle/>
-                    <a:p>
-                      <a:pPr lvl="0" algn="l">
-                        <a:defRPr b="0" i="0" sz="1800">
-                          <a:solidFill>
-                            <a:srgbClr val="000000"/>
-                          </a:solidFill>
-                          <a:uFillTx/>
-                        </a:defRPr>
-                      </a:pPr>
                       <a:r>
-                        <a:rPr b="1" i="1">
+                        <a:rPr b="1" i="1" dirty="0" smtClean="0">
                           <a:solidFill>
                             <a:srgbClr val="FFFFFF"/>
                           </a:solidFill>
@@ -6291,11 +5997,80 @@
                             </a:solidFill>
                           </a:uFill>
                         </a:rPr>
-                        <a:t>Irene’s Predictions</a:t>
+                        <a:t> </a:t>
+                      </a:r>
+                      <a:r>
+                        <a:rPr b="1" i="1" dirty="0">
+                          <a:solidFill>
+                            <a:srgbClr val="FFFFFF"/>
+                          </a:solidFill>
+                          <a:uFill>
+                            <a:solidFill>
+                              <a:srgbClr val="FFFFFF"/>
+                            </a:solidFill>
+                          </a:uFill>
+                        </a:rPr>
+                        <a:t>Predictions	</a:t>
                       </a:r>
                     </a:p>
                   </a:txBody>
-                  <a:tcPr marL="63500" marR="63500" marT="63500" marB="63500" anchor="t" anchorCtr="0" horzOverflow="overflow"/>
+                  <a:tcPr marL="63500" marR="63500" marT="63500" marB="63500" horzOverflow="overflow"/>
+                </a:tc>
+                <a:tc>
+                  <a:txBody>
+                    <a:bodyPr/>
+                    <a:lstStyle/>
+                    <a:p>
+                      <a:pPr lvl="0" algn="l">
+                        <a:defRPr sz="1800" b="0" i="0">
+                          <a:solidFill>
+                            <a:srgbClr val="000000"/>
+                          </a:solidFill>
+                          <a:uFillTx/>
+                        </a:defRPr>
+                      </a:pPr>
+                      <a:r>
+                        <a:rPr lang="en-US" b="1" i="1" dirty="0" smtClean="0">
+                          <a:solidFill>
+                            <a:srgbClr val="FFFFFF"/>
+                          </a:solidFill>
+                          <a:uFill>
+                            <a:solidFill>
+                              <a:srgbClr val="FFFFFF"/>
+                            </a:solidFill>
+                          </a:uFill>
+                        </a:rPr>
+                        <a:t>GLM</a:t>
+                      </a:r>
+                      <a:r>
+                        <a:rPr b="1" i="1" dirty="0" smtClean="0">
+                          <a:solidFill>
+                            <a:srgbClr val="FFFFFF"/>
+                          </a:solidFill>
+                          <a:uFill>
+                            <a:solidFill>
+                              <a:srgbClr val="FFFFFF"/>
+                            </a:solidFill>
+                          </a:uFill>
+                        </a:rPr>
+                        <a:t> </a:t>
+                      </a:r>
+                      <a:r>
+                        <a:rPr b="1" i="1" dirty="0">
+                          <a:solidFill>
+                            <a:srgbClr val="FFFFFF"/>
+                          </a:solidFill>
+                          <a:uFill>
+                            <a:solidFill>
+                              <a:srgbClr val="FFFFFF"/>
+                            </a:solidFill>
+                          </a:uFill>
+                        </a:rPr>
+                        <a:t>Predictions</a:t>
+                      </a:r>
+                    </a:p>
+                  </a:txBody>
+                  <a:tcPr marL="63500" marR="63500" marT="63500" marB="63500" horzOverflow="overflow"/>
                 </a:tc>
               </a:tr>
               <a:tr h="2540000">
@@ -6305,7 +6080,7 @@
                     <a:lstStyle/>
                     <a:p>
                       <a:pPr lvl="0" algn="l">
-                        <a:defRPr b="0" i="0" sz="1800">
+                        <a:defRPr sz="1800" b="0" i="0">
                           <a:solidFill>
                             <a:srgbClr val="000000"/>
                           </a:solidFill>
@@ -6313,7 +6088,7 @@
                         </a:defRPr>
                       </a:pPr>
                       <a:r>
-                        <a:rPr b="1" i="1">
+                        <a:rPr b="1" i="1" dirty="0">
                           <a:solidFill>
                             <a:srgbClr val="1F2426"/>
                           </a:solidFill>
@@ -6328,7 +6103,7 @@
                       </a:r>
                     </a:p>
                   </a:txBody>
-                  <a:tcPr marL="63500" marR="63500" marT="63500" marB="63500" anchor="t" anchorCtr="0" horzOverflow="overflow"/>
+                  <a:tcPr marL="63500" marR="63500" marT="63500" marB="63500" horzOverflow="overflow"/>
                 </a:tc>
                 <a:tc>
                   <a:txBody>
@@ -6336,7 +6111,7 @@
                     <a:lstStyle/>
                     <a:p>
                       <a:pPr lvl="0" algn="l">
-                        <a:defRPr b="0" i="0" sz="1800">
+                        <a:defRPr sz="1800" b="0" i="0">
                           <a:solidFill>
                             <a:srgbClr val="000000"/>
                           </a:solidFill>
@@ -6344,7 +6119,7 @@
                         </a:defRPr>
                       </a:pPr>
                       <a:r>
-                        <a:rPr b="1" i="1">
+                        <a:rPr b="1" i="1" dirty="0">
                           <a:solidFill>
                             <a:srgbClr val="1F2426"/>
                           </a:solidFill>
@@ -6360,7 +6135,7 @@
                       </a:r>
                     </a:p>
                   </a:txBody>
-                  <a:tcPr marL="63500" marR="63500" marT="63500" marB="63500" anchor="t" anchorCtr="0" horzOverflow="overflow"/>
+                  <a:tcPr marL="63500" marR="63500" marT="63500" marB="63500" horzOverflow="overflow"/>
                 </a:tc>
               </a:tr>
             </a:tbl>
@@ -6372,12 +6147,12 @@
   <p:clrMapOvr>
     <a:masterClrMapping/>
   </p:clrMapOvr>
-  <p:transition spd="med" advClick="1"/>
+  <p:transition xmlns:p14="http://schemas.microsoft.com/office/powerpoint/2010/main" spd="med"/>
 </p:sld>
 </file>
 
 <file path=ppt/slides/slide13.xml><?xml version="1.0" encoding="utf-8"?>
-<p:sld xmlns:a="http://schemas.openxmlformats.org/drawingml/2006/main" xmlns:r="http://schemas.openxmlformats.org/officeDocument/2006/relationships" xmlns:p="http://schemas.openxmlformats.org/presentationml/2006/main" showMasterSp="1" showMasterPhAnim="1">
+<p:sld xmlns:a="http://schemas.openxmlformats.org/drawingml/2006/main" xmlns:r="http://schemas.openxmlformats.org/officeDocument/2006/relationships" xmlns:p="http://schemas.openxmlformats.org/presentationml/2006/main">
   <p:cSld>
     <p:spTree>
       <p:nvGrpSpPr>
@@ -6396,7 +6171,9 @@
       <p:sp>
         <p:nvSpPr>
           <p:cNvPr id="98" name="Shape 98"/>
-          <p:cNvSpPr/>
+          <p:cNvSpPr>
+            <a:spLocks noGrp="1"/>
+          </p:cNvSpPr>
           <p:nvPr>
             <p:ph type="title"/>
           </p:nvPr>
@@ -6431,7 +6208,7 @@
               </a:defRPr>
             </a:pPr>
             <a:r>
-              <a:rPr sz="3956">
+              <a:rPr sz="3956" dirty="0">
                 <a:solidFill>
                   <a:srgbClr val="272B2E"/>
                 </a:solidFill>
@@ -6449,12 +6226,18 @@
       <p:sp>
         <p:nvSpPr>
           <p:cNvPr id="99" name="Shape 99"/>
-          <p:cNvSpPr/>
+          <p:cNvSpPr>
+            <a:spLocks noGrp="1"/>
+          </p:cNvSpPr>
           <p:nvPr>
             <p:ph type="body" idx="1"/>
           </p:nvPr>
         </p:nvSpPr>
         <p:spPr>
+          <a:xfrm>
+            <a:off x="467905" y="1753713"/>
+            <a:ext cx="8280256" cy="3974516"/>
+          </a:xfrm>
           <a:prstGeom prst="rect">
             <a:avLst/>
           </a:prstGeom>
@@ -6472,7 +6255,7 @@
               </a:defRPr>
             </a:pPr>
             <a:r>
-              <a:rPr sz="2400">
+              <a:rPr sz="2400" dirty="0">
                 <a:solidFill>
                   <a:srgbClr val="535C62"/>
                 </a:solidFill>
@@ -6484,7 +6267,17 @@
               </a:rPr>
               <a:t>We didn't address a serious problem here - but this is the general process used in a production environment. </a:t>
             </a:r>
-            <a:endParaRPr sz="2400">
+          </a:p>
+          <a:p>
+            <a:pPr lvl="0">
+              <a:defRPr sz="1800">
+                <a:solidFill>
+                  <a:srgbClr val="000000"/>
+                </a:solidFill>
+                <a:uFillTx/>
+              </a:defRPr>
+            </a:pPr>
+            <a:endParaRPr sz="2400" dirty="0">
               <a:solidFill>
                 <a:srgbClr val="535C62"/>
               </a:solidFill>
@@ -6504,16 +6297,19 @@
                 <a:uFillTx/>
               </a:defRPr>
             </a:pPr>
-            <a:endParaRPr sz="2400">
-              <a:solidFill>
-                <a:srgbClr val="535C62"/>
-              </a:solidFill>
-              <a:uFill>
+            <a:r>
+              <a:rPr sz="2400" dirty="0">
                 <a:solidFill>
                   <a:srgbClr val="535C62"/>
                 </a:solidFill>
-              </a:uFill>
-            </a:endParaRPr>
+                <a:uFill>
+                  <a:solidFill>
+                    <a:srgbClr val="535C62"/>
+                  </a:solidFill>
+                </a:uFill>
+              </a:rPr>
+              <a:t>To give you a sense for the real world implementation, we’ve asked one of our users to share his  use case with you. </a:t>
+            </a:r>
           </a:p>
           <a:p>
             <a:pPr lvl="0">
@@ -6524,40 +6320,7 @@
                 <a:uFillTx/>
               </a:defRPr>
             </a:pPr>
-            <a:r>
-              <a:rPr sz="2400">
-                <a:solidFill>
-                  <a:srgbClr val="535C62"/>
-                </a:solidFill>
-                <a:uFill>
-                  <a:solidFill>
-                    <a:srgbClr val="535C62"/>
-                  </a:solidFill>
-                </a:uFill>
-              </a:rPr>
-              <a:t>To give you a sense for the real world implementation, we’ve asked one of our users to share his  use case with you. </a:t>
-            </a:r>
-            <a:endParaRPr sz="2400">
-              <a:solidFill>
-                <a:srgbClr val="535C62"/>
-              </a:solidFill>
-              <a:uFill>
-                <a:solidFill>
-                  <a:srgbClr val="535C62"/>
-                </a:solidFill>
-              </a:uFill>
-            </a:endParaRPr>
-          </a:p>
-          <a:p>
-            <a:pPr lvl="0">
-              <a:defRPr sz="1800">
-                <a:solidFill>
-                  <a:srgbClr val="000000"/>
-                </a:solidFill>
-                <a:uFillTx/>
-              </a:defRPr>
-            </a:pPr>
-            <a:endParaRPr sz="2400">
+            <a:endParaRPr sz="2400" dirty="0">
               <a:solidFill>
                 <a:srgbClr val="535C62"/>
               </a:solidFill>
@@ -6575,12 +6338,219 @@
   <p:clrMapOvr>
     <a:masterClrMapping/>
   </p:clrMapOvr>
-  <p:transition spd="med" advClick="1"/>
+  <p:transition xmlns:p14="http://schemas.microsoft.com/office/powerpoint/2010/main" spd="med"/>
 </p:sld>
 </file>
 
 <file path=ppt/slides/slide14.xml><?xml version="1.0" encoding="utf-8"?>
-<p:sld xmlns:a="http://schemas.openxmlformats.org/drawingml/2006/main" xmlns:r="http://schemas.openxmlformats.org/officeDocument/2006/relationships" xmlns:p="http://schemas.openxmlformats.org/presentationml/2006/main" showMasterSp="1" showMasterPhAnim="1">
+<p:sld xmlns:a="http://schemas.openxmlformats.org/drawingml/2006/main" xmlns:r="http://schemas.openxmlformats.org/officeDocument/2006/relationships" xmlns:p="http://schemas.openxmlformats.org/presentationml/2006/main">
+  <p:cSld>
+    <p:spTree>
+      <p:nvGrpSpPr>
+        <p:cNvPr id="1" name=""/>
+        <p:cNvGrpSpPr/>
+        <p:nvPr/>
+      </p:nvGrpSpPr>
+      <p:grpSpPr>
+        <a:xfrm>
+          <a:off x="0" y="0"/>
+          <a:ext cx="0" cy="0"/>
+          <a:chOff x="0" y="0"/>
+          <a:chExt cx="0" cy="0"/>
+        </a:xfrm>
+      </p:grpSpPr>
+      <p:sp>
+        <p:nvSpPr>
+          <p:cNvPr id="2" name="Title 1"/>
+          <p:cNvSpPr>
+            <a:spLocks noGrp="1"/>
+          </p:cNvSpPr>
+          <p:nvPr>
+            <p:ph type="title"/>
+          </p:nvPr>
+        </p:nvSpPr>
+        <p:spPr/>
+        <p:txBody>
+          <a:bodyPr/>
+          <a:lstStyle/>
+          <a:p>
+            <a:endParaRPr lang="en-US"/>
+          </a:p>
+        </p:txBody>
+      </p:sp>
+      <p:sp>
+        <p:nvSpPr>
+          <p:cNvPr id="3" name="Text Placeholder 2"/>
+          <p:cNvSpPr>
+            <a:spLocks noGrp="1"/>
+          </p:cNvSpPr>
+          <p:nvPr>
+            <p:ph type="body" idx="1"/>
+          </p:nvPr>
+        </p:nvSpPr>
+        <p:spPr/>
+        <p:txBody>
+          <a:bodyPr/>
+          <a:lstStyle/>
+          <a:p>
+            <a:endParaRPr lang="en-US"/>
+          </a:p>
+        </p:txBody>
+      </p:sp>
+    </p:spTree>
+    <p:extLst>
+      <p:ext uri="{BB962C8B-B14F-4D97-AF65-F5344CB8AC3E}">
+        <p14:creationId xmlns:p14="http://schemas.microsoft.com/office/powerpoint/2010/main" val="1498980652"/>
+      </p:ext>
+    </p:extLst>
+  </p:cSld>
+  <p:clrMapOvr>
+    <a:masterClrMapping/>
+  </p:clrMapOvr>
+  <p:transition xmlns:p14="http://schemas.microsoft.com/office/powerpoint/2010/main" spd="med"/>
+</p:sld>
+</file>
+
+<file path=ppt/slides/slide15.xml><?xml version="1.0" encoding="utf-8"?>
+<p:sld xmlns:a="http://schemas.openxmlformats.org/drawingml/2006/main" xmlns:r="http://schemas.openxmlformats.org/officeDocument/2006/relationships" xmlns:p="http://schemas.openxmlformats.org/presentationml/2006/main">
+  <p:cSld>
+    <p:spTree>
+      <p:nvGrpSpPr>
+        <p:cNvPr id="1" name=""/>
+        <p:cNvGrpSpPr/>
+        <p:nvPr/>
+      </p:nvGrpSpPr>
+      <p:grpSpPr>
+        <a:xfrm>
+          <a:off x="0" y="0"/>
+          <a:ext cx="0" cy="0"/>
+          <a:chOff x="0" y="0"/>
+          <a:chExt cx="0" cy="0"/>
+        </a:xfrm>
+      </p:grpSpPr>
+      <p:sp>
+        <p:nvSpPr>
+          <p:cNvPr id="2" name="Title 1"/>
+          <p:cNvSpPr>
+            <a:spLocks noGrp="1"/>
+          </p:cNvSpPr>
+          <p:nvPr>
+            <p:ph type="title"/>
+          </p:nvPr>
+        </p:nvSpPr>
+        <p:spPr/>
+        <p:txBody>
+          <a:bodyPr/>
+          <a:lstStyle/>
+          <a:p>
+            <a:endParaRPr lang="en-US"/>
+          </a:p>
+        </p:txBody>
+      </p:sp>
+      <p:sp>
+        <p:nvSpPr>
+          <p:cNvPr id="3" name="Text Placeholder 2"/>
+          <p:cNvSpPr>
+            <a:spLocks noGrp="1"/>
+          </p:cNvSpPr>
+          <p:nvPr>
+            <p:ph type="body" idx="1"/>
+          </p:nvPr>
+        </p:nvSpPr>
+        <p:spPr/>
+        <p:txBody>
+          <a:bodyPr/>
+          <a:lstStyle/>
+          <a:p>
+            <a:endParaRPr lang="en-US"/>
+          </a:p>
+        </p:txBody>
+      </p:sp>
+    </p:spTree>
+    <p:extLst>
+      <p:ext uri="{BB962C8B-B14F-4D97-AF65-F5344CB8AC3E}">
+        <p14:creationId xmlns:p14="http://schemas.microsoft.com/office/powerpoint/2010/main" val="3064641068"/>
+      </p:ext>
+    </p:extLst>
+  </p:cSld>
+  <p:clrMapOvr>
+    <a:masterClrMapping/>
+  </p:clrMapOvr>
+  <p:transition xmlns:p14="http://schemas.microsoft.com/office/powerpoint/2010/main" spd="med"/>
+</p:sld>
+</file>
+
+<file path=ppt/slides/slide16.xml><?xml version="1.0" encoding="utf-8"?>
+<p:sld xmlns:a="http://schemas.openxmlformats.org/drawingml/2006/main" xmlns:r="http://schemas.openxmlformats.org/officeDocument/2006/relationships" xmlns:p="http://schemas.openxmlformats.org/presentationml/2006/main">
+  <p:cSld>
+    <p:spTree>
+      <p:nvGrpSpPr>
+        <p:cNvPr id="1" name=""/>
+        <p:cNvGrpSpPr/>
+        <p:nvPr/>
+      </p:nvGrpSpPr>
+      <p:grpSpPr>
+        <a:xfrm>
+          <a:off x="0" y="0"/>
+          <a:ext cx="0" cy="0"/>
+          <a:chOff x="0" y="0"/>
+          <a:chExt cx="0" cy="0"/>
+        </a:xfrm>
+      </p:grpSpPr>
+      <p:sp>
+        <p:nvSpPr>
+          <p:cNvPr id="2" name="Title 1"/>
+          <p:cNvSpPr>
+            <a:spLocks noGrp="1"/>
+          </p:cNvSpPr>
+          <p:nvPr>
+            <p:ph type="title"/>
+          </p:nvPr>
+        </p:nvSpPr>
+        <p:spPr/>
+        <p:txBody>
+          <a:bodyPr/>
+          <a:lstStyle/>
+          <a:p>
+            <a:endParaRPr lang="en-US"/>
+          </a:p>
+        </p:txBody>
+      </p:sp>
+      <p:sp>
+        <p:nvSpPr>
+          <p:cNvPr id="3" name="Text Placeholder 2"/>
+          <p:cNvSpPr>
+            <a:spLocks noGrp="1"/>
+          </p:cNvSpPr>
+          <p:nvPr>
+            <p:ph type="body" idx="1"/>
+          </p:nvPr>
+        </p:nvSpPr>
+        <p:spPr/>
+        <p:txBody>
+          <a:bodyPr/>
+          <a:lstStyle/>
+          <a:p>
+            <a:endParaRPr lang="en-US"/>
+          </a:p>
+        </p:txBody>
+      </p:sp>
+    </p:spTree>
+    <p:extLst>
+      <p:ext uri="{BB962C8B-B14F-4D97-AF65-F5344CB8AC3E}">
+        <p14:creationId xmlns:p14="http://schemas.microsoft.com/office/powerpoint/2010/main" val="725171185"/>
+      </p:ext>
+    </p:extLst>
+  </p:cSld>
+  <p:clrMapOvr>
+    <a:masterClrMapping/>
+  </p:clrMapOvr>
+  <p:transition xmlns:p14="http://schemas.microsoft.com/office/powerpoint/2010/main" spd="med"/>
+</p:sld>
+</file>
+
+<file path=ppt/slides/slide17.xml><?xml version="1.0" encoding="utf-8"?>
+<p:sld xmlns:a="http://schemas.openxmlformats.org/drawingml/2006/main" xmlns:r="http://schemas.openxmlformats.org/officeDocument/2006/relationships" xmlns:p="http://schemas.openxmlformats.org/presentationml/2006/main">
   <p:cSld>
     <p:spTree>
       <p:nvGrpSpPr>
@@ -6599,7 +6569,9 @@
       <p:sp>
         <p:nvSpPr>
           <p:cNvPr id="101" name="Shape 101"/>
-          <p:cNvSpPr/>
+          <p:cNvSpPr>
+            <a:spLocks noGrp="1"/>
+          </p:cNvSpPr>
           <p:nvPr>
             <p:ph type="title"/>
           </p:nvPr>
@@ -6615,7 +6587,7 @@
         </p:spPr>
         <p:txBody>
           <a:bodyPr lIns="0" tIns="0" rIns="0" bIns="0">
-            <a:normAutofit fontScale="100000" lnSpcReduction="0"/>
+            <a:normAutofit/>
           </a:bodyPr>
           <a:lstStyle/>
           <a:p>
@@ -6623,14 +6595,14 @@
               <a:lnSpc>
                 <a:spcPct val="100000"/>
               </a:lnSpc>
-              <a:defRPr b="0" sz="1800">
-                <a:solidFill>
-                  <a:srgbClr val="000000"/>
-                </a:solidFill>
-                <a:uFillTx/>
-              </a:defRPr>
-            </a:pPr>
-            <a:endParaRPr sz="1400">
+              <a:defRPr sz="1800" b="0">
+                <a:solidFill>
+                  <a:srgbClr val="000000"/>
+                </a:solidFill>
+                <a:uFillTx/>
+              </a:defRPr>
+            </a:pPr>
+            <a:endParaRPr sz="1400" dirty="0">
               <a:latin typeface="Helvetica Neue"/>
               <a:ea typeface="Helvetica Neue"/>
               <a:cs typeface="Helvetica Neue"/>
@@ -6642,14 +6614,14 @@
               <a:lnSpc>
                 <a:spcPct val="100000"/>
               </a:lnSpc>
-              <a:defRPr b="0" sz="1800">
-                <a:solidFill>
-                  <a:srgbClr val="000000"/>
-                </a:solidFill>
-                <a:uFillTx/>
-              </a:defRPr>
-            </a:pPr>
-            <a:endParaRPr sz="3000">
+              <a:defRPr sz="1800" b="0">
+                <a:solidFill>
+                  <a:srgbClr val="000000"/>
+                </a:solidFill>
+                <a:uFillTx/>
+              </a:defRPr>
+            </a:pPr>
+            <a:endParaRPr sz="3000" dirty="0">
               <a:latin typeface="Helvetica Neue"/>
               <a:ea typeface="Helvetica Neue"/>
               <a:cs typeface="Helvetica Neue"/>
@@ -6661,15 +6633,15 @@
               <a:lnSpc>
                 <a:spcPct val="100000"/>
               </a:lnSpc>
-              <a:defRPr b="0" sz="1800">
-                <a:solidFill>
-                  <a:srgbClr val="000000"/>
-                </a:solidFill>
-                <a:uFillTx/>
-              </a:defRPr>
-            </a:pPr>
-            <a:r>
-              <a:rPr sz="3000">
+              <a:defRPr sz="1800" b="0">
+                <a:solidFill>
+                  <a:srgbClr val="000000"/>
+                </a:solidFill>
+                <a:uFillTx/>
+              </a:defRPr>
+            </a:pPr>
+            <a:r>
+              <a:rPr sz="3000" dirty="0">
                 <a:solidFill>
                   <a:srgbClr val="FFFB00"/>
                 </a:solidFill>
@@ -6680,30 +6652,21 @@
               </a:rPr>
               <a:t>Stories change people, while statistics gives </a:t>
             </a:r>
-            <a:endParaRPr sz="3000">
-              <a:solidFill>
-                <a:srgbClr val="FFFB00"/>
-              </a:solidFill>
-              <a:latin typeface="Helvetica Neue"/>
-              <a:ea typeface="Helvetica Neue"/>
-              <a:cs typeface="Helvetica Neue"/>
-              <a:sym typeface="Helvetica Neue"/>
-            </a:endParaRPr>
           </a:p>
           <a:p>
             <a:pPr lvl="0">
               <a:lnSpc>
                 <a:spcPct val="100000"/>
               </a:lnSpc>
-              <a:defRPr b="0" sz="1800">
-                <a:solidFill>
-                  <a:srgbClr val="000000"/>
-                </a:solidFill>
-                <a:uFillTx/>
-              </a:defRPr>
-            </a:pPr>
-            <a:r>
-              <a:rPr sz="3000">
+              <a:defRPr sz="1800" b="0">
+                <a:solidFill>
+                  <a:srgbClr val="000000"/>
+                </a:solidFill>
+                <a:uFillTx/>
+              </a:defRPr>
+            </a:pPr>
+            <a:r>
+              <a:rPr sz="3000" dirty="0">
                 <a:solidFill>
                   <a:srgbClr val="FFFB00"/>
                 </a:solidFill>
@@ -6720,7 +6683,9 @@
       <p:sp>
         <p:nvSpPr>
           <p:cNvPr id="102" name="Shape 102"/>
-          <p:cNvSpPr/>
+          <p:cNvSpPr>
+            <a:spLocks noGrp="1"/>
+          </p:cNvSpPr>
           <p:nvPr>
             <p:ph type="body" idx="1"/>
           </p:nvPr>
@@ -6767,12 +6732,12 @@
   <p:clrMapOvr>
     <a:masterClrMapping/>
   </p:clrMapOvr>
-  <p:transition spd="med" advClick="1"/>
+  <p:transition xmlns:p14="http://schemas.microsoft.com/office/powerpoint/2010/main" spd="med"/>
 </p:sld>
 </file>
 
 <file path=ppt/slides/slide2.xml><?xml version="1.0" encoding="utf-8"?>
-<p:sld xmlns:a="http://schemas.openxmlformats.org/drawingml/2006/main" xmlns:r="http://schemas.openxmlformats.org/officeDocument/2006/relationships" xmlns:p="http://schemas.openxmlformats.org/presentationml/2006/main" showMasterSp="1" showMasterPhAnim="1">
+<p:sld xmlns:a="http://schemas.openxmlformats.org/drawingml/2006/main" xmlns:r="http://schemas.openxmlformats.org/officeDocument/2006/relationships" xmlns:p="http://schemas.openxmlformats.org/presentationml/2006/main">
   <p:cSld>
     <p:spTree>
       <p:nvGrpSpPr>
@@ -6791,7 +6756,9 @@
       <p:sp>
         <p:nvSpPr>
           <p:cNvPr id="62" name="Shape 62"/>
-          <p:cNvSpPr/>
+          <p:cNvSpPr>
+            <a:spLocks noGrp="1"/>
+          </p:cNvSpPr>
           <p:nvPr>
             <p:ph type="title"/>
           </p:nvPr>
@@ -6810,13 +6777,16 @@
           <a:lstStyle/>
           <a:p>
             <a:pPr lvl="0"/>
+            <a:endParaRPr/>
           </a:p>
         </p:txBody>
       </p:sp>
       <p:sp>
         <p:nvSpPr>
           <p:cNvPr id="63" name="Shape 63"/>
-          <p:cNvSpPr/>
+          <p:cNvSpPr>
+            <a:spLocks noGrp="1"/>
+          </p:cNvSpPr>
           <p:nvPr>
             <p:ph type="body" idx="1"/>
           </p:nvPr>
@@ -6846,16 +6816,36 @@
               </a:defRPr>
             </a:pPr>
             <a:r>
-              <a:rPr sz="2400">
+              <a:rPr sz="2400" dirty="0">
                 <a:uFill>
                   <a:solidFill>
                     <a:srgbClr val="535C62"/>
                   </a:solidFill>
                 </a:uFill>
               </a:rPr>
-              <a:t>Anqi and Irene - </a:t>
-            </a:r>
-            <a:endParaRPr sz="2400">
+              <a:t>Anqi and Irene </a:t>
+            </a:r>
+            <a:r>
+              <a:rPr lang="en-US" sz="2400" dirty="0" smtClean="0">
+                <a:uFill>
+                  <a:solidFill>
+                    <a:srgbClr val="535C62"/>
+                  </a:solidFill>
+                </a:uFill>
+              </a:rPr>
+              <a:t>–</a:t>
+            </a:r>
+            <a:r>
+              <a:rPr sz="2400" dirty="0" smtClean="0">
+                <a:uFill>
+                  <a:solidFill>
+                    <a:srgbClr val="535C62"/>
+                  </a:solidFill>
+                </a:uFill>
+              </a:rPr>
+              <a:t> </a:t>
+            </a:r>
+            <a:endParaRPr sz="2400" dirty="0">
               <a:uFill>
                 <a:solidFill>
                   <a:srgbClr val="535C62"/>
@@ -6864,7 +6854,7 @@
             </a:endParaRPr>
           </a:p>
           <a:p>
-            <a:pPr lvl="1" marL="256031" indent="-256031">
+            <a:pPr marL="256031" lvl="1" indent="-256031">
               <a:lnSpc>
                 <a:spcPct val="200000"/>
               </a:lnSpc>
@@ -6883,7 +6873,7 @@
               </a:defRPr>
             </a:pPr>
             <a:r>
-              <a:rPr sz="2000">
+              <a:rPr sz="2000" dirty="0" smtClean="0">
                 <a:uFill>
                   <a:solidFill>
                     <a:srgbClr val="949EA4"/>
@@ -6894,9 +6884,37 @@
                 <a:cs typeface="+mn-cs"/>
                 <a:sym typeface="Helvetica"/>
               </a:rPr>
-              <a:t>Math Hackers for H2O </a:t>
-            </a:r>
-            <a:endParaRPr sz="2000">
+              <a:t>Irene </a:t>
+            </a:r>
+            <a:r>
+              <a:rPr sz="2000" dirty="0">
+                <a:uFill>
+                  <a:solidFill>
+                    <a:srgbClr val="949EA4"/>
+                  </a:solidFill>
+                </a:uFill>
+                <a:latin typeface="+mn-lt"/>
+                <a:ea typeface="+mn-ea"/>
+                <a:cs typeface="+mn-cs"/>
+                <a:sym typeface="Helvetica"/>
+              </a:rPr>
+              <a:t>is the pencil and paper stats nerd and technical </a:t>
+            </a:r>
+            <a:r>
+              <a:rPr sz="2000" dirty="0" smtClean="0">
+                <a:uFill>
+                  <a:solidFill>
+                    <a:srgbClr val="949EA4"/>
+                  </a:solidFill>
+                </a:uFill>
+                <a:latin typeface="+mn-lt"/>
+                <a:ea typeface="+mn-ea"/>
+                <a:cs typeface="+mn-cs"/>
+                <a:sym typeface="Helvetica"/>
+              </a:rPr>
+              <a:t>writer</a:t>
+            </a:r>
+            <a:endParaRPr lang="en-US" sz="2000" dirty="0" smtClean="0">
               <a:uFill>
                 <a:solidFill>
                   <a:srgbClr val="949EA4"/>
@@ -6909,7 +6927,7 @@
             </a:endParaRPr>
           </a:p>
           <a:p>
-            <a:pPr lvl="1" marL="256031" indent="-256031">
+            <a:pPr marL="256031" lvl="1" indent="-256031">
               <a:lnSpc>
                 <a:spcPct val="200000"/>
               </a:lnSpc>
@@ -6928,7 +6946,7 @@
               </a:defRPr>
             </a:pPr>
             <a:r>
-              <a:rPr sz="2000">
+              <a:rPr sz="2000" dirty="0" smtClean="0">
                 <a:uFill>
                   <a:solidFill>
                     <a:srgbClr val="949EA4"/>
@@ -6939,9 +6957,23 @@
                 <a:cs typeface="+mn-cs"/>
                 <a:sym typeface="Helvetica"/>
               </a:rPr>
-              <a:t>Anqi is the in-house R expert and is responsible for K-means and PCA</a:t>
-            </a:r>
-            <a:endParaRPr sz="2000">
+              <a:t> </a:t>
+            </a:r>
+            <a:r>
+              <a:rPr lang="en-US" sz="2000" dirty="0" smtClean="0">
+                <a:uFill>
+                  <a:solidFill>
+                    <a:srgbClr val="949EA4"/>
+                  </a:solidFill>
+                </a:uFill>
+                <a:latin typeface="+mn-lt"/>
+                <a:ea typeface="+mn-ea"/>
+                <a:cs typeface="+mn-cs"/>
+                <a:sym typeface="Helvetica"/>
+              </a:rPr>
+              <a:t>Anqi is the in house R expert and is responsible for K means and PCA</a:t>
+            </a:r>
+            <a:endParaRPr sz="2000" dirty="0">
               <a:uFill>
                 <a:solidFill>
                   <a:srgbClr val="949EA4"/>
@@ -6954,10 +6986,7 @@
             </a:endParaRPr>
           </a:p>
           <a:p>
-            <a:pPr lvl="1" marL="256031" indent="-256031">
-              <a:lnSpc>
-                <a:spcPct val="200000"/>
-              </a:lnSpc>
+            <a:pPr marL="256031" lvl="1" indent="-256031">
               <a:spcBef>
                 <a:spcPts val="400"/>
               </a:spcBef>
@@ -6973,7 +7002,7 @@
               </a:defRPr>
             </a:pPr>
             <a:r>
-              <a:rPr sz="2000">
+              <a:rPr sz="2000" dirty="0">
                 <a:uFill>
                   <a:solidFill>
                     <a:srgbClr val="949EA4"/>
@@ -6984,9 +7013,9 @@
                 <a:cs typeface="+mn-cs"/>
                 <a:sym typeface="Helvetica"/>
               </a:rPr>
-              <a:t>Irene is the pencil and paper stats nerd and technical writer </a:t>
-            </a:r>
-            <a:endParaRPr sz="2000">
+              <a:t>Part of a data science team that’s 75% women, and on a technical team that’s 23% women (well above average). </a:t>
+            </a:r>
+            <a:endParaRPr lang="en-US" sz="2000" dirty="0" smtClean="0">
               <a:uFill>
                 <a:solidFill>
                   <a:srgbClr val="949EA4"/>
@@ -6999,35 +7028,162 @@
             </a:endParaRPr>
           </a:p>
           <a:p>
-            <a:pPr lvl="1" marL="256031" indent="-256031">
+            <a:pPr marL="0" lvl="1" indent="0">
               <a:spcBef>
                 <a:spcPts val="400"/>
               </a:spcBef>
               <a:buClr>
                 <a:srgbClr val="A8B0B4"/>
               </a:buClr>
-              <a:buFont typeface="Arial"/>
-              <a:defRPr sz="1800">
-                <a:solidFill>
-                  <a:srgbClr val="000000"/>
-                </a:solidFill>
-                <a:uFillTx/>
-              </a:defRPr>
-            </a:pPr>
-            <a:r>
-              <a:rPr sz="2000">
-                <a:uFill>
-                  <a:solidFill>
-                    <a:srgbClr val="949EA4"/>
-                  </a:solidFill>
-                </a:uFill>
-                <a:latin typeface="+mn-lt"/>
-                <a:ea typeface="+mn-ea"/>
-                <a:cs typeface="+mn-cs"/>
-                <a:sym typeface="Helvetica"/>
-              </a:rPr>
-              <a:t>Part of a data science team that’s 75% women, and on a technical team that’s 23% women (well above average). </a:t>
-            </a:r>
+              <a:buNone/>
+              <a:defRPr sz="1800">
+                <a:solidFill>
+                  <a:srgbClr val="000000"/>
+                </a:solidFill>
+                <a:uFillTx/>
+              </a:defRPr>
+            </a:pPr>
+            <a:endParaRPr lang="en-US" sz="2000" dirty="0" smtClean="0">
+              <a:uFill>
+                <a:solidFill>
+                  <a:srgbClr val="949EA4"/>
+                </a:solidFill>
+              </a:uFill>
+              <a:latin typeface="+mn-lt"/>
+              <a:ea typeface="+mn-ea"/>
+              <a:cs typeface="+mn-cs"/>
+              <a:sym typeface="Helvetica"/>
+            </a:endParaRPr>
+          </a:p>
+          <a:p>
+            <a:pPr marL="0" lvl="1" indent="0">
+              <a:spcBef>
+                <a:spcPts val="400"/>
+              </a:spcBef>
+              <a:buClr>
+                <a:srgbClr val="A8B0B4"/>
+              </a:buClr>
+              <a:buNone/>
+              <a:defRPr sz="1800">
+                <a:solidFill>
+                  <a:srgbClr val="000000"/>
+                </a:solidFill>
+                <a:uFillTx/>
+              </a:defRPr>
+            </a:pPr>
+            <a:r>
+              <a:rPr lang="en-US" sz="2800" dirty="0" smtClean="0">
+                <a:uFillTx/>
+              </a:rPr>
+              <a:t>Sergei </a:t>
+            </a:r>
+          </a:p>
+          <a:p>
+            <a:pPr marL="0" lvl="1" indent="0">
+              <a:spcBef>
+                <a:spcPts val="400"/>
+              </a:spcBef>
+              <a:buClr>
+                <a:srgbClr val="A8B0B4"/>
+              </a:buClr>
+              <a:buNone/>
+              <a:defRPr sz="1800">
+                <a:solidFill>
+                  <a:srgbClr val="000000"/>
+                </a:solidFill>
+                <a:uFillTx/>
+              </a:defRPr>
+            </a:pPr>
+            <a:r>
+              <a:rPr lang="en-US" sz="2000" dirty="0" smtClean="0">
+                <a:uFillTx/>
+              </a:rPr>
+              <a:t> </a:t>
+            </a:r>
+          </a:p>
+          <a:p>
+            <a:pPr marL="0" lvl="1" indent="0">
+              <a:spcBef>
+                <a:spcPts val="400"/>
+              </a:spcBef>
+              <a:buClr>
+                <a:srgbClr val="A8B0B4"/>
+              </a:buClr>
+              <a:buNone/>
+              <a:defRPr sz="1800">
+                <a:solidFill>
+                  <a:srgbClr val="000000"/>
+                </a:solidFill>
+                <a:uFillTx/>
+              </a:defRPr>
+            </a:pPr>
+            <a:endParaRPr lang="en-US" sz="2000" dirty="0">
+              <a:uFill>
+                <a:solidFill>
+                  <a:srgbClr val="949EA4"/>
+                </a:solidFill>
+              </a:uFill>
+              <a:latin typeface="+mn-lt"/>
+              <a:ea typeface="+mn-ea"/>
+              <a:cs typeface="+mn-cs"/>
+              <a:sym typeface="Helvetica"/>
+            </a:endParaRPr>
+          </a:p>
+          <a:p>
+            <a:pPr marL="0" lvl="1" indent="0">
+              <a:spcBef>
+                <a:spcPts val="400"/>
+              </a:spcBef>
+              <a:buClr>
+                <a:srgbClr val="A8B0B4"/>
+              </a:buClr>
+              <a:buNone/>
+              <a:defRPr sz="1800">
+                <a:solidFill>
+                  <a:srgbClr val="000000"/>
+                </a:solidFill>
+                <a:uFillTx/>
+              </a:defRPr>
+            </a:pPr>
+            <a:endParaRPr lang="en-US" sz="2000" dirty="0" smtClean="0">
+              <a:uFill>
+                <a:solidFill>
+                  <a:srgbClr val="949EA4"/>
+                </a:solidFill>
+              </a:uFill>
+              <a:latin typeface="+mn-lt"/>
+              <a:ea typeface="+mn-ea"/>
+              <a:cs typeface="+mn-cs"/>
+              <a:sym typeface="Helvetica"/>
+            </a:endParaRPr>
+          </a:p>
+          <a:p>
+            <a:pPr marL="0" lvl="1" indent="0">
+              <a:spcBef>
+                <a:spcPts val="400"/>
+              </a:spcBef>
+              <a:buClr>
+                <a:srgbClr val="A8B0B4"/>
+              </a:buClr>
+              <a:buNone/>
+              <a:defRPr sz="1800">
+                <a:solidFill>
+                  <a:srgbClr val="000000"/>
+                </a:solidFill>
+                <a:uFillTx/>
+              </a:defRPr>
+            </a:pPr>
+            <a:endParaRPr sz="2000" dirty="0">
+              <a:uFill>
+                <a:solidFill>
+                  <a:srgbClr val="949EA4"/>
+                </a:solidFill>
+              </a:uFill>
+              <a:latin typeface="+mn-lt"/>
+              <a:ea typeface="+mn-ea"/>
+              <a:cs typeface="+mn-cs"/>
+              <a:sym typeface="Helvetica"/>
+            </a:endParaRPr>
           </a:p>
         </p:txBody>
       </p:sp>
@@ -7036,12 +7192,12 @@
   <p:clrMapOvr>
     <a:masterClrMapping/>
   </p:clrMapOvr>
-  <p:transition spd="med" advClick="1"/>
+  <p:transition xmlns:p14="http://schemas.microsoft.com/office/powerpoint/2010/main" spd="med"/>
 </p:sld>
 </file>
 
 <file path=ppt/slides/slide3.xml><?xml version="1.0" encoding="utf-8"?>
-<p:sld xmlns:a="http://schemas.openxmlformats.org/drawingml/2006/main" xmlns:r="http://schemas.openxmlformats.org/officeDocument/2006/relationships" xmlns:p="http://schemas.openxmlformats.org/presentationml/2006/main" showMasterSp="1" showMasterPhAnim="1">
+<p:sld xmlns:a="http://schemas.openxmlformats.org/drawingml/2006/main" xmlns:r="http://schemas.openxmlformats.org/officeDocument/2006/relationships" xmlns:p="http://schemas.openxmlformats.org/presentationml/2006/main">
   <p:cSld>
     <p:spTree>
       <p:nvGrpSpPr>
@@ -7060,7 +7216,9 @@
       <p:sp>
         <p:nvSpPr>
           <p:cNvPr id="65" name="Shape 65"/>
-          <p:cNvSpPr/>
+          <p:cNvSpPr>
+            <a:spLocks noGrp="1"/>
+          </p:cNvSpPr>
           <p:nvPr>
             <p:ph type="title"/>
           </p:nvPr>
@@ -7076,7 +7234,7 @@
         </p:spPr>
         <p:txBody>
           <a:bodyPr lIns="0" tIns="0" rIns="0" bIns="0">
-            <a:normAutofit fontScale="100000" lnSpcReduction="0"/>
+            <a:normAutofit/>
           </a:bodyPr>
           <a:lstStyle/>
           <a:p>
@@ -7088,7 +7246,7 @@
                 <a:uFillTx/>
               </a:defRPr>
             </a:pPr>
-            <a:endParaRPr sz="1400">
+            <a:endParaRPr sz="1400" dirty="0">
               <a:solidFill>
                 <a:srgbClr val="A6A8AC"/>
               </a:solidFill>
@@ -7126,7 +7284,7 @@
         </p:spPr>
         <p:txBody>
           <a:bodyPr lIns="0" tIns="0" rIns="0" bIns="0">
-            <a:normAutofit fontScale="100000" lnSpcReduction="0"/>
+            <a:normAutofit/>
           </a:bodyPr>
           <a:lstStyle/>
           <a:p>
@@ -7142,7 +7300,7 @@
               </a:defRPr>
             </a:pPr>
             <a:r>
-              <a:rPr sz="2400">
+              <a:rPr sz="2400" dirty="0">
                 <a:solidFill>
                   <a:srgbClr val="535C62"/>
                 </a:solidFill>
@@ -7158,9 +7316,22 @@
               </a:rPr>
               <a:t>Waterworld - what is H2O? </a:t>
             </a:r>
-            <a:endParaRPr sz="2400">
+          </a:p>
+          <a:p>
+            <a:pPr lvl="0">
+              <a:spcBef>
+                <a:spcPts val="400"/>
+              </a:spcBef>
+              <a:defRPr>
+                <a:solidFill>
+                  <a:srgbClr val="000000"/>
+                </a:solidFill>
+                <a:uFillTx/>
+              </a:defRPr>
+            </a:pPr>
+            <a:endParaRPr sz="2400" dirty="0">
               <a:solidFill>
-                <a:srgbClr val="535C62"/>
+                <a:srgbClr val="272B2E"/>
               </a:solidFill>
               <a:uFill>
                 <a:solidFill>
@@ -7174,34 +7345,7 @@
             </a:endParaRPr>
           </a:p>
           <a:p>
-            <a:pPr lvl="0">
-              <a:spcBef>
-                <a:spcPts val="400"/>
-              </a:spcBef>
-              <a:defRPr>
-                <a:solidFill>
-                  <a:srgbClr val="000000"/>
-                </a:solidFill>
-                <a:uFillTx/>
-              </a:defRPr>
-            </a:pPr>
-            <a:endParaRPr sz="2400">
-              <a:solidFill>
-                <a:srgbClr val="272B2E"/>
-              </a:solidFill>
-              <a:uFill>
-                <a:solidFill>
-                  <a:srgbClr val="535C62"/>
-                </a:solidFill>
-              </a:uFill>
-              <a:latin typeface="Futura"/>
-              <a:ea typeface="Futura"/>
-              <a:cs typeface="Futura"/>
-              <a:sym typeface="Futura"/>
-            </a:endParaRPr>
-          </a:p>
-          <a:p>
-            <a:pPr lvl="1" marL="256031" indent="-256031">
+            <a:pPr marL="256031" lvl="1" indent="-256031">
               <a:spcBef>
                 <a:spcPts val="400"/>
               </a:spcBef>
@@ -7219,7 +7363,7 @@
               </a:defRPr>
             </a:pPr>
             <a:r>
-              <a:rPr sz="2000">
+              <a:rPr sz="2000" dirty="0">
                 <a:solidFill>
                   <a:srgbClr val="272B2E"/>
                 </a:solidFill>
@@ -7235,23 +7379,9 @@
               </a:rPr>
               <a:t>Same statistics - new volumes of data </a:t>
             </a:r>
-            <a:endParaRPr sz="2000">
-              <a:solidFill>
-                <a:srgbClr val="272B2E"/>
-              </a:solidFill>
-              <a:uFill>
-                <a:solidFill>
-                  <a:srgbClr val="949EA4"/>
-                </a:solidFill>
-              </a:uFill>
-              <a:latin typeface="+mn-lt"/>
-              <a:ea typeface="+mn-ea"/>
-              <a:cs typeface="+mn-cs"/>
-              <a:sym typeface="Helvetica"/>
-            </a:endParaRPr>
-          </a:p>
-          <a:p>
-            <a:pPr lvl="1" marL="256031" indent="-256031">
+          </a:p>
+          <a:p>
+            <a:pPr marL="256031" lvl="1" indent="-256031">
               <a:spcBef>
                 <a:spcPts val="400"/>
               </a:spcBef>
@@ -7268,7 +7398,7 @@
                 <a:uFillTx/>
               </a:defRPr>
             </a:pPr>
-            <a:endParaRPr sz="2000">
+            <a:endParaRPr sz="2000" dirty="0">
               <a:solidFill>
                 <a:srgbClr val="272B2E"/>
               </a:solidFill>
@@ -7284,7 +7414,7 @@
             </a:endParaRPr>
           </a:p>
           <a:p>
-            <a:pPr lvl="1" marL="256031" indent="-256031">
+            <a:pPr marL="256031" lvl="1" indent="-256031">
               <a:spcBef>
                 <a:spcPts val="400"/>
               </a:spcBef>
@@ -7302,7 +7432,7 @@
               </a:defRPr>
             </a:pPr>
             <a:r>
-              <a:rPr sz="2000">
+              <a:rPr sz="2000" dirty="0">
                 <a:solidFill>
                   <a:srgbClr val="272B2E"/>
                 </a:solidFill>
@@ -7318,7 +7448,20 @@
               </a:rPr>
               <a:t>On a distributed cluster models on a terabyte of data can finish in minutes. </a:t>
             </a:r>
-            <a:endParaRPr sz="2000">
+          </a:p>
+          <a:p>
+            <a:pPr lvl="0">
+              <a:spcBef>
+                <a:spcPts val="400"/>
+              </a:spcBef>
+              <a:defRPr>
+                <a:solidFill>
+                  <a:srgbClr val="000000"/>
+                </a:solidFill>
+                <a:uFillTx/>
+              </a:defRPr>
+            </a:pPr>
+            <a:endParaRPr sz="2000" dirty="0">
               <a:solidFill>
                 <a:srgbClr val="272B2E"/>
               </a:solidFill>
@@ -7334,34 +7477,7 @@
             </a:endParaRPr>
           </a:p>
           <a:p>
-            <a:pPr lvl="0">
-              <a:spcBef>
-                <a:spcPts val="400"/>
-              </a:spcBef>
-              <a:defRPr>
-                <a:solidFill>
-                  <a:srgbClr val="000000"/>
-                </a:solidFill>
-                <a:uFillTx/>
-              </a:defRPr>
-            </a:pPr>
-            <a:endParaRPr sz="2000">
-              <a:solidFill>
-                <a:srgbClr val="272B2E"/>
-              </a:solidFill>
-              <a:uFill>
-                <a:solidFill>
-                  <a:srgbClr val="949EA4"/>
-                </a:solidFill>
-              </a:uFill>
-              <a:latin typeface="+mn-lt"/>
-              <a:ea typeface="+mn-ea"/>
-              <a:cs typeface="+mn-cs"/>
-              <a:sym typeface="Helvetica"/>
-            </a:endParaRPr>
-          </a:p>
-          <a:p>
-            <a:pPr lvl="1" marL="256031" indent="-256031">
+            <a:pPr marL="256031" lvl="1" indent="-256031">
               <a:spcBef>
                 <a:spcPts val="400"/>
               </a:spcBef>
@@ -7379,7 +7495,7 @@
               </a:defRPr>
             </a:pPr>
             <a:r>
-              <a:rPr sz="2000">
+              <a:rPr sz="2000" dirty="0">
                 <a:solidFill>
                   <a:srgbClr val="272B2E"/>
                 </a:solidFill>
@@ -7395,23 +7511,9 @@
               </a:rPr>
               <a:t>Provide an interface to give more people the power of data science.</a:t>
             </a:r>
-            <a:endParaRPr sz="2000">
-              <a:solidFill>
-                <a:srgbClr val="272B2E"/>
-              </a:solidFill>
-              <a:uFill>
-                <a:solidFill>
-                  <a:srgbClr val="949EA4"/>
-                </a:solidFill>
-              </a:uFill>
-              <a:latin typeface="+mn-lt"/>
-              <a:ea typeface="+mn-ea"/>
-              <a:cs typeface="+mn-cs"/>
-              <a:sym typeface="Helvetica"/>
-            </a:endParaRPr>
-          </a:p>
-          <a:p>
-            <a:pPr lvl="1" marL="256031" indent="-256031">
+          </a:p>
+          <a:p>
+            <a:pPr marL="256031" lvl="1" indent="-256031">
               <a:spcBef>
                 <a:spcPts val="400"/>
               </a:spcBef>
@@ -7428,7 +7530,7 @@
                 <a:uFillTx/>
               </a:defRPr>
             </a:pPr>
-            <a:endParaRPr sz="2000">
+            <a:endParaRPr sz="2000" dirty="0">
               <a:solidFill>
                 <a:srgbClr val="272B2E"/>
               </a:solidFill>
@@ -7444,7 +7546,7 @@
             </a:endParaRPr>
           </a:p>
           <a:p>
-            <a:pPr lvl="1" marL="256031" indent="-256031">
+            <a:pPr marL="256031" lvl="1" indent="-256031">
               <a:spcBef>
                 <a:spcPts val="400"/>
               </a:spcBef>
@@ -7462,7 +7564,7 @@
               </a:defRPr>
             </a:pPr>
             <a:r>
-              <a:rPr sz="2000">
+              <a:rPr sz="2000" dirty="0">
                 <a:solidFill>
                   <a:srgbClr val="272B2E"/>
                 </a:solidFill>
@@ -7478,20 +7580,6 @@
               </a:rPr>
               <a:t>Also hook H2O into R and Scala</a:t>
             </a:r>
-            <a:endParaRPr sz="2000">
-              <a:solidFill>
-                <a:srgbClr val="272B2E"/>
-              </a:solidFill>
-              <a:uFill>
-                <a:solidFill>
-                  <a:srgbClr val="949EA4"/>
-                </a:solidFill>
-              </a:uFill>
-              <a:latin typeface="+mn-lt"/>
-              <a:ea typeface="+mn-ea"/>
-              <a:cs typeface="+mn-cs"/>
-              <a:sym typeface="Helvetica"/>
-            </a:endParaRPr>
           </a:p>
           <a:p>
             <a:pPr lvl="0">
@@ -7505,7 +7593,7 @@
                 <a:uFillTx/>
               </a:defRPr>
             </a:pPr>
-            <a:endParaRPr sz="2000">
+            <a:endParaRPr sz="2000" dirty="0">
               <a:solidFill>
                 <a:srgbClr val="949EA4"/>
               </a:solidFill>
@@ -7527,12 +7615,12 @@
   <p:clrMapOvr>
     <a:masterClrMapping/>
   </p:clrMapOvr>
-  <p:transition spd="med" advClick="1"/>
+  <p:transition xmlns:p14="http://schemas.microsoft.com/office/powerpoint/2010/main" spd="med"/>
 </p:sld>
 </file>
 
 <file path=ppt/slides/slide4.xml><?xml version="1.0" encoding="utf-8"?>
-<p:sld xmlns:a="http://schemas.openxmlformats.org/drawingml/2006/main" xmlns:r="http://schemas.openxmlformats.org/officeDocument/2006/relationships" xmlns:p="http://schemas.openxmlformats.org/presentationml/2006/main" showMasterSp="1" showMasterPhAnim="1">
+<p:sld xmlns:a="http://schemas.openxmlformats.org/drawingml/2006/main" xmlns:r="http://schemas.openxmlformats.org/officeDocument/2006/relationships" xmlns:p="http://schemas.openxmlformats.org/presentationml/2006/main">
   <p:cSld>
     <p:spTree>
       <p:nvGrpSpPr>
@@ -7551,7 +7639,9 @@
       <p:sp>
         <p:nvSpPr>
           <p:cNvPr id="68" name="Shape 68"/>
-          <p:cNvSpPr/>
+          <p:cNvSpPr>
+            <a:spLocks noGrp="1"/>
+          </p:cNvSpPr>
           <p:nvPr>
             <p:ph type="title"/>
           </p:nvPr>
@@ -7582,7 +7672,7 @@
               </a:defRPr>
             </a:pPr>
             <a:r>
-              <a:rPr sz="3700">
+              <a:rPr sz="3700" dirty="0" smtClean="0">
                 <a:solidFill>
                   <a:srgbClr val="313639"/>
                 </a:solidFill>
@@ -7592,15 +7682,40 @@
                   </a:solidFill>
                 </a:uFill>
               </a:rPr>
-              <a:t>The &lt;Cute title here&gt;</a:t>
-            </a:r>
+              <a:t>The</a:t>
+            </a:r>
+            <a:r>
+              <a:rPr lang="en-US" sz="3700" dirty="0" smtClean="0">
+                <a:solidFill>
+                  <a:srgbClr val="313639"/>
+                </a:solidFill>
+                <a:uFill>
+                  <a:solidFill>
+                    <a:srgbClr val="A6A8AC"/>
+                  </a:solidFill>
+                </a:uFill>
+              </a:rPr>
+              <a:t> Overview</a:t>
+            </a:r>
+            <a:endParaRPr sz="3700" dirty="0">
+              <a:solidFill>
+                <a:srgbClr val="313639"/>
+              </a:solidFill>
+              <a:uFill>
+                <a:solidFill>
+                  <a:srgbClr val="A6A8AC"/>
+                </a:solidFill>
+              </a:uFill>
+            </a:endParaRPr>
           </a:p>
         </p:txBody>
       </p:sp>
       <p:sp>
         <p:nvSpPr>
           <p:cNvPr id="69" name="Shape 69"/>
-          <p:cNvSpPr/>
+          <p:cNvSpPr>
+            <a:spLocks noGrp="1"/>
+          </p:cNvSpPr>
           <p:nvPr>
             <p:ph type="body" idx="1"/>
           </p:nvPr>
@@ -7665,6 +7780,19 @@
               </a:rPr>
               <a:t>Walk through the practical problem of what movie to go see together. </a:t>
             </a:r>
+          </a:p>
+          <a:p>
+            <a:pPr lvl="0" defTabSz="448055">
+              <a:spcBef>
+                <a:spcPts val="1100"/>
+              </a:spcBef>
+              <a:defRPr sz="1800">
+                <a:solidFill>
+                  <a:srgbClr val="000000"/>
+                </a:solidFill>
+                <a:uFillTx/>
+              </a:defRPr>
+            </a:pPr>
             <a:endParaRPr sz="2352">
               <a:solidFill>
                 <a:srgbClr val="535C62"/>
@@ -7688,6 +7816,32 @@
                 <a:uFillTx/>
               </a:defRPr>
             </a:pPr>
+            <a:r>
+              <a:rPr sz="2352">
+                <a:solidFill>
+                  <a:srgbClr val="535C62"/>
+                </a:solidFill>
+                <a:uFill>
+                  <a:solidFill>
+                    <a:srgbClr val="535C62"/>
+                  </a:solidFill>
+                </a:uFill>
+              </a:rPr>
+              <a:t>Examine work flow from data to prediction, and let the best model inform our choice</a:t>
+            </a:r>
+          </a:p>
+          <a:p>
+            <a:pPr lvl="0" defTabSz="448055">
+              <a:spcBef>
+                <a:spcPts val="1100"/>
+              </a:spcBef>
+              <a:defRPr sz="1800">
+                <a:solidFill>
+                  <a:srgbClr val="000000"/>
+                </a:solidFill>
+                <a:uFillTx/>
+              </a:defRPr>
+            </a:pPr>
             <a:endParaRPr sz="2352">
               <a:solidFill>
                 <a:srgbClr val="535C62"/>
@@ -7722,77 +7876,8 @@
                   </a:solidFill>
                 </a:uFill>
               </a:rPr>
-              <a:t>Examine work flow from data to prediction, and let the best model inform our choice</a:t>
-            </a:r>
-            <a:endParaRPr sz="2352">
-              <a:solidFill>
-                <a:srgbClr val="535C62"/>
-              </a:solidFill>
-              <a:uFill>
-                <a:solidFill>
-                  <a:srgbClr val="535C62"/>
-                </a:solidFill>
-              </a:uFill>
-            </a:endParaRPr>
-          </a:p>
-          <a:p>
-            <a:pPr lvl="0" defTabSz="448055">
-              <a:spcBef>
-                <a:spcPts val="1100"/>
-              </a:spcBef>
-              <a:defRPr sz="1800">
-                <a:solidFill>
-                  <a:srgbClr val="000000"/>
-                </a:solidFill>
-                <a:uFillTx/>
-              </a:defRPr>
-            </a:pPr>
-            <a:endParaRPr sz="2352">
-              <a:solidFill>
-                <a:srgbClr val="535C62"/>
-              </a:solidFill>
-              <a:uFill>
-                <a:solidFill>
-                  <a:srgbClr val="535C62"/>
-                </a:solidFill>
-              </a:uFill>
-            </a:endParaRPr>
-          </a:p>
-          <a:p>
-            <a:pPr lvl="0" defTabSz="448055">
-              <a:spcBef>
-                <a:spcPts val="1100"/>
-              </a:spcBef>
-              <a:defRPr sz="1800">
-                <a:solidFill>
-                  <a:srgbClr val="000000"/>
-                </a:solidFill>
-                <a:uFillTx/>
-              </a:defRPr>
-            </a:pPr>
-            <a:r>
-              <a:rPr sz="2352">
-                <a:solidFill>
-                  <a:srgbClr val="535C62"/>
-                </a:solidFill>
-                <a:uFill>
-                  <a:solidFill>
-                    <a:srgbClr val="535C62"/>
-                  </a:solidFill>
-                </a:uFill>
-              </a:rPr>
               <a:t>Extend to production setting applications with a customer use case </a:t>
             </a:r>
-            <a:endParaRPr sz="2352">
-              <a:solidFill>
-                <a:srgbClr val="535C62"/>
-              </a:solidFill>
-              <a:uFill>
-                <a:solidFill>
-                  <a:srgbClr val="535C62"/>
-                </a:solidFill>
-              </a:uFill>
-            </a:endParaRPr>
           </a:p>
           <a:p>
             <a:pPr lvl="0" defTabSz="448055">
@@ -7824,12 +7909,12 @@
   <p:clrMapOvr>
     <a:masterClrMapping/>
   </p:clrMapOvr>
-  <p:transition spd="med" advClick="1"/>
+  <p:transition xmlns:p14="http://schemas.microsoft.com/office/powerpoint/2010/main" spd="med"/>
 </p:sld>
 </file>
 
 <file path=ppt/slides/slide5.xml><?xml version="1.0" encoding="utf-8"?>
-<p:sld xmlns:a="http://schemas.openxmlformats.org/drawingml/2006/main" xmlns:r="http://schemas.openxmlformats.org/officeDocument/2006/relationships" xmlns:p="http://schemas.openxmlformats.org/presentationml/2006/main" showMasterSp="1" showMasterPhAnim="1">
+<p:sld xmlns:a="http://schemas.openxmlformats.org/drawingml/2006/main" xmlns:r="http://schemas.openxmlformats.org/officeDocument/2006/relationships" xmlns:p="http://schemas.openxmlformats.org/presentationml/2006/main">
   <p:cSld>
     <p:spTree>
       <p:nvGrpSpPr>
@@ -7848,7 +7933,9 @@
       <p:sp>
         <p:nvSpPr>
           <p:cNvPr id="71" name="Shape 71"/>
-          <p:cNvSpPr/>
+          <p:cNvSpPr>
+            <a:spLocks noGrp="1"/>
+          </p:cNvSpPr>
           <p:nvPr>
             <p:ph type="title"/>
           </p:nvPr>
@@ -7901,7 +7988,9 @@
       <p:sp>
         <p:nvSpPr>
           <p:cNvPr id="72" name="Shape 72"/>
-          <p:cNvSpPr/>
+          <p:cNvSpPr>
+            <a:spLocks noGrp="1"/>
+          </p:cNvSpPr>
           <p:nvPr>
             <p:ph type="body" idx="1"/>
           </p:nvPr>
@@ -7937,13 +8026,6 @@
               </a:rPr>
               <a:t>Data is the 100,000 observation MovieLens data set</a:t>
             </a:r>
-            <a:endParaRPr sz="2400">
-              <a:uFill>
-                <a:solidFill>
-                  <a:srgbClr val="535C62"/>
-                </a:solidFill>
-              </a:uFill>
-            </a:endParaRPr>
           </a:p>
           <a:p>
             <a:pPr lvl="0">
@@ -7964,13 +8046,6 @@
               </a:rPr>
               <a:t>Demographic Features: </a:t>
             </a:r>
-            <a:endParaRPr sz="2400">
-              <a:uFill>
-                <a:solidFill>
-                  <a:srgbClr val="535C62"/>
-                </a:solidFill>
-              </a:uFill>
-            </a:endParaRPr>
           </a:p>
           <a:p>
             <a:pPr lvl="0">
@@ -8016,12 +8091,12 @@
         </p:nvGraphicFramePr>
         <p:xfrm>
           <a:off x="969863" y="2393627"/>
-          <a:ext cx="6660515" cy="3641200"/>
+          <a:ext cx="6647736" cy="3628496"/>
         </p:xfrm>
-        <a:graphic xmlns:a="http://schemas.openxmlformats.org/drawingml/2006/main">
+        <a:graphic>
           <a:graphicData uri="http://schemas.openxmlformats.org/drawingml/2006/table">
             <a:tbl>
-              <a:tblPr firstCol="0" firstRow="1" lastCol="0" lastRow="0" bandCol="0" bandRow="1" rtl="0">
+              <a:tblPr firstRow="1" bandRow="1">
                 <a:tableStyleId>{33BA23B1-9221-436E-865A-0063620EA4FD}</a:tableStyleId>
               </a:tblPr>
               <a:tblGrid>
@@ -8037,7 +8112,7 @@
                     <a:lstStyle/>
                     <a:p>
                       <a:pPr lvl="0" algn="l">
-                        <a:defRPr b="0" i="0" sz="1800">
+                        <a:defRPr sz="1800" b="0" i="0">
                           <a:solidFill>
                             <a:srgbClr val="000000"/>
                           </a:solidFill>
@@ -8045,7 +8120,7 @@
                         </a:defRPr>
                       </a:pPr>
                       <a:r>
-                        <a:rPr b="1" i="1">
+                        <a:rPr b="1" i="1" dirty="0">
                           <a:solidFill>
                             <a:srgbClr val="FFFFFF"/>
                           </a:solidFill>
@@ -8059,7 +8134,7 @@
                       </a:r>
                     </a:p>
                   </a:txBody>
-                  <a:tcPr marL="63500" marR="63500" marT="63500" marB="63500" anchor="t" anchorCtr="0" horzOverflow="overflow">
+                  <a:tcPr marL="63500" marR="63500" marT="63500" marB="63500" horzOverflow="overflow">
                     <a:lnL w="12700">
                       <a:solidFill>
                         <a:srgbClr val="FFFB00"/>
@@ -8080,7 +8155,7 @@
                     <a:lstStyle/>
                     <a:p>
                       <a:pPr lvl="0" algn="l">
-                        <a:defRPr b="0" i="0" sz="1800">
+                        <a:defRPr sz="1800" b="0" i="0">
                           <a:solidFill>
                             <a:srgbClr val="000000"/>
                           </a:solidFill>
@@ -8088,7 +8163,7 @@
                         </a:defRPr>
                       </a:pPr>
                       <a:r>
-                        <a:rPr b="1" i="1">
+                        <a:rPr b="1" i="1" dirty="0">
                           <a:solidFill>
                             <a:srgbClr val="FFFFFF"/>
                           </a:solidFill>
@@ -8102,7 +8177,7 @@
                       </a:r>
                     </a:p>
                   </a:txBody>
-                  <a:tcPr marL="63500" marR="63500" marT="63500" marB="63500" anchor="t" anchorCtr="0" horzOverflow="overflow">
+                  <a:tcPr marL="63500" marR="63500" marT="63500" marB="63500" horzOverflow="overflow">
                     <a:lnT w="12700">
                       <a:solidFill>
                         <a:srgbClr val="FFFB00"/>
@@ -8117,7 +8192,7 @@
                     <a:lstStyle/>
                     <a:p>
                       <a:pPr lvl="0" algn="l">
-                        <a:defRPr b="0" i="0" sz="1800">
+                        <a:defRPr sz="1800" b="0" i="0">
                           <a:solidFill>
                             <a:srgbClr val="000000"/>
                           </a:solidFill>
@@ -8139,7 +8214,7 @@
                       </a:r>
                     </a:p>
                   </a:txBody>
-                  <a:tcPr marL="63500" marR="63500" marT="63500" marB="63500" anchor="t" anchorCtr="0" horzOverflow="overflow">
+                  <a:tcPr marL="63500" marR="63500" marT="63500" marB="63500" horzOverflow="overflow">
                     <a:lnT w="12700">
                       <a:solidFill>
                         <a:srgbClr val="FFFB00"/>
@@ -8154,7 +8229,7 @@
                     <a:lstStyle/>
                     <a:p>
                       <a:pPr lvl="0" algn="l">
-                        <a:defRPr b="0" i="0" sz="1800">
+                        <a:defRPr sz="1800" b="0" i="0">
                           <a:solidFill>
                             <a:srgbClr val="000000"/>
                           </a:solidFill>
@@ -8176,7 +8251,7 @@
                       </a:r>
                     </a:p>
                   </a:txBody>
-                  <a:tcPr marL="63500" marR="63500" marT="63500" marB="63500" anchor="t" anchorCtr="0" horzOverflow="overflow">
+                  <a:tcPr marL="63500" marR="63500" marT="63500" marB="63500" horzOverflow="overflow">
                     <a:lnR w="12700">
                       <a:solidFill>
                         <a:srgbClr val="FFFB00"/>
@@ -8199,7 +8274,7 @@
                     <a:lstStyle/>
                     <a:p>
                       <a:pPr lvl="0" algn="l">
-                        <a:defRPr b="0" i="0" sz="1800">
+                        <a:defRPr sz="1800" b="0" i="0">
                           <a:solidFill>
                             <a:srgbClr val="000000"/>
                           </a:solidFill>
@@ -8221,7 +8296,7 @@
                       </a:r>
                     </a:p>
                   </a:txBody>
-                  <a:tcPr marL="63500" marR="63500" marT="63500" marB="63500" anchor="t" anchorCtr="0" horzOverflow="overflow">
+                  <a:tcPr marL="63500" marR="63500" marT="63500" marB="63500" horzOverflow="overflow">
                     <a:lnL w="12700">
                       <a:solidFill>
                         <a:srgbClr val="FFFB00"/>
@@ -8236,7 +8311,7 @@
                     <a:lstStyle/>
                     <a:p>
                       <a:pPr lvl="0" algn="l">
-                        <a:defRPr b="0" i="0" sz="1800">
+                        <a:defRPr sz="1800" b="0" i="0">
                           <a:solidFill>
                             <a:srgbClr val="000000"/>
                           </a:solidFill>
@@ -8258,7 +8333,7 @@
                       </a:r>
                     </a:p>
                   </a:txBody>
-                  <a:tcPr marL="63500" marR="63500" marT="63500" marB="63500" anchor="t" anchorCtr="0" horzOverflow="overflow"/>
+                  <a:tcPr marL="63500" marR="63500" marT="63500" marB="63500" horzOverflow="overflow"/>
                 </a:tc>
                 <a:tc>
                   <a:txBody>
@@ -8266,7 +8341,7 @@
                     <a:lstStyle/>
                     <a:p>
                       <a:pPr lvl="0" algn="l">
-                        <a:defRPr b="0" i="0" sz="1800">
+                        <a:defRPr sz="1800" b="0" i="0">
                           <a:solidFill>
                             <a:srgbClr val="000000"/>
                           </a:solidFill>
@@ -8288,7 +8363,7 @@
                       </a:r>
                     </a:p>
                   </a:txBody>
-                  <a:tcPr marL="63500" marR="63500" marT="63500" marB="63500" anchor="t" anchorCtr="0" horzOverflow="overflow"/>
+                  <a:tcPr marL="63500" marR="63500" marT="63500" marB="63500" horzOverflow="overflow"/>
                 </a:tc>
                 <a:tc>
                   <a:txBody>
@@ -8296,7 +8371,7 @@
                     <a:lstStyle/>
                     <a:p>
                       <a:pPr lvl="0" algn="l">
-                        <a:defRPr b="0" i="0" sz="1800">
+                        <a:defRPr sz="1800" b="0" i="0">
                           <a:solidFill>
                             <a:srgbClr val="000000"/>
                           </a:solidFill>
@@ -8318,7 +8393,7 @@
                       </a:r>
                     </a:p>
                   </a:txBody>
-                  <a:tcPr marL="63500" marR="63500" marT="63500" marB="63500" anchor="t" anchorCtr="0" horzOverflow="overflow">
+                  <a:tcPr marL="63500" marR="63500" marT="63500" marB="63500" horzOverflow="overflow">
                     <a:lnR w="12700">
                       <a:solidFill>
                         <a:srgbClr val="FFFB00"/>
@@ -8335,7 +8410,7 @@
                     <a:lstStyle/>
                     <a:p>
                       <a:pPr lvl="0" algn="l">
-                        <a:defRPr b="0" i="0" sz="1800">
+                        <a:defRPr sz="1800" b="0" i="0">
                           <a:solidFill>
                             <a:srgbClr val="000000"/>
                           </a:solidFill>
@@ -8357,7 +8432,7 @@
                       </a:r>
                     </a:p>
                   </a:txBody>
-                  <a:tcPr marL="63500" marR="63500" marT="63500" marB="63500" anchor="t" anchorCtr="0" horzOverflow="overflow">
+                  <a:tcPr marL="63500" marR="63500" marT="63500" marB="63500" horzOverflow="overflow">
                     <a:lnL w="12700">
                       <a:solidFill>
                         <a:srgbClr val="FFFB00"/>
@@ -8372,7 +8447,7 @@
                     <a:lstStyle/>
                     <a:p>
                       <a:pPr lvl="0" algn="l">
-                        <a:defRPr b="0" i="0" sz="1800">
+                        <a:defRPr sz="1800" b="0" i="0">
                           <a:solidFill>
                             <a:srgbClr val="000000"/>
                           </a:solidFill>
@@ -8394,7 +8469,7 @@
                       </a:r>
                     </a:p>
                   </a:txBody>
-                  <a:tcPr marL="63500" marR="63500" marT="63500" marB="63500" anchor="t" anchorCtr="0" horzOverflow="overflow"/>
+                  <a:tcPr marL="63500" marR="63500" marT="63500" marB="63500" horzOverflow="overflow"/>
                 </a:tc>
                 <a:tc>
                   <a:txBody>
@@ -8402,7 +8477,7 @@
                     <a:lstStyle/>
                     <a:p>
                       <a:pPr lvl="0" algn="l">
-                        <a:defRPr b="0" i="0" sz="1800">
+                        <a:defRPr sz="1800" b="0" i="0">
                           <a:solidFill>
                             <a:srgbClr val="000000"/>
                           </a:solidFill>
@@ -8425,7 +8500,7 @@
                       </a:r>
                     </a:p>
                   </a:txBody>
-                  <a:tcPr marL="63500" marR="63500" marT="63500" marB="63500" anchor="t" anchorCtr="0" horzOverflow="overflow"/>
+                  <a:tcPr marL="63500" marR="63500" marT="63500" marB="63500" horzOverflow="overflow"/>
                 </a:tc>
                 <a:tc>
                   <a:txBody>
@@ -8433,7 +8508,7 @@
                     <a:lstStyle/>
                     <a:p>
                       <a:pPr lvl="0" algn="l">
-                        <a:defRPr b="0" i="0" sz="1800">
+                        <a:defRPr sz="1800" b="0" i="0">
                           <a:solidFill>
                             <a:srgbClr val="000000"/>
                           </a:solidFill>
@@ -8455,7 +8530,7 @@
                       </a:r>
                     </a:p>
                   </a:txBody>
-                  <a:tcPr marL="63500" marR="63500" marT="63500" marB="63500" anchor="t" anchorCtr="0" horzOverflow="overflow">
+                  <a:tcPr marL="63500" marR="63500" marT="63500" marB="63500" horzOverflow="overflow">
                     <a:lnR w="12700">
                       <a:solidFill>
                         <a:srgbClr val="FFFB00"/>
@@ -8472,7 +8547,7 @@
                     <a:lstStyle/>
                     <a:p>
                       <a:pPr lvl="0" algn="l">
-                        <a:defRPr b="0" i="0" sz="1800">
+                        <a:defRPr sz="1800" b="0" i="0">
                           <a:solidFill>
                             <a:srgbClr val="000000"/>
                           </a:solidFill>
@@ -8494,7 +8569,7 @@
                       </a:r>
                     </a:p>
                   </a:txBody>
-                  <a:tcPr marL="63500" marR="63500" marT="63500" marB="63500" anchor="t" anchorCtr="0" horzOverflow="overflow">
+                  <a:tcPr marL="63500" marR="63500" marT="63500" marB="63500" horzOverflow="overflow">
                     <a:lnL w="12700">
                       <a:solidFill>
                         <a:srgbClr val="FFFB00"/>
@@ -8515,7 +8590,7 @@
                     <a:lstStyle/>
                     <a:p>
                       <a:pPr lvl="0" algn="l">
-                        <a:defRPr b="0" i="0" sz="1800">
+                        <a:defRPr sz="1800" b="0" i="0">
                           <a:solidFill>
                             <a:srgbClr val="000000"/>
                           </a:solidFill>
@@ -8537,7 +8612,7 @@
                       </a:r>
                     </a:p>
                   </a:txBody>
-                  <a:tcPr marL="63500" marR="63500" marT="63500" marB="63500" anchor="t" anchorCtr="0" horzOverflow="overflow">
+                  <a:tcPr marL="63500" marR="63500" marT="63500" marB="63500" horzOverflow="overflow">
                     <a:lnB w="12700">
                       <a:solidFill>
                         <a:srgbClr val="FFFB00"/>
@@ -8552,7 +8627,7 @@
                     <a:lstStyle/>
                     <a:p>
                       <a:pPr lvl="0" algn="l">
-                        <a:defRPr b="0" i="0" sz="1800">
+                        <a:defRPr sz="1800" b="0" i="0">
                           <a:solidFill>
                             <a:srgbClr val="000000"/>
                           </a:solidFill>
@@ -8575,7 +8650,7 @@
                       </a:r>
                     </a:p>
                   </a:txBody>
-                  <a:tcPr marL="63500" marR="63500" marT="63500" marB="63500" anchor="t" anchorCtr="0" horzOverflow="overflow">
+                  <a:tcPr marL="63500" marR="63500" marT="63500" marB="63500" horzOverflow="overflow">
                     <a:lnB w="12700">
                       <a:solidFill>
                         <a:srgbClr val="FFFB00"/>
@@ -8590,7 +8665,7 @@
                     <a:lstStyle/>
                     <a:p>
                       <a:pPr lvl="0" algn="l">
-                        <a:defRPr b="0" i="0" sz="1800">
+                        <a:defRPr sz="1800" b="0" i="0">
                           <a:solidFill>
                             <a:srgbClr val="000000"/>
                           </a:solidFill>
@@ -8598,7 +8673,7 @@
                         </a:defRPr>
                       </a:pPr>
                       <a:r>
-                        <a:rPr b="1" i="1">
+                        <a:rPr b="1" i="1" dirty="0">
                           <a:solidFill>
                             <a:srgbClr val="1F2426"/>
                           </a:solidFill>
@@ -8612,7 +8687,7 @@
                       </a:r>
                     </a:p>
                   </a:txBody>
-                  <a:tcPr marL="63500" marR="63500" marT="63500" marB="63500" anchor="t" anchorCtr="0" horzOverflow="overflow">
+                  <a:tcPr marL="63500" marR="63500" marT="63500" marB="63500" horzOverflow="overflow">
                     <a:lnR w="12700">
                       <a:solidFill>
                         <a:srgbClr val="FFFB00"/>
@@ -8637,12 +8712,12 @@
   <p:clrMapOvr>
     <a:masterClrMapping/>
   </p:clrMapOvr>
-  <p:transition spd="med" advClick="1"/>
+  <p:transition xmlns:p14="http://schemas.microsoft.com/office/powerpoint/2010/main" spd="med"/>
 </p:sld>
 </file>
 
 <file path=ppt/slides/slide6.xml><?xml version="1.0" encoding="utf-8"?>
-<p:sld xmlns:a="http://schemas.openxmlformats.org/drawingml/2006/main" xmlns:r="http://schemas.openxmlformats.org/officeDocument/2006/relationships" xmlns:p="http://schemas.openxmlformats.org/presentationml/2006/main" showMasterSp="1" showMasterPhAnim="1">
+<p:sld xmlns:a="http://schemas.openxmlformats.org/drawingml/2006/main" xmlns:r="http://schemas.openxmlformats.org/officeDocument/2006/relationships" xmlns:p="http://schemas.openxmlformats.org/presentationml/2006/main">
   <p:cSld>
     <p:spTree>
       <p:nvGrpSpPr>
@@ -8661,7 +8736,9 @@
       <p:sp>
         <p:nvSpPr>
           <p:cNvPr id="75" name="Shape 75"/>
-          <p:cNvSpPr/>
+          <p:cNvSpPr>
+            <a:spLocks noGrp="1"/>
+          </p:cNvSpPr>
           <p:nvPr>
             <p:ph type="title"/>
           </p:nvPr>
@@ -8714,7 +8791,9 @@
       <p:sp>
         <p:nvSpPr>
           <p:cNvPr id="76" name="Shape 76"/>
-          <p:cNvSpPr/>
+          <p:cNvSpPr>
+            <a:spLocks noGrp="1"/>
+          </p:cNvSpPr>
           <p:nvPr>
             <p:ph type="body" idx="1"/>
           </p:nvPr>
@@ -8750,13 +8829,6 @@
               </a:rPr>
               <a:t>Movies are classified by types, types are not exclusive. Here is a diagram of the five largest classes: </a:t>
             </a:r>
-            <a:endParaRPr sz="2400">
-              <a:uFill>
-                <a:solidFill>
-                  <a:srgbClr val="535C62"/>
-                </a:solidFill>
-              </a:uFill>
-            </a:endParaRPr>
           </a:p>
           <a:p>
             <a:pPr lvl="0">
@@ -8826,12 +8898,12 @@
   <p:clrMapOvr>
     <a:masterClrMapping/>
   </p:clrMapOvr>
-  <p:transition spd="med" advClick="1"/>
+  <p:transition xmlns:p14="http://schemas.microsoft.com/office/powerpoint/2010/main" spd="med"/>
 </p:sld>
 </file>
 
 <file path=ppt/slides/slide7.xml><?xml version="1.0" encoding="utf-8"?>
-<p:sld xmlns:a="http://schemas.openxmlformats.org/drawingml/2006/main" xmlns:r="http://schemas.openxmlformats.org/officeDocument/2006/relationships" xmlns:p="http://schemas.openxmlformats.org/presentationml/2006/main" showMasterSp="1" showMasterPhAnim="1">
+<p:sld xmlns:a="http://schemas.openxmlformats.org/drawingml/2006/main" xmlns:r="http://schemas.openxmlformats.org/officeDocument/2006/relationships" xmlns:p="http://schemas.openxmlformats.org/presentationml/2006/main">
   <p:cSld>
     <p:spTree>
       <p:nvGrpSpPr>
@@ -8850,7 +8922,9 @@
       <p:sp>
         <p:nvSpPr>
           <p:cNvPr id="79" name="Shape 79"/>
-          <p:cNvSpPr/>
+          <p:cNvSpPr>
+            <a:spLocks noGrp="1"/>
+          </p:cNvSpPr>
           <p:nvPr>
             <p:ph type="title"/>
           </p:nvPr>
@@ -8899,7 +8973,9 @@
       <p:sp>
         <p:nvSpPr>
           <p:cNvPr id="80" name="Shape 80"/>
-          <p:cNvSpPr/>
+          <p:cNvSpPr>
+            <a:spLocks noGrp="1"/>
+          </p:cNvSpPr>
           <p:nvPr>
             <p:ph type="body" idx="1"/>
           </p:nvPr>
@@ -8929,7 +9005,7 @@
               </a:defRPr>
             </a:pPr>
             <a:r>
-              <a:rPr sz="2139">
+              <a:rPr sz="2139" dirty="0">
                 <a:uFill>
                   <a:solidFill>
                     <a:srgbClr val="535C62"/>
@@ -8938,13 +9014,6 @@
               </a:rPr>
               <a:t>Users rated movies on a Likert scale of 1 to 5. </a:t>
             </a:r>
-            <a:endParaRPr sz="2139">
-              <a:uFill>
-                <a:solidFill>
-                  <a:srgbClr val="535C62"/>
-                </a:solidFill>
-              </a:uFill>
-            </a:endParaRPr>
           </a:p>
           <a:p>
             <a:pPr lvl="0" defTabSz="315468">
@@ -8958,7 +9027,7 @@
                 <a:uFillTx/>
               </a:defRPr>
             </a:pPr>
-            <a:endParaRPr sz="2139">
+            <a:endParaRPr sz="2139" dirty="0">
               <a:uFill>
                 <a:solidFill>
                   <a:srgbClr val="535C62"/>
@@ -8979,7 +9048,7 @@
               </a:defRPr>
             </a:pPr>
             <a:r>
-              <a:rPr sz="2139">
+              <a:rPr sz="2139" dirty="0">
                 <a:uFill>
                   <a:solidFill>
                     <a:srgbClr val="535C62"/>
@@ -8988,13 +9057,6 @@
               </a:rPr>
               <a:t>We converted this to a binomial indicator:</a:t>
             </a:r>
-            <a:endParaRPr sz="2139">
-              <a:uFill>
-                <a:solidFill>
-                  <a:srgbClr val="535C62"/>
-                </a:solidFill>
-              </a:uFill>
-            </a:endParaRPr>
           </a:p>
           <a:p>
             <a:pPr lvl="0" defTabSz="315468">
@@ -9009,7 +9071,7 @@
               </a:defRPr>
             </a:pPr>
             <a:r>
-              <a:rPr sz="2139">
+              <a:rPr sz="2139" dirty="0">
                 <a:uFill>
                   <a:solidFill>
                     <a:srgbClr val="535C62"/>
@@ -9018,13 +9080,6 @@
               </a:rPr>
               <a:t>Ratings &gt;= 4: recoded to 1, indicating liked movie</a:t>
             </a:r>
-            <a:endParaRPr sz="2139">
-              <a:uFill>
-                <a:solidFill>
-                  <a:srgbClr val="535C62"/>
-                </a:solidFill>
-              </a:uFill>
-            </a:endParaRPr>
           </a:p>
           <a:p>
             <a:pPr lvl="0" defTabSz="315468">
@@ -9038,7 +9093,7 @@
                 <a:uFillTx/>
               </a:defRPr>
             </a:pPr>
-            <a:endParaRPr sz="2139">
+            <a:endParaRPr sz="2139" dirty="0">
               <a:uFill>
                 <a:solidFill>
                   <a:srgbClr val="535C62"/>
@@ -9059,7 +9114,7 @@
               </a:defRPr>
             </a:pPr>
             <a:r>
-              <a:rPr sz="2139">
+              <a:rPr sz="2139" dirty="0">
                 <a:uFill>
                   <a:solidFill>
                     <a:srgbClr val="535C62"/>
@@ -9068,13 +9123,6 @@
               </a:rPr>
               <a:t>Ratings &lt; 4: recoded to 0, indicating disliked the movie</a:t>
             </a:r>
-            <a:endParaRPr sz="2139">
-              <a:uFill>
-                <a:solidFill>
-                  <a:srgbClr val="535C62"/>
-                </a:solidFill>
-              </a:uFill>
-            </a:endParaRPr>
           </a:p>
           <a:p>
             <a:pPr lvl="0" defTabSz="315468">
@@ -9088,7 +9136,7 @@
                 <a:uFillTx/>
               </a:defRPr>
             </a:pPr>
-            <a:endParaRPr sz="2139">
+            <a:endParaRPr sz="2139" dirty="0">
               <a:uFill>
                 <a:solidFill>
                   <a:srgbClr val="535C62"/>
@@ -9108,7 +9156,7 @@
                 <a:uFillTx/>
               </a:defRPr>
             </a:pPr>
-            <a:endParaRPr sz="2691">
+            <a:endParaRPr sz="2691" dirty="0">
               <a:solidFill>
                 <a:srgbClr val="535C62"/>
               </a:solidFill>
@@ -9131,7 +9179,7 @@
                 <a:uFillTx/>
               </a:defRPr>
             </a:pPr>
-            <a:endParaRPr sz="1656">
+            <a:endParaRPr sz="1656" dirty="0">
               <a:solidFill>
                 <a:srgbClr val="535C62"/>
               </a:solidFill>
@@ -9154,7 +9202,7 @@
                 <a:uFillTx/>
               </a:defRPr>
             </a:pPr>
-            <a:endParaRPr sz="1656">
+            <a:endParaRPr sz="1656" dirty="0">
               <a:solidFill>
                 <a:srgbClr val="535C62"/>
               </a:solidFill>
@@ -9177,7 +9225,7 @@
                 <a:uFillTx/>
               </a:defRPr>
             </a:pPr>
-            <a:endParaRPr sz="1656">
+            <a:endParaRPr sz="1656" dirty="0">
               <a:solidFill>
                 <a:srgbClr val="535C62"/>
               </a:solidFill>
@@ -9195,12 +9243,12 @@
   <p:clrMapOvr>
     <a:masterClrMapping/>
   </p:clrMapOvr>
-  <p:transition spd="med" advClick="1"/>
+  <p:transition xmlns:p14="http://schemas.microsoft.com/office/powerpoint/2010/main" spd="med"/>
 </p:sld>
 </file>
 
 <file path=ppt/slides/slide8.xml><?xml version="1.0" encoding="utf-8"?>
-<p:sld xmlns:a="http://schemas.openxmlformats.org/drawingml/2006/main" xmlns:r="http://schemas.openxmlformats.org/officeDocument/2006/relationships" xmlns:p="http://schemas.openxmlformats.org/presentationml/2006/main" showMasterSp="1" showMasterPhAnim="1">
+<p:sld xmlns:a="http://schemas.openxmlformats.org/drawingml/2006/main" xmlns:r="http://schemas.openxmlformats.org/officeDocument/2006/relationships" xmlns:p="http://schemas.openxmlformats.org/presentationml/2006/main">
   <p:cSld>
     <p:spTree>
       <p:nvGrpSpPr>
@@ -9219,7 +9267,9 @@
       <p:sp>
         <p:nvSpPr>
           <p:cNvPr id="82" name="Shape 82"/>
-          <p:cNvSpPr/>
+          <p:cNvSpPr>
+            <a:spLocks noGrp="1"/>
+          </p:cNvSpPr>
           <p:nvPr>
             <p:ph type="title"/>
           </p:nvPr>
@@ -9268,7 +9318,9 @@
       <p:sp>
         <p:nvSpPr>
           <p:cNvPr id="83" name="Shape 83"/>
-          <p:cNvSpPr/>
+          <p:cNvSpPr>
+            <a:spLocks noGrp="1"/>
+          </p:cNvSpPr>
           <p:nvPr>
             <p:ph type="body" idx="1"/>
           </p:nvPr>
@@ -9307,13 +9359,6 @@
               </a:rPr>
               <a:t>Both models are predicting the same dependent variable as a function of the same set of features.</a:t>
             </a:r>
-            <a:endParaRPr sz="2077">
-              <a:uFill>
-                <a:solidFill>
-                  <a:srgbClr val="535C62"/>
-                </a:solidFill>
-              </a:uFill>
-            </a:endParaRPr>
           </a:p>
           <a:p>
             <a:pPr lvl="0" defTabSz="306324">
@@ -9357,13 +9402,6 @@
               </a:rPr>
               <a:t>Anqi modeled with tree based GBM - start simple and let the model get as complex as it needs to with depth</a:t>
             </a:r>
-            <a:endParaRPr sz="2077">
-              <a:uFill>
-                <a:solidFill>
-                  <a:srgbClr val="535C62"/>
-                </a:solidFill>
-              </a:uFill>
-            </a:endParaRPr>
           </a:p>
           <a:p>
             <a:pPr lvl="0" defTabSz="306324">
@@ -9407,13 +9445,6 @@
               </a:rPr>
               <a:t>Irene modeled with regularized GLM  - start with complexity </a:t>
             </a:r>
-            <a:endParaRPr sz="2077">
-              <a:uFill>
-                <a:solidFill>
-                  <a:srgbClr val="535C62"/>
-                </a:solidFill>
-              </a:uFill>
-            </a:endParaRPr>
           </a:p>
           <a:p>
             <a:pPr lvl="0" defTabSz="306324">
@@ -9437,13 +9468,6 @@
               </a:rPr>
               <a:t>and let model generalize with regularization</a:t>
             </a:r>
-            <a:endParaRPr sz="2077">
-              <a:uFill>
-                <a:solidFill>
-                  <a:srgbClr val="535C62"/>
-                </a:solidFill>
-              </a:uFill>
-            </a:endParaRPr>
           </a:p>
           <a:p>
             <a:pPr lvl="0" defTabSz="306324">
@@ -9544,12 +9568,12 @@
   <p:clrMapOvr>
     <a:masterClrMapping/>
   </p:clrMapOvr>
-  <p:transition spd="med" advClick="1"/>
+  <p:transition xmlns:p14="http://schemas.microsoft.com/office/powerpoint/2010/main" spd="med"/>
 </p:sld>
 </file>
 
 <file path=ppt/slides/slide9.xml><?xml version="1.0" encoding="utf-8"?>
-<p:sld xmlns:a="http://schemas.openxmlformats.org/drawingml/2006/main" xmlns:r="http://schemas.openxmlformats.org/officeDocument/2006/relationships" xmlns:p="http://schemas.openxmlformats.org/presentationml/2006/main" showMasterSp="1" showMasterPhAnim="1">
+<p:sld xmlns:a="http://schemas.openxmlformats.org/drawingml/2006/main" xmlns:r="http://schemas.openxmlformats.org/officeDocument/2006/relationships" xmlns:p="http://schemas.openxmlformats.org/presentationml/2006/main">
   <p:cSld>
     <p:spTree>
       <p:nvGrpSpPr>
@@ -9568,7 +9592,9 @@
       <p:sp>
         <p:nvSpPr>
           <p:cNvPr id="85" name="Shape 85"/>
-          <p:cNvSpPr/>
+          <p:cNvSpPr>
+            <a:spLocks noGrp="1"/>
+          </p:cNvSpPr>
           <p:nvPr>
             <p:ph type="title"/>
           </p:nvPr>
@@ -9603,7 +9629,7 @@
               </a:defRPr>
             </a:pPr>
             <a:r>
-              <a:rPr sz="4185">
+              <a:rPr sz="4185" dirty="0" smtClean="0">
                 <a:solidFill>
                   <a:srgbClr val="272B2E"/>
                 </a:solidFill>
@@ -9613,7 +9639,85 @@
                   </a:solidFill>
                 </a:uFill>
               </a:rPr>
-              <a:t>WWAM: What would Anqi Model? </a:t>
+              <a:t>WW</a:t>
+            </a:r>
+            <a:r>
+              <a:rPr lang="en-US" sz="4185" dirty="0" smtClean="0">
+                <a:solidFill>
+                  <a:srgbClr val="272B2E"/>
+                </a:solidFill>
+                <a:uFill>
+                  <a:solidFill>
+                    <a:srgbClr val="A6A8AC"/>
+                  </a:solidFill>
+                </a:uFill>
+              </a:rPr>
+              <a:t>I</a:t>
+            </a:r>
+            <a:r>
+              <a:rPr sz="4185" dirty="0" smtClean="0">
+                <a:solidFill>
+                  <a:srgbClr val="272B2E"/>
+                </a:solidFill>
+                <a:uFill>
+                  <a:solidFill>
+                    <a:srgbClr val="A6A8AC"/>
+                  </a:solidFill>
+                </a:uFill>
+              </a:rPr>
+              <a:t>M</a:t>
+            </a:r>
+            <a:r>
+              <a:rPr sz="4185" dirty="0">
+                <a:solidFill>
+                  <a:srgbClr val="272B2E"/>
+                </a:solidFill>
+                <a:uFill>
+                  <a:solidFill>
+                    <a:srgbClr val="A6A8AC"/>
+                  </a:solidFill>
+                </a:uFill>
+              </a:rPr>
+              <a:t>: What would </a:t>
+            </a:r>
+            <a:r>
+              <a:rPr lang="en-US" sz="4185" dirty="0" smtClean="0">
+                <a:solidFill>
+                  <a:srgbClr val="272B2E"/>
+                </a:solidFill>
+                <a:uFill>
+                  <a:solidFill>
+                    <a:srgbClr val="A6A8AC"/>
+                  </a:solidFill>
+                </a:uFill>
+              </a:rPr>
+              <a:t>Irene </a:t>
+            </a:r>
+            <a:r>
+              <a:rPr sz="4185" dirty="0" smtClean="0">
+                <a:solidFill>
+                  <a:srgbClr val="272B2E"/>
+                </a:solidFill>
+                <a:uFill>
+                  <a:solidFill>
+                    <a:srgbClr val="A6A8AC"/>
+                  </a:solidFill>
+                </a:uFill>
+              </a:rPr>
+              <a:t>Model</a:t>
+            </a:r>
+            <a:r>
+              <a:rPr sz="4185" dirty="0">
+                <a:solidFill>
+                  <a:srgbClr val="272B2E"/>
+                </a:solidFill>
+                <a:uFill>
+                  <a:solidFill>
+                    <a:srgbClr val="A6A8AC"/>
+                  </a:solidFill>
+                </a:uFill>
+              </a:rPr>
+              <a:t>? </a:t>
             </a:r>
           </a:p>
         </p:txBody>
@@ -9621,7 +9725,9 @@
       <p:sp>
         <p:nvSpPr>
           <p:cNvPr id="86" name="Shape 86"/>
-          <p:cNvSpPr/>
+          <p:cNvSpPr>
+            <a:spLocks noGrp="1"/>
+          </p:cNvSpPr>
           <p:nvPr>
             <p:ph type="body" idx="1"/>
           </p:nvPr>
@@ -9651,7 +9757,7 @@
               </a:defRPr>
             </a:pPr>
             <a:r>
-              <a:rPr sz="2352">
+              <a:rPr sz="2352" dirty="0">
                 <a:uFill>
                   <a:solidFill>
                     <a:srgbClr val="535C62"/>
@@ -9660,13 +9766,6 @@
               </a:rPr>
               <a:t>Using Gradient Boosted Classification on two classes </a:t>
             </a:r>
-            <a:endParaRPr sz="2352">
-              <a:uFill>
-                <a:solidFill>
-                  <a:srgbClr val="535C62"/>
-                </a:solidFill>
-              </a:uFill>
-            </a:endParaRPr>
           </a:p>
           <a:p>
             <a:pPr lvl="0" defTabSz="448055">
@@ -9680,7 +9779,7 @@
                 <a:uFillTx/>
               </a:defRPr>
             </a:pPr>
-            <a:endParaRPr sz="2352">
+            <a:endParaRPr sz="2352" dirty="0">
               <a:uFill>
                 <a:solidFill>
                   <a:srgbClr val="535C62"/>
@@ -9701,7 +9800,7 @@
               </a:defRPr>
             </a:pPr>
             <a:r>
-              <a:rPr sz="2352">
+              <a:rPr sz="2352" dirty="0">
                 <a:uFill>
                   <a:solidFill>
                     <a:srgbClr val="535C62"/>
@@ -9710,13 +9809,6 @@
               </a:rPr>
               <a:t>GBM is nonparametric, great when there’s no theoretical model. </a:t>
             </a:r>
-            <a:endParaRPr sz="2352">
-              <a:uFill>
-                <a:solidFill>
-                  <a:srgbClr val="535C62"/>
-                </a:solidFill>
-              </a:uFill>
-            </a:endParaRPr>
           </a:p>
           <a:p>
             <a:pPr lvl="0" defTabSz="448055">
@@ -9730,7 +9822,7 @@
                 <a:uFillTx/>
               </a:defRPr>
             </a:pPr>
-            <a:endParaRPr sz="2352">
+            <a:endParaRPr sz="2352" dirty="0">
               <a:uFill>
                 <a:solidFill>
                   <a:srgbClr val="535C62"/>
@@ -9751,7 +9843,7 @@
               </a:defRPr>
             </a:pPr>
             <a:r>
-              <a:rPr sz="2352">
+              <a:rPr sz="2352" dirty="0">
                 <a:uFill>
                   <a:solidFill>
                     <a:srgbClr val="535C62"/>
@@ -9760,13 +9852,6 @@
               </a:rPr>
               <a:t>Accounts for complex interaction </a:t>
             </a:r>
-            <a:endParaRPr sz="2352">
-              <a:uFill>
-                <a:solidFill>
-                  <a:srgbClr val="535C62"/>
-                </a:solidFill>
-              </a:uFill>
-            </a:endParaRPr>
           </a:p>
           <a:p>
             <a:pPr lvl="0" defTabSz="448055">
@@ -9780,7 +9865,7 @@
                 <a:uFillTx/>
               </a:defRPr>
             </a:pPr>
-            <a:endParaRPr sz="2352">
+            <a:endParaRPr sz="2352" dirty="0">
               <a:uFill>
                 <a:solidFill>
                   <a:srgbClr val="535C62"/>
@@ -9801,7 +9886,7 @@
               </a:defRPr>
             </a:pPr>
             <a:r>
-              <a:rPr sz="2352">
+              <a:rPr sz="2352" dirty="0">
                 <a:uFill>
                   <a:solidFill>
                     <a:srgbClr val="535C62"/>
@@ -9810,13 +9895,6 @@
               </a:rPr>
               <a:t>Control overfitting with learning rate </a:t>
             </a:r>
-            <a:endParaRPr sz="2352">
-              <a:uFill>
-                <a:solidFill>
-                  <a:srgbClr val="535C62"/>
-                </a:solidFill>
-              </a:uFill>
-            </a:endParaRPr>
           </a:p>
         </p:txBody>
       </p:sp>
@@ -9825,12 +9903,12 @@
   <p:clrMapOvr>
     <a:masterClrMapping/>
   </p:clrMapOvr>
-  <p:transition spd="med" advClick="1"/>
+  <p:transition xmlns:p14="http://schemas.microsoft.com/office/powerpoint/2010/main" spd="med"/>
 </p:sld>
 </file>
 
 <file path=ppt/theme/theme1.xml><?xml version="1.0" encoding="utf-8"?>
-<a:theme xmlns:a="http://schemas.openxmlformats.org/drawingml/2006/main" xmlns:r="http://schemas.openxmlformats.org/officeDocument/2006/relationships" name="Default">
+<a:theme xmlns:a="http://schemas.openxmlformats.org/drawingml/2006/main" name="Default">
   <a:themeElements>
     <a:clrScheme name="Default">
       <a:dk1>
@@ -9956,7 +10034,7 @@
       <a:effectStyleLst>
         <a:effectStyle>
           <a:effectLst>
-            <a:outerShdw sx="100000" sy="100000" kx="0" ky="0" algn="b" rotWithShape="0" blurRad="38100" dist="23000" dir="5400000">
+            <a:outerShdw blurRad="38100" dist="23000" dir="5400000" rotWithShape="0">
               <a:srgbClr val="000000">
                 <a:alpha val="35000"/>
               </a:srgbClr>
@@ -9965,7 +10043,7 @@
         </a:effectStyle>
         <a:effectStyle>
           <a:effectLst>
-            <a:outerShdw sx="100000" sy="100000" kx="0" ky="0" algn="b" rotWithShape="0" blurRad="38100" dist="23000" dir="5400000">
+            <a:outerShdw blurRad="38100" dist="23000" dir="5400000" rotWithShape="0">
               <a:srgbClr val="000000">
                 <a:alpha val="35000"/>
               </a:srgbClr>
@@ -9974,7 +10052,7 @@
         </a:effectStyle>
         <a:effectStyle>
           <a:effectLst>
-            <a:outerShdw sx="100000" sy="100000" kx="0" ky="0" algn="b" rotWithShape="0" blurRad="38100" dist="20000" dir="5400000">
+            <a:outerShdw blurRad="38100" dist="20000" dir="5400000" rotWithShape="0">
               <a:srgbClr val="000000">
                 <a:alpha val="38000"/>
               </a:srgbClr>
@@ -10048,14 +10126,14 @@
           <a:round/>
         </a:ln>
         <a:effectLst>
-          <a:outerShdw sx="100000" sy="100000" kx="0" ky="0" algn="b" rotWithShape="0" blurRad="38100" dist="23000" dir="5400000">
+          <a:outerShdw blurRad="38100" dist="23000" dir="5400000" rotWithShape="0">
             <a:srgbClr val="000000">
               <a:alpha val="35000"/>
             </a:srgbClr>
           </a:outerShdw>
         </a:effectLst>
       </a:spPr>
-      <a:bodyPr rot="0" spcFirstLastPara="1" vertOverflow="overflow" horzOverflow="overflow" vert="horz" wrap="square" lIns="45719" tIns="45719" rIns="45719" bIns="45719" numCol="1" spcCol="38100" rtlCol="0" anchor="ctr" upright="0">
+      <a:bodyPr rot="0" spcFirstLastPara="1" vertOverflow="overflow" horzOverflow="overflow" vert="horz" wrap="square" lIns="45719" tIns="45719" rIns="45719" bIns="45719" numCol="1" spcCol="38100" rtlCol="0" anchor="ctr">
         <a:spAutoFit/>
       </a:bodyPr>
       <a:lstStyle>
@@ -10074,7 +10152,7 @@
           <a:buFontTx/>
           <a:buNone/>
           <a:tabLst/>
-          <a:defRPr b="0" baseline="0" cap="none" i="0" spc="0" strike="noStrike" sz="1800" u="none" kumimoji="0" normalizeH="0">
+          <a:defRPr kumimoji="0" sz="1800" b="0" i="0" u="none" strike="noStrike" cap="none" spc="0" normalizeH="0" baseline="0">
             <a:ln>
               <a:noFill/>
             </a:ln>
@@ -10108,7 +10186,7 @@
           <a:buFontTx/>
           <a:buNone/>
           <a:tabLst/>
-          <a:defRPr b="0" baseline="0" cap="none" i="0" spc="0" strike="noStrike" sz="1800" u="none" kumimoji="0" normalizeH="0">
+          <a:defRPr kumimoji="0" sz="1800" b="0" i="0" u="none" strike="noStrike" cap="none" spc="0" normalizeH="0" baseline="0">
             <a:ln>
               <a:noFill/>
             </a:ln>
@@ -10134,7 +10212,7 @@
           <a:buFontTx/>
           <a:buNone/>
           <a:tabLst/>
-          <a:defRPr b="0" baseline="0" cap="none" i="0" spc="0" strike="noStrike" sz="1800" u="none" kumimoji="0" normalizeH="0">
+          <a:defRPr kumimoji="0" sz="1800" b="0" i="0" u="none" strike="noStrike" cap="none" spc="0" normalizeH="0" baseline="0">
             <a:ln>
               <a:noFill/>
             </a:ln>
@@ -10160,7 +10238,7 @@
           <a:buFontTx/>
           <a:buNone/>
           <a:tabLst/>
-          <a:defRPr b="0" baseline="0" cap="none" i="0" spc="0" strike="noStrike" sz="1800" u="none" kumimoji="0" normalizeH="0">
+          <a:defRPr kumimoji="0" sz="1800" b="0" i="0" u="none" strike="noStrike" cap="none" spc="0" normalizeH="0" baseline="0">
             <a:ln>
               <a:noFill/>
             </a:ln>
@@ -10186,7 +10264,7 @@
           <a:buFontTx/>
           <a:buNone/>
           <a:tabLst/>
-          <a:defRPr b="0" baseline="0" cap="none" i="0" spc="0" strike="noStrike" sz="1800" u="none" kumimoji="0" normalizeH="0">
+          <a:defRPr kumimoji="0" sz="1800" b="0" i="0" u="none" strike="noStrike" cap="none" spc="0" normalizeH="0" baseline="0">
             <a:ln>
               <a:noFill/>
             </a:ln>
@@ -10212,7 +10290,7 @@
           <a:buFontTx/>
           <a:buNone/>
           <a:tabLst/>
-          <a:defRPr b="0" baseline="0" cap="none" i="0" spc="0" strike="noStrike" sz="1800" u="none" kumimoji="0" normalizeH="0">
+          <a:defRPr kumimoji="0" sz="1800" b="0" i="0" u="none" strike="noStrike" cap="none" spc="0" normalizeH="0" baseline="0">
             <a:ln>
               <a:noFill/>
             </a:ln>
@@ -10238,7 +10316,7 @@
           <a:buFontTx/>
           <a:buNone/>
           <a:tabLst/>
-          <a:defRPr b="0" baseline="0" cap="none" i="0" spc="0" strike="noStrike" sz="1800" u="none" kumimoji="0" normalizeH="0">
+          <a:defRPr kumimoji="0" sz="1800" b="0" i="0" u="none" strike="noStrike" cap="none" spc="0" normalizeH="0" baseline="0">
             <a:ln>
               <a:noFill/>
             </a:ln>
@@ -10264,7 +10342,7 @@
           <a:buFontTx/>
           <a:buNone/>
           <a:tabLst/>
-          <a:defRPr b="0" baseline="0" cap="none" i="0" spc="0" strike="noStrike" sz="1800" u="none" kumimoji="0" normalizeH="0">
+          <a:defRPr kumimoji="0" sz="1800" b="0" i="0" u="none" strike="noStrike" cap="none" spc="0" normalizeH="0" baseline="0">
             <a:ln>
               <a:noFill/>
             </a:ln>
@@ -10290,7 +10368,7 @@
           <a:buFontTx/>
           <a:buNone/>
           <a:tabLst/>
-          <a:defRPr b="0" baseline="0" cap="none" i="0" spc="0" strike="noStrike" sz="1800" u="none" kumimoji="0" normalizeH="0">
+          <a:defRPr kumimoji="0" sz="1800" b="0" i="0" u="none" strike="noStrike" cap="none" spc="0" normalizeH="0" baseline="0">
             <a:ln>
               <a:noFill/>
             </a:ln>
@@ -10316,7 +10394,7 @@
           <a:buFontTx/>
           <a:buNone/>
           <a:tabLst/>
-          <a:defRPr b="0" baseline="0" cap="none" i="0" spc="0" strike="noStrike" sz="1800" u="none" kumimoji="0" normalizeH="0">
+          <a:defRPr kumimoji="0" sz="1800" b="0" i="0" u="none" strike="noStrike" cap="none" spc="0" normalizeH="0" baseline="0">
             <a:ln>
               <a:noFill/>
             </a:ln>
@@ -10329,9 +10407,15 @@
         </a:lvl9pPr>
       </a:lstStyle>
       <a:style>
-        <a:lnRef idx="0"/>
-        <a:fillRef idx="0"/>
-        <a:effectRef idx="0"/>
+        <a:lnRef idx="0">
+          <a:scrgbClr r="0" g="0" b="0"/>
+        </a:lnRef>
+        <a:fillRef idx="0">
+          <a:scrgbClr r="0" g="0" b="0"/>
+        </a:fillRef>
+        <a:effectRef idx="0">
+          <a:scrgbClr r="0" g="0" b="0"/>
+        </a:effectRef>
         <a:fontRef idx="none"/>
       </a:style>
     </a:spDef>
@@ -10346,14 +10430,14 @@
           <a:round/>
         </a:ln>
         <a:effectLst>
-          <a:outerShdw sx="100000" sy="100000" kx="0" ky="0" algn="b" rotWithShape="0" blurRad="38100" dist="20000" dir="5400000">
+          <a:outerShdw blurRad="38100" dist="20000" dir="5400000" rotWithShape="0">
             <a:srgbClr val="000000">
               <a:alpha val="38000"/>
             </a:srgbClr>
           </a:outerShdw>
         </a:effectLst>
       </a:spPr>
-      <a:bodyPr rot="0" spcFirstLastPara="1" vertOverflow="overflow" horzOverflow="overflow" vert="horz" wrap="square" lIns="91439" tIns="45719" rIns="91439" bIns="45719" numCol="1" spcCol="38100" rtlCol="0" anchor="t" upright="0">
+      <a:bodyPr rot="0" spcFirstLastPara="1" vertOverflow="overflow" horzOverflow="overflow" vert="horz" wrap="square" lIns="91439" tIns="45719" rIns="91439" bIns="45719" numCol="1" spcCol="38100" rtlCol="0" anchor="t">
         <a:noAutofit/>
       </a:bodyPr>
       <a:lstStyle>
@@ -10372,7 +10456,7 @@
           <a:buFontTx/>
           <a:buNone/>
           <a:tabLst/>
-          <a:defRPr b="0" baseline="0" cap="none" i="0" spc="0" strike="noStrike" sz="1800" u="none" kumimoji="0" normalizeH="0">
+          <a:defRPr kumimoji="0" sz="1800" b="0" i="0" u="none" strike="noStrike" cap="none" spc="0" normalizeH="0" baseline="0">
             <a:ln>
               <a:noFill/>
             </a:ln>
@@ -10398,7 +10482,7 @@
           <a:buFontTx/>
           <a:buNone/>
           <a:tabLst/>
-          <a:defRPr b="0" baseline="0" cap="none" i="0" spc="0" strike="noStrike" sz="1800" u="none" kumimoji="0" normalizeH="0">
+          <a:defRPr kumimoji="0" sz="1800" b="0" i="0" u="none" strike="noStrike" cap="none" spc="0" normalizeH="0" baseline="0">
             <a:ln>
               <a:noFill/>
             </a:ln>
@@ -10424,7 +10508,7 @@
           <a:buFontTx/>
           <a:buNone/>
           <a:tabLst/>
-          <a:defRPr b="0" baseline="0" cap="none" i="0" spc="0" strike="noStrike" sz="1800" u="none" kumimoji="0" normalizeH="0">
+          <a:defRPr kumimoji="0" sz="1800" b="0" i="0" u="none" strike="noStrike" cap="none" spc="0" normalizeH="0" baseline="0">
             <a:ln>
               <a:noFill/>
             </a:ln>
@@ -10450,7 +10534,7 @@
           <a:buFontTx/>
           <a:buNone/>
           <a:tabLst/>
-          <a:defRPr b="0" baseline="0" cap="none" i="0" spc="0" strike="noStrike" sz="1800" u="none" kumimoji="0" normalizeH="0">
+          <a:defRPr kumimoji="0" sz="1800" b="0" i="0" u="none" strike="noStrike" cap="none" spc="0" normalizeH="0" baseline="0">
             <a:ln>
               <a:noFill/>
             </a:ln>
@@ -10476,7 +10560,7 @@
           <a:buFontTx/>
           <a:buNone/>
           <a:tabLst/>
-          <a:defRPr b="0" baseline="0" cap="none" i="0" spc="0" strike="noStrike" sz="1800" u="none" kumimoji="0" normalizeH="0">
+          <a:defRPr kumimoji="0" sz="1800" b="0" i="0" u="none" strike="noStrike" cap="none" spc="0" normalizeH="0" baseline="0">
             <a:ln>
               <a:noFill/>
             </a:ln>
@@ -10502,7 +10586,7 @@
           <a:buFontTx/>
           <a:buNone/>
           <a:tabLst/>
-          <a:defRPr b="0" baseline="0" cap="none" i="0" spc="0" strike="noStrike" sz="1800" u="none" kumimoji="0" normalizeH="0">
+          <a:defRPr kumimoji="0" sz="1800" b="0" i="0" u="none" strike="noStrike" cap="none" spc="0" normalizeH="0" baseline="0">
             <a:ln>
               <a:noFill/>
             </a:ln>
@@ -10528,7 +10612,7 @@
           <a:buFontTx/>
           <a:buNone/>
           <a:tabLst/>
-          <a:defRPr b="0" baseline="0" cap="none" i="0" spc="0" strike="noStrike" sz="1800" u="none" kumimoji="0" normalizeH="0">
+          <a:defRPr kumimoji="0" sz="1800" b="0" i="0" u="none" strike="noStrike" cap="none" spc="0" normalizeH="0" baseline="0">
             <a:ln>
               <a:noFill/>
             </a:ln>
@@ -10554,7 +10638,7 @@
           <a:buFontTx/>
           <a:buNone/>
           <a:tabLst/>
-          <a:defRPr b="0" baseline="0" cap="none" i="0" spc="0" strike="noStrike" sz="1800" u="none" kumimoji="0" normalizeH="0">
+          <a:defRPr kumimoji="0" sz="1800" b="0" i="0" u="none" strike="noStrike" cap="none" spc="0" normalizeH="0" baseline="0">
             <a:ln>
               <a:noFill/>
             </a:ln>
@@ -10580,7 +10664,7 @@
           <a:buFontTx/>
           <a:buNone/>
           <a:tabLst/>
-          <a:defRPr b="0" baseline="0" cap="none" i="0" spc="0" strike="noStrike" sz="1800" u="none" kumimoji="0" normalizeH="0">
+          <a:defRPr kumimoji="0" sz="1800" b="0" i="0" u="none" strike="noStrike" cap="none" spc="0" normalizeH="0" baseline="0">
             <a:ln>
               <a:noFill/>
             </a:ln>
@@ -10606,7 +10690,7 @@
           <a:buFontTx/>
           <a:buNone/>
           <a:tabLst/>
-          <a:defRPr b="0" baseline="0" cap="none" i="0" spc="0" strike="noStrike" sz="1800" u="none" kumimoji="0" normalizeH="0">
+          <a:defRPr kumimoji="0" sz="1800" b="0" i="0" u="none" strike="noStrike" cap="none" spc="0" normalizeH="0" baseline="0">
             <a:ln>
               <a:noFill/>
             </a:ln>
@@ -10619,9 +10703,15 @@
         </a:lvl9pPr>
       </a:lstStyle>
       <a:style>
-        <a:lnRef idx="0"/>
-        <a:fillRef idx="0"/>
-        <a:effectRef idx="0"/>
+        <a:lnRef idx="0">
+          <a:scrgbClr r="0" g="0" b="0"/>
+        </a:lnRef>
+        <a:fillRef idx="0">
+          <a:scrgbClr r="0" g="0" b="0"/>
+        </a:fillRef>
+        <a:effectRef idx="0">
+          <a:scrgbClr r="0" g="0" b="0"/>
+        </a:effectRef>
         <a:fontRef idx="none"/>
       </a:style>
     </a:lnDef>
@@ -10634,7 +10724,7 @@
         </a:ln>
         <a:effectLst/>
       </a:spPr>
-      <a:bodyPr rot="0" spcFirstLastPara="1" vertOverflow="overflow" horzOverflow="overflow" vert="horz" wrap="square" lIns="45719" tIns="45719" rIns="45719" bIns="45719" numCol="1" spcCol="38100" rtlCol="0" anchor="t" upright="0">
+      <a:bodyPr rot="0" spcFirstLastPara="1" vertOverflow="overflow" horzOverflow="overflow" vert="horz" wrap="square" lIns="45719" tIns="45719" rIns="45719" bIns="45719" numCol="1" spcCol="38100" rtlCol="0" anchor="t">
         <a:spAutoFit/>
       </a:bodyPr>
       <a:lstStyle>
@@ -10653,7 +10743,7 @@
           <a:buFontTx/>
           <a:buNone/>
           <a:tabLst/>
-          <a:defRPr b="0" baseline="0" cap="none" i="0" spc="0" strike="noStrike" sz="1800" u="none" kumimoji="0" normalizeH="0">
+          <a:defRPr kumimoji="0" sz="1800" b="0" i="0" u="none" strike="noStrike" cap="none" spc="0" normalizeH="0" baseline="0">
             <a:ln>
               <a:noFill/>
             </a:ln>
@@ -10687,7 +10777,7 @@
           <a:buFontTx/>
           <a:buNone/>
           <a:tabLst/>
-          <a:defRPr b="0" baseline="0" cap="none" i="0" spc="0" strike="noStrike" sz="1800" u="none" kumimoji="0" normalizeH="0">
+          <a:defRPr kumimoji="0" sz="1800" b="0" i="0" u="none" strike="noStrike" cap="none" spc="0" normalizeH="0" baseline="0">
             <a:ln>
               <a:noFill/>
             </a:ln>
@@ -10713,7 +10803,7 @@
           <a:buFontTx/>
           <a:buNone/>
           <a:tabLst/>
-          <a:defRPr b="0" baseline="0" cap="none" i="0" spc="0" strike="noStrike" sz="1800" u="none" kumimoji="0" normalizeH="0">
+          <a:defRPr kumimoji="0" sz="1800" b="0" i="0" u="none" strike="noStrike" cap="none" spc="0" normalizeH="0" baseline="0">
             <a:ln>
               <a:noFill/>
             </a:ln>
@@ -10739,7 +10829,7 @@
           <a:buFontTx/>
           <a:buNone/>
           <a:tabLst/>
-          <a:defRPr b="0" baseline="0" cap="none" i="0" spc="0" strike="noStrike" sz="1800" u="none" kumimoji="0" normalizeH="0">
+          <a:defRPr kumimoji="0" sz="1800" b="0" i="0" u="none" strike="noStrike" cap="none" spc="0" normalizeH="0" baseline="0">
             <a:ln>
               <a:noFill/>
             </a:ln>
@@ -10765,7 +10855,7 @@
           <a:buFontTx/>
           <a:buNone/>
           <a:tabLst/>
-          <a:defRPr b="0" baseline="0" cap="none" i="0" spc="0" strike="noStrike" sz="1800" u="none" kumimoji="0" normalizeH="0">
+          <a:defRPr kumimoji="0" sz="1800" b="0" i="0" u="none" strike="noStrike" cap="none" spc="0" normalizeH="0" baseline="0">
             <a:ln>
               <a:noFill/>
             </a:ln>
@@ -10791,7 +10881,7 @@
           <a:buFontTx/>
           <a:buNone/>
           <a:tabLst/>
-          <a:defRPr b="0" baseline="0" cap="none" i="0" spc="0" strike="noStrike" sz="1800" u="none" kumimoji="0" normalizeH="0">
+          <a:defRPr kumimoji="0" sz="1800" b="0" i="0" u="none" strike="noStrike" cap="none" spc="0" normalizeH="0" baseline="0">
             <a:ln>
               <a:noFill/>
             </a:ln>
@@ -10817,7 +10907,7 @@
           <a:buFontTx/>
           <a:buNone/>
           <a:tabLst/>
-          <a:defRPr b="0" baseline="0" cap="none" i="0" spc="0" strike="noStrike" sz="1800" u="none" kumimoji="0" normalizeH="0">
+          <a:defRPr kumimoji="0" sz="1800" b="0" i="0" u="none" strike="noStrike" cap="none" spc="0" normalizeH="0" baseline="0">
             <a:ln>
               <a:noFill/>
             </a:ln>
@@ -10843,7 +10933,7 @@
           <a:buFontTx/>
           <a:buNone/>
           <a:tabLst/>
-          <a:defRPr b="0" baseline="0" cap="none" i="0" spc="0" strike="noStrike" sz="1800" u="none" kumimoji="0" normalizeH="0">
+          <a:defRPr kumimoji="0" sz="1800" b="0" i="0" u="none" strike="noStrike" cap="none" spc="0" normalizeH="0" baseline="0">
             <a:ln>
               <a:noFill/>
             </a:ln>
@@ -10869,7 +10959,7 @@
           <a:buFontTx/>
           <a:buNone/>
           <a:tabLst/>
-          <a:defRPr b="0" baseline="0" cap="none" i="0" spc="0" strike="noStrike" sz="1800" u="none" kumimoji="0" normalizeH="0">
+          <a:defRPr kumimoji="0" sz="1800" b="0" i="0" u="none" strike="noStrike" cap="none" spc="0" normalizeH="0" baseline="0">
             <a:ln>
               <a:noFill/>
             </a:ln>
@@ -10895,7 +10985,7 @@
           <a:buFontTx/>
           <a:buNone/>
           <a:tabLst/>
-          <a:defRPr b="0" baseline="0" cap="none" i="0" spc="0" strike="noStrike" sz="1800" u="none" kumimoji="0" normalizeH="0">
+          <a:defRPr kumimoji="0" sz="1800" b="0" i="0" u="none" strike="noStrike" cap="none" spc="0" normalizeH="0" baseline="0">
             <a:ln>
               <a:noFill/>
             </a:ln>
@@ -10908,18 +10998,25 @@
         </a:lvl9pPr>
       </a:lstStyle>
       <a:style>
-        <a:lnRef idx="0"/>
-        <a:fillRef idx="0"/>
-        <a:effectRef idx="0"/>
+        <a:lnRef idx="0">
+          <a:scrgbClr r="0" g="0" b="0"/>
+        </a:lnRef>
+        <a:fillRef idx="0">
+          <a:scrgbClr r="0" g="0" b="0"/>
+        </a:fillRef>
+        <a:effectRef idx="0">
+          <a:scrgbClr r="0" g="0" b="0"/>
+        </a:effectRef>
         <a:fontRef idx="none"/>
       </a:style>
     </a:txDef>
   </a:objectDefaults>
+  <a:extraClrSchemeLst/>
 </a:theme>
 </file>
 
 <file path=ppt/theme/theme2.xml><?xml version="1.0" encoding="utf-8"?>
-<a:theme xmlns:a="http://schemas.openxmlformats.org/drawingml/2006/main" xmlns:r="http://schemas.openxmlformats.org/officeDocument/2006/relationships" name="Default">
+<a:theme xmlns:a="http://schemas.openxmlformats.org/drawingml/2006/main" name="Default">
   <a:themeElements>
     <a:clrScheme name="Default">
       <a:dk1>
@@ -11045,7 +11142,7 @@
       <a:effectStyleLst>
         <a:effectStyle>
           <a:effectLst>
-            <a:outerShdw sx="100000" sy="100000" kx="0" ky="0" algn="b" rotWithShape="0" blurRad="38100" dist="23000" dir="5400000">
+            <a:outerShdw blurRad="38100" dist="23000" dir="5400000" rotWithShape="0">
               <a:srgbClr val="000000">
                 <a:alpha val="35000"/>
               </a:srgbClr>
@@ -11054,7 +11151,7 @@
         </a:effectStyle>
         <a:effectStyle>
           <a:effectLst>
-            <a:outerShdw sx="100000" sy="100000" kx="0" ky="0" algn="b" rotWithShape="0" blurRad="38100" dist="23000" dir="5400000">
+            <a:outerShdw blurRad="38100" dist="23000" dir="5400000" rotWithShape="0">
               <a:srgbClr val="000000">
                 <a:alpha val="35000"/>
               </a:srgbClr>
@@ -11063,7 +11160,7 @@
         </a:effectStyle>
         <a:effectStyle>
           <a:effectLst>
-            <a:outerShdw sx="100000" sy="100000" kx="0" ky="0" algn="b" rotWithShape="0" blurRad="38100" dist="20000" dir="5400000">
+            <a:outerShdw blurRad="38100" dist="20000" dir="5400000" rotWithShape="0">
               <a:srgbClr val="000000">
                 <a:alpha val="38000"/>
               </a:srgbClr>
@@ -11137,14 +11234,14 @@
           <a:round/>
         </a:ln>
         <a:effectLst>
-          <a:outerShdw sx="100000" sy="100000" kx="0" ky="0" algn="b" rotWithShape="0" blurRad="38100" dist="23000" dir="5400000">
+          <a:outerShdw blurRad="38100" dist="23000" dir="5400000" rotWithShape="0">
             <a:srgbClr val="000000">
               <a:alpha val="35000"/>
             </a:srgbClr>
           </a:outerShdw>
         </a:effectLst>
       </a:spPr>
-      <a:bodyPr rot="0" spcFirstLastPara="1" vertOverflow="overflow" horzOverflow="overflow" vert="horz" wrap="square" lIns="45719" tIns="45719" rIns="45719" bIns="45719" numCol="1" spcCol="38100" rtlCol="0" anchor="ctr" upright="0">
+      <a:bodyPr rot="0" spcFirstLastPara="1" vertOverflow="overflow" horzOverflow="overflow" vert="horz" wrap="square" lIns="45719" tIns="45719" rIns="45719" bIns="45719" numCol="1" spcCol="38100" rtlCol="0" anchor="ctr">
         <a:spAutoFit/>
       </a:bodyPr>
       <a:lstStyle>
@@ -11163,7 +11260,7 @@
           <a:buFontTx/>
           <a:buNone/>
           <a:tabLst/>
-          <a:defRPr b="0" baseline="0" cap="none" i="0" spc="0" strike="noStrike" sz="1800" u="none" kumimoji="0" normalizeH="0">
+          <a:defRPr kumimoji="0" sz="1800" b="0" i="0" u="none" strike="noStrike" cap="none" spc="0" normalizeH="0" baseline="0">
             <a:ln>
               <a:noFill/>
             </a:ln>
@@ -11197,7 +11294,7 @@
           <a:buFontTx/>
           <a:buNone/>
           <a:tabLst/>
-          <a:defRPr b="0" baseline="0" cap="none" i="0" spc="0" strike="noStrike" sz="1800" u="none" kumimoji="0" normalizeH="0">
+          <a:defRPr kumimoji="0" sz="1800" b="0" i="0" u="none" strike="noStrike" cap="none" spc="0" normalizeH="0" baseline="0">
             <a:ln>
               <a:noFill/>
             </a:ln>
@@ -11223,7 +11320,7 @@
           <a:buFontTx/>
           <a:buNone/>
           <a:tabLst/>
-          <a:defRPr b="0" baseline="0" cap="none" i="0" spc="0" strike="noStrike" sz="1800" u="none" kumimoji="0" normalizeH="0">
+          <a:defRPr kumimoji="0" sz="1800" b="0" i="0" u="none" strike="noStrike" cap="none" spc="0" normalizeH="0" baseline="0">
             <a:ln>
               <a:noFill/>
             </a:ln>
@@ -11249,7 +11346,7 @@
           <a:buFontTx/>
           <a:buNone/>
           <a:tabLst/>
-          <a:defRPr b="0" baseline="0" cap="none" i="0" spc="0" strike="noStrike" sz="1800" u="none" kumimoji="0" normalizeH="0">
+          <a:defRPr kumimoji="0" sz="1800" b="0" i="0" u="none" strike="noStrike" cap="none" spc="0" normalizeH="0" baseline="0">
             <a:ln>
               <a:noFill/>
             </a:ln>
@@ -11275,7 +11372,7 @@
           <a:buFontTx/>
           <a:buNone/>
           <a:tabLst/>
-          <a:defRPr b="0" baseline="0" cap="none" i="0" spc="0" strike="noStrike" sz="1800" u="none" kumimoji="0" normalizeH="0">
+          <a:defRPr kumimoji="0" sz="1800" b="0" i="0" u="none" strike="noStrike" cap="none" spc="0" normalizeH="0" baseline="0">
             <a:ln>
               <a:noFill/>
             </a:ln>
@@ -11301,7 +11398,7 @@
           <a:buFontTx/>
           <a:buNone/>
           <a:tabLst/>
-          <a:defRPr b="0" baseline="0" cap="none" i="0" spc="0" strike="noStrike" sz="1800" u="none" kumimoji="0" normalizeH="0">
+          <a:defRPr kumimoji="0" sz="1800" b="0" i="0" u="none" strike="noStrike" cap="none" spc="0" normalizeH="0" baseline="0">
             <a:ln>
               <a:noFill/>
             </a:ln>
@@ -11327,7 +11424,7 @@
           <a:buFontTx/>
           <a:buNone/>
           <a:tabLst/>
-          <a:defRPr b="0" baseline="0" cap="none" i="0" spc="0" strike="noStrike" sz="1800" u="none" kumimoji="0" normalizeH="0">
+          <a:defRPr kumimoji="0" sz="1800" b="0" i="0" u="none" strike="noStrike" cap="none" spc="0" normalizeH="0" baseline="0">
             <a:ln>
               <a:noFill/>
             </a:ln>
@@ -11353,7 +11450,7 @@
           <a:buFontTx/>
           <a:buNone/>
           <a:tabLst/>
-          <a:defRPr b="0" baseline="0" cap="none" i="0" spc="0" strike="noStrike" sz="1800" u="none" kumimoji="0" normalizeH="0">
+          <a:defRPr kumimoji="0" sz="1800" b="0" i="0" u="none" strike="noStrike" cap="none" spc="0" normalizeH="0" baseline="0">
             <a:ln>
               <a:noFill/>
             </a:ln>
@@ -11379,7 +11476,7 @@
           <a:buFontTx/>
           <a:buNone/>
           <a:tabLst/>
-          <a:defRPr b="0" baseline="0" cap="none" i="0" spc="0" strike="noStrike" sz="1800" u="none" kumimoji="0" normalizeH="0">
+          <a:defRPr kumimoji="0" sz="1800" b="0" i="0" u="none" strike="noStrike" cap="none" spc="0" normalizeH="0" baseline="0">
             <a:ln>
               <a:noFill/>
             </a:ln>
@@ -11405,7 +11502,7 @@
           <a:buFontTx/>
           <a:buNone/>
           <a:tabLst/>
-          <a:defRPr b="0" baseline="0" cap="none" i="0" spc="0" strike="noStrike" sz="1800" u="none" kumimoji="0" normalizeH="0">
+          <a:defRPr kumimoji="0" sz="1800" b="0" i="0" u="none" strike="noStrike" cap="none" spc="0" normalizeH="0" baseline="0">
             <a:ln>
               <a:noFill/>
             </a:ln>
@@ -11418,9 +11515,15 @@
         </a:lvl9pPr>
       </a:lstStyle>
       <a:style>
-        <a:lnRef idx="0"/>
-        <a:fillRef idx="0"/>
-        <a:effectRef idx="0"/>
+        <a:lnRef idx="0">
+          <a:scrgbClr r="0" g="0" b="0"/>
+        </a:lnRef>
+        <a:fillRef idx="0">
+          <a:scrgbClr r="0" g="0" b="0"/>
+        </a:fillRef>
+        <a:effectRef idx="0">
+          <a:scrgbClr r="0" g="0" b="0"/>
+        </a:effectRef>
         <a:fontRef idx="none"/>
       </a:style>
     </a:spDef>
@@ -11435,14 +11538,14 @@
           <a:round/>
         </a:ln>
         <a:effectLst>
-          <a:outerShdw sx="100000" sy="100000" kx="0" ky="0" algn="b" rotWithShape="0" blurRad="38100" dist="20000" dir="5400000">
+          <a:outerShdw blurRad="38100" dist="20000" dir="5400000" rotWithShape="0">
             <a:srgbClr val="000000">
               <a:alpha val="38000"/>
             </a:srgbClr>
           </a:outerShdw>
         </a:effectLst>
       </a:spPr>
-      <a:bodyPr rot="0" spcFirstLastPara="1" vertOverflow="overflow" horzOverflow="overflow" vert="horz" wrap="square" lIns="91439" tIns="45719" rIns="91439" bIns="45719" numCol="1" spcCol="38100" rtlCol="0" anchor="t" upright="0">
+      <a:bodyPr rot="0" spcFirstLastPara="1" vertOverflow="overflow" horzOverflow="overflow" vert="horz" wrap="square" lIns="91439" tIns="45719" rIns="91439" bIns="45719" numCol="1" spcCol="38100" rtlCol="0" anchor="t">
         <a:noAutofit/>
       </a:bodyPr>
       <a:lstStyle>
@@ -11461,7 +11564,7 @@
           <a:buFontTx/>
           <a:buNone/>
           <a:tabLst/>
-          <a:defRPr b="0" baseline="0" cap="none" i="0" spc="0" strike="noStrike" sz="1800" u="none" kumimoji="0" normalizeH="0">
+          <a:defRPr kumimoji="0" sz="1800" b="0" i="0" u="none" strike="noStrike" cap="none" spc="0" normalizeH="0" baseline="0">
             <a:ln>
               <a:noFill/>
             </a:ln>
@@ -11487,7 +11590,7 @@
           <a:buFontTx/>
           <a:buNone/>
           <a:tabLst/>
-          <a:defRPr b="0" baseline="0" cap="none" i="0" spc="0" strike="noStrike" sz="1800" u="none" kumimoji="0" normalizeH="0">
+          <a:defRPr kumimoji="0" sz="1800" b="0" i="0" u="none" strike="noStrike" cap="none" spc="0" normalizeH="0" baseline="0">
             <a:ln>
               <a:noFill/>
             </a:ln>
@@ -11513,7 +11616,7 @@
           <a:buFontTx/>
           <a:buNone/>
           <a:tabLst/>
-          <a:defRPr b="0" baseline="0" cap="none" i="0" spc="0" strike="noStrike" sz="1800" u="none" kumimoji="0" normalizeH="0">
+          <a:defRPr kumimoji="0" sz="1800" b="0" i="0" u="none" strike="noStrike" cap="none" spc="0" normalizeH="0" baseline="0">
             <a:ln>
               <a:noFill/>
             </a:ln>
@@ -11539,7 +11642,7 @@
           <a:buFontTx/>
           <a:buNone/>
           <a:tabLst/>
-          <a:defRPr b="0" baseline="0" cap="none" i="0" spc="0" strike="noStrike" sz="1800" u="none" kumimoji="0" normalizeH="0">
+          <a:defRPr kumimoji="0" sz="1800" b="0" i="0" u="none" strike="noStrike" cap="none" spc="0" normalizeH="0" baseline="0">
             <a:ln>
               <a:noFill/>
             </a:ln>
@@ -11565,7 +11668,7 @@
           <a:buFontTx/>
           <a:buNone/>
           <a:tabLst/>
-          <a:defRPr b="0" baseline="0" cap="none" i="0" spc="0" strike="noStrike" sz="1800" u="none" kumimoji="0" normalizeH="0">
+          <a:defRPr kumimoji="0" sz="1800" b="0" i="0" u="none" strike="noStrike" cap="none" spc="0" normalizeH="0" baseline="0">
             <a:ln>
               <a:noFill/>
             </a:ln>
@@ -11591,7 +11694,7 @@
           <a:buFontTx/>
           <a:buNone/>
           <a:tabLst/>
-          <a:defRPr b="0" baseline="0" cap="none" i="0" spc="0" strike="noStrike" sz="1800" u="none" kumimoji="0" normalizeH="0">
+          <a:defRPr kumimoji="0" sz="1800" b="0" i="0" u="none" strike="noStrike" cap="none" spc="0" normalizeH="0" baseline="0">
             <a:ln>
               <a:noFill/>
             </a:ln>
@@ -11617,7 +11720,7 @@
           <a:buFontTx/>
           <a:buNone/>
           <a:tabLst/>
-          <a:defRPr b="0" baseline="0" cap="none" i="0" spc="0" strike="noStrike" sz="1800" u="none" kumimoji="0" normalizeH="0">
+          <a:defRPr kumimoji="0" sz="1800" b="0" i="0" u="none" strike="noStrike" cap="none" spc="0" normalizeH="0" baseline="0">
             <a:ln>
               <a:noFill/>
             </a:ln>
@@ -11643,7 +11746,7 @@
           <a:buFontTx/>
           <a:buNone/>
           <a:tabLst/>
-          <a:defRPr b="0" baseline="0" cap="none" i="0" spc="0" strike="noStrike" sz="1800" u="none" kumimoji="0" normalizeH="0">
+          <a:defRPr kumimoji="0" sz="1800" b="0" i="0" u="none" strike="noStrike" cap="none" spc="0" normalizeH="0" baseline="0">
             <a:ln>
               <a:noFill/>
             </a:ln>
@@ -11669,7 +11772,7 @@
           <a:buFontTx/>
           <a:buNone/>
           <a:tabLst/>
-          <a:defRPr b="0" baseline="0" cap="none" i="0" spc="0" strike="noStrike" sz="1800" u="none" kumimoji="0" normalizeH="0">
+          <a:defRPr kumimoji="0" sz="1800" b="0" i="0" u="none" strike="noStrike" cap="none" spc="0" normalizeH="0" baseline="0">
             <a:ln>
               <a:noFill/>
             </a:ln>
@@ -11695,7 +11798,7 @@
           <a:buFontTx/>
           <a:buNone/>
           <a:tabLst/>
-          <a:defRPr b="0" baseline="0" cap="none" i="0" spc="0" strike="noStrike" sz="1800" u="none" kumimoji="0" normalizeH="0">
+          <a:defRPr kumimoji="0" sz="1800" b="0" i="0" u="none" strike="noStrike" cap="none" spc="0" normalizeH="0" baseline="0">
             <a:ln>
               <a:noFill/>
             </a:ln>
@@ -11708,9 +11811,15 @@
         </a:lvl9pPr>
       </a:lstStyle>
       <a:style>
-        <a:lnRef idx="0"/>
-        <a:fillRef idx="0"/>
-        <a:effectRef idx="0"/>
+        <a:lnRef idx="0">
+          <a:scrgbClr r="0" g="0" b="0"/>
+        </a:lnRef>
+        <a:fillRef idx="0">
+          <a:scrgbClr r="0" g="0" b="0"/>
+        </a:fillRef>
+        <a:effectRef idx="0">
+          <a:scrgbClr r="0" g="0" b="0"/>
+        </a:effectRef>
         <a:fontRef idx="none"/>
       </a:style>
     </a:lnDef>
@@ -11723,7 +11832,7 @@
         </a:ln>
         <a:effectLst/>
       </a:spPr>
-      <a:bodyPr rot="0" spcFirstLastPara="1" vertOverflow="overflow" horzOverflow="overflow" vert="horz" wrap="square" lIns="45719" tIns="45719" rIns="45719" bIns="45719" numCol="1" spcCol="38100" rtlCol="0" anchor="t" upright="0">
+      <a:bodyPr rot="0" spcFirstLastPara="1" vertOverflow="overflow" horzOverflow="overflow" vert="horz" wrap="square" lIns="45719" tIns="45719" rIns="45719" bIns="45719" numCol="1" spcCol="38100" rtlCol="0" anchor="t">
         <a:spAutoFit/>
       </a:bodyPr>
       <a:lstStyle>
@@ -11742,7 +11851,7 @@
           <a:buFontTx/>
           <a:buNone/>
           <a:tabLst/>
-          <a:defRPr b="0" baseline="0" cap="none" i="0" spc="0" strike="noStrike" sz="1800" u="none" kumimoji="0" normalizeH="0">
+          <a:defRPr kumimoji="0" sz="1800" b="0" i="0" u="none" strike="noStrike" cap="none" spc="0" normalizeH="0" baseline="0">
             <a:ln>
               <a:noFill/>
             </a:ln>
@@ -11776,7 +11885,7 @@
           <a:buFontTx/>
           <a:buNone/>
           <a:tabLst/>
-          <a:defRPr b="0" baseline="0" cap="none" i="0" spc="0" strike="noStrike" sz="1800" u="none" kumimoji="0" normalizeH="0">
+          <a:defRPr kumimoji="0" sz="1800" b="0" i="0" u="none" strike="noStrike" cap="none" spc="0" normalizeH="0" baseline="0">
             <a:ln>
               <a:noFill/>
             </a:ln>
@@ -11802,7 +11911,7 @@
           <a:buFontTx/>
           <a:buNone/>
           <a:tabLst/>
-          <a:defRPr b="0" baseline="0" cap="none" i="0" spc="0" strike="noStrike" sz="1800" u="none" kumimoji="0" normalizeH="0">
+          <a:defRPr kumimoji="0" sz="1800" b="0" i="0" u="none" strike="noStrike" cap="none" spc="0" normalizeH="0" baseline="0">
             <a:ln>
               <a:noFill/>
             </a:ln>
@@ -11828,7 +11937,7 @@
           <a:buFontTx/>
           <a:buNone/>
           <a:tabLst/>
-          <a:defRPr b="0" baseline="0" cap="none" i="0" spc="0" strike="noStrike" sz="1800" u="none" kumimoji="0" normalizeH="0">
+          <a:defRPr kumimoji="0" sz="1800" b="0" i="0" u="none" strike="noStrike" cap="none" spc="0" normalizeH="0" baseline="0">
             <a:ln>
               <a:noFill/>
             </a:ln>
@@ -11854,7 +11963,7 @@
           <a:buFontTx/>
           <a:buNone/>
           <a:tabLst/>
-          <a:defRPr b="0" baseline="0" cap="none" i="0" spc="0" strike="noStrike" sz="1800" u="none" kumimoji="0" normalizeH="0">
+          <a:defRPr kumimoji="0" sz="1800" b="0" i="0" u="none" strike="noStrike" cap="none" spc="0" normalizeH="0" baseline="0">
             <a:ln>
               <a:noFill/>
             </a:ln>
@@ -11880,7 +11989,7 @@
           <a:buFontTx/>
           <a:buNone/>
           <a:tabLst/>
-          <a:defRPr b="0" baseline="0" cap="none" i="0" spc="0" strike="noStrike" sz="1800" u="none" kumimoji="0" normalizeH="0">
+          <a:defRPr kumimoji="0" sz="1800" b="0" i="0" u="none" strike="noStrike" cap="none" spc="0" normalizeH="0" baseline="0">
             <a:ln>
               <a:noFill/>
             </a:ln>
@@ -11906,7 +12015,7 @@
           <a:buFontTx/>
           <a:buNone/>
           <a:tabLst/>
-          <a:defRPr b="0" baseline="0" cap="none" i="0" spc="0" strike="noStrike" sz="1800" u="none" kumimoji="0" normalizeH="0">
+          <a:defRPr kumimoji="0" sz="1800" b="0" i="0" u="none" strike="noStrike" cap="none" spc="0" normalizeH="0" baseline="0">
             <a:ln>
               <a:noFill/>
             </a:ln>
@@ -11932,7 +12041,7 @@
           <a:buFontTx/>
           <a:buNone/>
           <a:tabLst/>
-          <a:defRPr b="0" baseline="0" cap="none" i="0" spc="0" strike="noStrike" sz="1800" u="none" kumimoji="0" normalizeH="0">
+          <a:defRPr kumimoji="0" sz="1800" b="0" i="0" u="none" strike="noStrike" cap="none" spc="0" normalizeH="0" baseline="0">
             <a:ln>
               <a:noFill/>
             </a:ln>
@@ -11958,7 +12067,7 @@
           <a:buFontTx/>
           <a:buNone/>
           <a:tabLst/>
-          <a:defRPr b="0" baseline="0" cap="none" i="0" spc="0" strike="noStrike" sz="1800" u="none" kumimoji="0" normalizeH="0">
+          <a:defRPr kumimoji="0" sz="1800" b="0" i="0" u="none" strike="noStrike" cap="none" spc="0" normalizeH="0" baseline="0">
             <a:ln>
               <a:noFill/>
             </a:ln>
@@ -11984,7 +12093,7 @@
           <a:buFontTx/>
           <a:buNone/>
           <a:tabLst/>
-          <a:defRPr b="0" baseline="0" cap="none" i="0" spc="0" strike="noStrike" sz="1800" u="none" kumimoji="0" normalizeH="0">
+          <a:defRPr kumimoji="0" sz="1800" b="0" i="0" u="none" strike="noStrike" cap="none" spc="0" normalizeH="0" baseline="0">
             <a:ln>
               <a:noFill/>
             </a:ln>
@@ -11997,12 +12106,19 @@
         </a:lvl9pPr>
       </a:lstStyle>
       <a:style>
-        <a:lnRef idx="0"/>
-        <a:fillRef idx="0"/>
-        <a:effectRef idx="0"/>
+        <a:lnRef idx="0">
+          <a:scrgbClr r="0" g="0" b="0"/>
+        </a:lnRef>
+        <a:fillRef idx="0">
+          <a:scrgbClr r="0" g="0" b="0"/>
+        </a:fillRef>
+        <a:effectRef idx="0">
+          <a:scrgbClr r="0" g="0" b="0"/>
+        </a:effectRef>
         <a:fontRef idx="none"/>
       </a:style>
     </a:txDef>
   </a:objectDefaults>
+  <a:extraClrSchemeLst/>
 </a:theme>
 </file>
--- a/R/examples/MLdemo/MLPre-demo.pptx
+++ b/R/examples/MLdemo/MLPre-demo.pptx
@@ -5503,11 +5503,17 @@
         <p:nvGraphicFramePr>
           <p:cNvPr id="93" name="Table 93"/>
           <p:cNvGraphicFramePr/>
-          <p:nvPr/>
+          <p:nvPr>
+            <p:extLst>
+              <p:ext uri="{D42A27DB-BD31-4B8C-83A1-F6EECF244321}">
+                <p14:modId xmlns:p14="http://schemas.microsoft.com/office/powerpoint/2010/main" val="4099876560"/>
+              </p:ext>
+            </p:extLst>
+          </p:nvPr>
         </p:nvGraphicFramePr>
         <p:xfrm>
-          <a:off x="940380" y="2768600"/>
-          <a:ext cx="7259013" cy="2621552"/>
+          <a:off x="940380" y="2094045"/>
+          <a:ext cx="7259013" cy="3844744"/>
         </p:xfrm>
         <a:graphic>
           <a:graphicData uri="http://schemas.openxmlformats.org/drawingml/2006/table">
@@ -5520,7 +5526,7 @@
                 <a:gridCol w="2419671"/>
                 <a:gridCol w="2419671"/>
               </a:tblGrid>
-              <a:tr h="635136">
+              <a:tr h="770280">
                 <a:tc>
                   <a:txBody>
                     <a:bodyPr/>
@@ -5554,7 +5560,7 @@
                         </a:defRPr>
                       </a:pPr>
                       <a:r>
-                        <a:rPr b="1" i="1">
+                        <a:rPr lang="en-US" b="1" i="1" dirty="0" smtClean="0">
                           <a:solidFill>
                             <a:srgbClr val="FFFFFF"/>
                           </a:solidFill>
@@ -5564,8 +5570,18 @@
                             </a:solidFill>
                           </a:uFill>
                         </a:rPr>
-                        <a:t>ANQI</a:t>
+                        <a:t>GBM</a:t>
                       </a:r>
+                      <a:endParaRPr b="1" i="1" dirty="0">
+                        <a:solidFill>
+                          <a:srgbClr val="FFFFFF"/>
+                        </a:solidFill>
+                        <a:uFill>
+                          <a:solidFill>
+                            <a:srgbClr val="FFFFFF"/>
+                          </a:solidFill>
+                        </a:uFill>
+                      </a:endParaRPr>
                     </a:p>
                   </a:txBody>
                   <a:tcPr marL="63500" marR="63500" marT="63500" marB="63500" horzOverflow="overflow"/>
@@ -5584,7 +5600,7 @@
                         </a:defRPr>
                       </a:pPr>
                       <a:r>
-                        <a:rPr b="1" i="1">
+                        <a:rPr lang="en-US" b="1" i="1" dirty="0" smtClean="0">
                           <a:solidFill>
                             <a:srgbClr val="FFFFFF"/>
                           </a:solidFill>
@@ -5594,14 +5610,24 @@
                             </a:solidFill>
                           </a:uFill>
                         </a:rPr>
-                        <a:t>IRENE</a:t>
+                        <a:t>GLM</a:t>
                       </a:r>
+                      <a:endParaRPr b="1" i="1" dirty="0">
+                        <a:solidFill>
+                          <a:srgbClr val="FFFFFF"/>
+                        </a:solidFill>
+                        <a:uFill>
+                          <a:solidFill>
+                            <a:srgbClr val="FFFFFF"/>
+                          </a:solidFill>
+                        </a:uFill>
+                      </a:endParaRPr>
                     </a:p>
                   </a:txBody>
                   <a:tcPr marL="63500" marR="63500" marT="63500" marB="63500" horzOverflow="overflow"/>
                 </a:tc>
               </a:tr>
-              <a:tr h="635136">
+              <a:tr h="1152092">
                 <a:tc>
                   <a:txBody>
                     <a:bodyPr/>
@@ -5616,7 +5642,7 @@
                         </a:defRPr>
                       </a:pPr>
                       <a:r>
-                        <a:rPr b="1" i="1">
+                        <a:rPr b="1" i="1" dirty="0">
                           <a:solidFill>
                             <a:srgbClr val="1F2426"/>
                           </a:solidFill>
@@ -5626,7 +5652,59 @@
                             </a:solidFill>
                           </a:uFill>
                         </a:rPr>
-                        <a:t>Error on Dislike (0)
+                        <a:t>Error on </a:t>
+                      </a:r>
+                      <a:r>
+                        <a:rPr b="1" i="1" dirty="0" smtClean="0">
+                          <a:solidFill>
+                            <a:srgbClr val="1F2426"/>
+                          </a:solidFill>
+                          <a:uFill>
+                            <a:solidFill>
+                              <a:srgbClr val="1F2426"/>
+                            </a:solidFill>
+                          </a:uFill>
+                        </a:rPr>
+                        <a:t>Dislike</a:t>
+                      </a:r>
+                      <a:r>
+                        <a:rPr lang="en-US" b="1" i="1" dirty="0" smtClean="0">
+                          <a:solidFill>
+                            <a:srgbClr val="1F2426"/>
+                          </a:solidFill>
+                          <a:uFill>
+                            <a:solidFill>
+                              <a:srgbClr val="1F2426"/>
+                            </a:solidFill>
+                          </a:uFill>
+                        </a:rPr>
+                        <a:t> Class</a:t>
+                      </a:r>
+                      <a:r>
+                        <a:rPr b="1" i="1" dirty="0" smtClean="0">
+                          <a:solidFill>
+                            <a:srgbClr val="1F2426"/>
+                          </a:solidFill>
+                          <a:uFill>
+                            <a:solidFill>
+                              <a:srgbClr val="1F2426"/>
+                            </a:solidFill>
+                          </a:uFill>
+                        </a:rPr>
+                        <a:t> </a:t>
+                      </a:r>
+                      <a:r>
+                        <a:rPr b="1" i="1" dirty="0">
+                          <a:solidFill>
+                            <a:srgbClr val="1F2426"/>
+                          </a:solidFill>
+                          <a:uFill>
+                            <a:solidFill>
+                              <a:srgbClr val="1F2426"/>
+                            </a:solidFill>
+                          </a:uFill>
+                        </a:rPr>
+                        <a:t>(0)
 </a:t>
                       </a:r>
                     </a:p>
@@ -5694,7 +5772,7 @@
                   <a:tcPr marL="63500" marR="63500" marT="63500" marB="63500" horzOverflow="overflow"/>
                 </a:tc>
               </a:tr>
-              <a:tr h="635136">
+              <a:tr h="1152092">
                 <a:tc>
                   <a:txBody>
                     <a:bodyPr/>
@@ -5709,7 +5787,7 @@
                         </a:defRPr>
                       </a:pPr>
                       <a:r>
-                        <a:rPr b="1" i="1">
+                        <a:rPr b="1" i="1" dirty="0">
                           <a:solidFill>
                             <a:srgbClr val="1F2426"/>
                           </a:solidFill>
@@ -5719,7 +5797,59 @@
                             </a:solidFill>
                           </a:uFill>
                         </a:rPr>
-                        <a:t>Error on Like (1)
+                        <a:t>Error on </a:t>
+                      </a:r>
+                      <a:r>
+                        <a:rPr b="1" i="1" dirty="0" smtClean="0">
+                          <a:solidFill>
+                            <a:srgbClr val="1F2426"/>
+                          </a:solidFill>
+                          <a:uFill>
+                            <a:solidFill>
+                              <a:srgbClr val="1F2426"/>
+                            </a:solidFill>
+                          </a:uFill>
+                        </a:rPr>
+                        <a:t>Like</a:t>
+                      </a:r>
+                      <a:r>
+                        <a:rPr lang="en-US" b="1" i="1" dirty="0" smtClean="0">
+                          <a:solidFill>
+                            <a:srgbClr val="1F2426"/>
+                          </a:solidFill>
+                          <a:uFill>
+                            <a:solidFill>
+                              <a:srgbClr val="1F2426"/>
+                            </a:solidFill>
+                          </a:uFill>
+                        </a:rPr>
+                        <a:t> Class</a:t>
+                      </a:r>
+                      <a:r>
+                        <a:rPr b="1" i="1" dirty="0" smtClean="0">
+                          <a:solidFill>
+                            <a:srgbClr val="1F2426"/>
+                          </a:solidFill>
+                          <a:uFill>
+                            <a:solidFill>
+                              <a:srgbClr val="1F2426"/>
+                            </a:solidFill>
+                          </a:uFill>
+                        </a:rPr>
+                        <a:t> </a:t>
+                      </a:r>
+                      <a:r>
+                        <a:rPr b="1" i="1" dirty="0">
+                          <a:solidFill>
+                            <a:srgbClr val="1F2426"/>
+                          </a:solidFill>
+                          <a:uFill>
+                            <a:solidFill>
+                              <a:srgbClr val="1F2426"/>
+                            </a:solidFill>
+                          </a:uFill>
+                        </a:rPr>
+                        <a:t>(1)
 </a:t>
                       </a:r>
                     </a:p>
@@ -5787,7 +5917,7 @@
                   <a:tcPr marL="63500" marR="63500" marT="63500" marB="63500" horzOverflow="overflow"/>
                 </a:tc>
               </a:tr>
-              <a:tr h="635136">
+              <a:tr h="770280">
                 <a:tc>
                   <a:txBody>
                     <a:bodyPr/>
@@ -5862,7 +5992,7 @@
                         </a:defRPr>
                       </a:pPr>
                       <a:r>
-                        <a:rPr b="1" i="1">
+                        <a:rPr b="1" i="1" dirty="0">
                           <a:solidFill>
                             <a:srgbClr val="1F2426"/>
                           </a:solidFill>
@@ -7744,7 +7874,7 @@
                 <a:uFillTx/>
               </a:defRPr>
             </a:pPr>
-            <a:endParaRPr sz="2352">
+            <a:endParaRPr sz="2352" dirty="0">
               <a:solidFill>
                 <a:srgbClr val="535C62"/>
               </a:solidFill>
@@ -7768,7 +7898,7 @@
               </a:defRPr>
             </a:pPr>
             <a:r>
-              <a:rPr sz="2352">
+              <a:rPr sz="2352" dirty="0">
                 <a:solidFill>
                   <a:srgbClr val="535C62"/>
                 </a:solidFill>
@@ -7793,7 +7923,7 @@
                 <a:uFillTx/>
               </a:defRPr>
             </a:pPr>
-            <a:endParaRPr sz="2352">
+            <a:endParaRPr sz="2352" dirty="0">
               <a:solidFill>
                 <a:srgbClr val="535C62"/>
               </a:solidFill>
@@ -7817,7 +7947,7 @@
               </a:defRPr>
             </a:pPr>
             <a:r>
-              <a:rPr sz="2352">
+              <a:rPr sz="2352" dirty="0">
                 <a:solidFill>
                   <a:srgbClr val="535C62"/>
                 </a:solidFill>
@@ -7842,7 +7972,7 @@
                 <a:uFillTx/>
               </a:defRPr>
             </a:pPr>
-            <a:endParaRPr sz="2352">
+            <a:endParaRPr sz="2352" dirty="0">
               <a:solidFill>
                 <a:srgbClr val="535C62"/>
               </a:solidFill>
@@ -7866,7 +7996,7 @@
               </a:defRPr>
             </a:pPr>
             <a:r>
-              <a:rPr sz="2352">
+              <a:rPr sz="2352" dirty="0">
                 <a:solidFill>
                   <a:srgbClr val="535C62"/>
                 </a:solidFill>
@@ -7891,7 +8021,7 @@
                 <a:uFillTx/>
               </a:defRPr>
             </a:pPr>
-            <a:endParaRPr sz="2352">
+            <a:endParaRPr sz="2352" dirty="0">
               <a:solidFill>
                 <a:srgbClr val="535C62"/>
               </a:solidFill>
@@ -9350,7 +9480,7 @@
               </a:defRPr>
             </a:pPr>
             <a:r>
-              <a:rPr sz="2077">
+              <a:rPr sz="2077" dirty="0">
                 <a:uFill>
                   <a:solidFill>
                     <a:srgbClr val="535C62"/>
@@ -9372,7 +9502,7 @@
                 <a:uFillTx/>
               </a:defRPr>
             </a:pPr>
-            <a:endParaRPr sz="2077">
+            <a:endParaRPr sz="2077" dirty="0">
               <a:uFill>
                 <a:solidFill>
                   <a:srgbClr val="535C62"/>
@@ -9393,14 +9523,34 @@
               </a:defRPr>
             </a:pPr>
             <a:r>
-              <a:rPr sz="2077">
+              <a:rPr lang="en-US" sz="2077" dirty="0" smtClean="0">
                 <a:uFill>
                   <a:solidFill>
                     <a:srgbClr val="535C62"/>
                   </a:solidFill>
                 </a:uFill>
               </a:rPr>
-              <a:t>Anqi modeled with tree based GBM - start simple and let the model get as complex as it needs to with depth</a:t>
+              <a:t>Irene </a:t>
+            </a:r>
+            <a:r>
+              <a:rPr sz="2077" dirty="0" smtClean="0">
+                <a:uFill>
+                  <a:solidFill>
+                    <a:srgbClr val="535C62"/>
+                  </a:solidFill>
+                </a:uFill>
+              </a:rPr>
+              <a:t>modeled </a:t>
+            </a:r>
+            <a:r>
+              <a:rPr sz="2077" dirty="0">
+                <a:uFill>
+                  <a:solidFill>
+                    <a:srgbClr val="535C62"/>
+                  </a:solidFill>
+                </a:uFill>
+              </a:rPr>
+              <a:t>with tree based GBM - start simple and let the model get as complex as it needs to with depth</a:t>
             </a:r>
           </a:p>
           <a:p>
@@ -9415,7 +9565,7 @@
                 <a:uFillTx/>
               </a:defRPr>
             </a:pPr>
-            <a:endParaRPr sz="2077">
+            <a:endParaRPr sz="2077" dirty="0">
               <a:uFill>
                 <a:solidFill>
                   <a:srgbClr val="535C62"/>
@@ -9436,14 +9586,44 @@
               </a:defRPr>
             </a:pPr>
             <a:r>
-              <a:rPr sz="2077">
+              <a:rPr lang="en-US" sz="2077" dirty="0" err="1" smtClean="0">
                 <a:uFill>
                   <a:solidFill>
                     <a:srgbClr val="535C62"/>
                   </a:solidFill>
                 </a:uFill>
               </a:rPr>
-              <a:t>Irene modeled with regularized GLM  - start with complexity </a:t>
+              <a:t>Anqi</a:t>
+            </a:r>
+            <a:r>
+              <a:rPr lang="en-US" sz="2077" dirty="0" smtClean="0">
+                <a:uFill>
+                  <a:solidFill>
+                    <a:srgbClr val="535C62"/>
+                  </a:solidFill>
+                </a:uFill>
+              </a:rPr>
+              <a:t> </a:t>
+            </a:r>
+            <a:r>
+              <a:rPr sz="2077" dirty="0" smtClean="0">
+                <a:uFill>
+                  <a:solidFill>
+                    <a:srgbClr val="535C62"/>
+                  </a:solidFill>
+                </a:uFill>
+              </a:rPr>
+              <a:t>modeled </a:t>
+            </a:r>
+            <a:r>
+              <a:rPr sz="2077" dirty="0">
+                <a:uFill>
+                  <a:solidFill>
+                    <a:srgbClr val="535C62"/>
+                  </a:solidFill>
+                </a:uFill>
+              </a:rPr>
+              <a:t>with regularized GLM  - start with complexity </a:t>
             </a:r>
           </a:p>
           <a:p>
@@ -9459,7 +9639,7 @@
               </a:defRPr>
             </a:pPr>
             <a:r>
-              <a:rPr sz="2077">
+              <a:rPr sz="2077" dirty="0">
                 <a:uFill>
                   <a:solidFill>
                     <a:srgbClr val="535C62"/>
@@ -9481,7 +9661,7 @@
                 <a:uFillTx/>
               </a:defRPr>
             </a:pPr>
-            <a:endParaRPr sz="2613">
+            <a:endParaRPr sz="2613" dirty="0">
               <a:solidFill>
                 <a:srgbClr val="535C62"/>
               </a:solidFill>
@@ -9504,7 +9684,7 @@
                 <a:uFillTx/>
               </a:defRPr>
             </a:pPr>
-            <a:endParaRPr sz="1608">
+            <a:endParaRPr sz="1608" dirty="0">
               <a:solidFill>
                 <a:srgbClr val="535C62"/>
               </a:solidFill>
@@ -9527,7 +9707,7 @@
                 <a:uFillTx/>
               </a:defRPr>
             </a:pPr>
-            <a:endParaRPr sz="1608">
+            <a:endParaRPr sz="1608" dirty="0">
               <a:solidFill>
                 <a:srgbClr val="535C62"/>
               </a:solidFill>
@@ -9550,7 +9730,7 @@
                 <a:uFillTx/>
               </a:defRPr>
             </a:pPr>
-            <a:endParaRPr sz="1608">
+            <a:endParaRPr sz="1608" dirty="0">
               <a:solidFill>
                 <a:srgbClr val="535C62"/>
               </a:solidFill>
